--- a/Презентация/FuelEconomy.pptx
+++ b/Презентация/FuelEconomy.pptx
@@ -7,6 +7,17 @@
   <p:sldIdLst>
     <p:sldId id="256" r:id="rId2"/>
     <p:sldId id="257" r:id="rId3"/>
+    <p:sldId id="258" r:id="rId4"/>
+    <p:sldId id="259" r:id="rId5"/>
+    <p:sldId id="260" r:id="rId6"/>
+    <p:sldId id="261" r:id="rId7"/>
+    <p:sldId id="262" r:id="rId8"/>
+    <p:sldId id="263" r:id="rId9"/>
+    <p:sldId id="264" r:id="rId10"/>
+    <p:sldId id="265" r:id="rId11"/>
+    <p:sldId id="266" r:id="rId12"/>
+    <p:sldId id="267" r:id="rId13"/>
+    <p:sldId id="268" r:id="rId14"/>
   </p:sldIdLst>
   <p:sldSz cx="12192000" cy="6858000"/>
   <p:notesSz cx="6858000" cy="9144000"/>
@@ -105,6 +116,11 @@
       </a:defRPr>
     </a:lvl9pPr>
   </p:defaultTextStyle>
+  <p:extLst>
+    <p:ext uri="{EFAFB233-063F-42B5-8137-9DF3F51BA10A}">
+      <p15:sldGuideLst xmlns:p15="http://schemas.microsoft.com/office/powerpoint/2012/main"/>
+    </p:ext>
+  </p:extLst>
 </p:presentation>
 </file>
 
@@ -830,7 +846,7 @@
           <a:p>
             <a:fld id="{18FC848B-63E9-4337-AB1D-7FA84D6B7044}" type="datetimeFigureOut">
               <a:rPr lang="ru-RU" smtClean="0"/>
-              <a:t>04.06.2020</a:t>
+              <a:t>07.06.2020</a:t>
             </a:fld>
             <a:endParaRPr lang="ru-RU"/>
           </a:p>
@@ -1081,7 +1097,7 @@
           <a:p>
             <a:fld id="{18FC848B-63E9-4337-AB1D-7FA84D6B7044}" type="datetimeFigureOut">
               <a:rPr lang="ru-RU" smtClean="0"/>
-              <a:t>04.06.2020</a:t>
+              <a:t>07.06.2020</a:t>
             </a:fld>
             <a:endParaRPr lang="ru-RU"/>
           </a:p>
@@ -1395,7 +1411,7 @@
           <a:p>
             <a:fld id="{18FC848B-63E9-4337-AB1D-7FA84D6B7044}" type="datetimeFigureOut">
               <a:rPr lang="ru-RU" smtClean="0"/>
-              <a:t>04.06.2020</a:t>
+              <a:t>07.06.2020</a:t>
             </a:fld>
             <a:endParaRPr lang="ru-RU"/>
           </a:p>
@@ -1736,7 +1752,7 @@
           <a:p>
             <a:fld id="{18FC848B-63E9-4337-AB1D-7FA84D6B7044}" type="datetimeFigureOut">
               <a:rPr lang="ru-RU" smtClean="0"/>
-              <a:t>04.06.2020</a:t>
+              <a:t>07.06.2020</a:t>
             </a:fld>
             <a:endParaRPr lang="ru-RU"/>
           </a:p>
@@ -2050,7 +2066,7 @@
           <a:p>
             <a:fld id="{18FC848B-63E9-4337-AB1D-7FA84D6B7044}" type="datetimeFigureOut">
               <a:rPr lang="ru-RU" smtClean="0"/>
-              <a:t>04.06.2020</a:t>
+              <a:t>07.06.2020</a:t>
             </a:fld>
             <a:endParaRPr lang="ru-RU"/>
           </a:p>
@@ -2443,7 +2459,7 @@
           <a:p>
             <a:fld id="{18FC848B-63E9-4337-AB1D-7FA84D6B7044}" type="datetimeFigureOut">
               <a:rPr lang="ru-RU" smtClean="0"/>
-              <a:t>04.06.2020</a:t>
+              <a:t>07.06.2020</a:t>
             </a:fld>
             <a:endParaRPr lang="ru-RU"/>
           </a:p>
@@ -2613,7 +2629,7 @@
           <a:p>
             <a:fld id="{18FC848B-63E9-4337-AB1D-7FA84D6B7044}" type="datetimeFigureOut">
               <a:rPr lang="ru-RU" smtClean="0"/>
-              <a:t>04.06.2020</a:t>
+              <a:t>07.06.2020</a:t>
             </a:fld>
             <a:endParaRPr lang="ru-RU"/>
           </a:p>
@@ -2793,7 +2809,7 @@
           <a:p>
             <a:fld id="{18FC848B-63E9-4337-AB1D-7FA84D6B7044}" type="datetimeFigureOut">
               <a:rPr lang="ru-RU" smtClean="0"/>
-              <a:t>04.06.2020</a:t>
+              <a:t>07.06.2020</a:t>
             </a:fld>
             <a:endParaRPr lang="ru-RU"/>
           </a:p>
@@ -2969,7 +2985,7 @@
           <a:p>
             <a:fld id="{18FC848B-63E9-4337-AB1D-7FA84D6B7044}" type="datetimeFigureOut">
               <a:rPr lang="ru-RU" smtClean="0"/>
-              <a:t>04.06.2020</a:t>
+              <a:t>07.06.2020</a:t>
             </a:fld>
             <a:endParaRPr lang="ru-RU"/>
           </a:p>
@@ -3216,7 +3232,7 @@
           <a:p>
             <a:fld id="{18FC848B-63E9-4337-AB1D-7FA84D6B7044}" type="datetimeFigureOut">
               <a:rPr lang="ru-RU" smtClean="0"/>
-              <a:t>04.06.2020</a:t>
+              <a:t>07.06.2020</a:t>
             </a:fld>
             <a:endParaRPr lang="ru-RU"/>
           </a:p>
@@ -3448,7 +3464,7 @@
           <a:p>
             <a:fld id="{18FC848B-63E9-4337-AB1D-7FA84D6B7044}" type="datetimeFigureOut">
               <a:rPr lang="ru-RU" smtClean="0"/>
-              <a:t>04.06.2020</a:t>
+              <a:t>07.06.2020</a:t>
             </a:fld>
             <a:endParaRPr lang="ru-RU"/>
           </a:p>
@@ -3822,7 +3838,7 @@
           <a:p>
             <a:fld id="{18FC848B-63E9-4337-AB1D-7FA84D6B7044}" type="datetimeFigureOut">
               <a:rPr lang="ru-RU" smtClean="0"/>
-              <a:t>04.06.2020</a:t>
+              <a:t>07.06.2020</a:t>
             </a:fld>
             <a:endParaRPr lang="ru-RU"/>
           </a:p>
@@ -3945,7 +3961,7 @@
           <a:p>
             <a:fld id="{18FC848B-63E9-4337-AB1D-7FA84D6B7044}" type="datetimeFigureOut">
               <a:rPr lang="ru-RU" smtClean="0"/>
-              <a:t>04.06.2020</a:t>
+              <a:t>07.06.2020</a:t>
             </a:fld>
             <a:endParaRPr lang="ru-RU"/>
           </a:p>
@@ -4040,7 +4056,7 @@
           <a:p>
             <a:fld id="{18FC848B-63E9-4337-AB1D-7FA84D6B7044}" type="datetimeFigureOut">
               <a:rPr lang="ru-RU" smtClean="0"/>
-              <a:t>04.06.2020</a:t>
+              <a:t>07.06.2020</a:t>
             </a:fld>
             <a:endParaRPr lang="ru-RU"/>
           </a:p>
@@ -4295,7 +4311,7 @@
           <a:p>
             <a:fld id="{18FC848B-63E9-4337-AB1D-7FA84D6B7044}" type="datetimeFigureOut">
               <a:rPr lang="ru-RU" smtClean="0"/>
-              <a:t>04.06.2020</a:t>
+              <a:t>07.06.2020</a:t>
             </a:fld>
             <a:endParaRPr lang="ru-RU"/>
           </a:p>
@@ -4558,7 +4574,7 @@
           <a:p>
             <a:fld id="{18FC848B-63E9-4337-AB1D-7FA84D6B7044}" type="datetimeFigureOut">
               <a:rPr lang="ru-RU" smtClean="0"/>
-              <a:t>04.06.2020</a:t>
+              <a:t>07.06.2020</a:t>
             </a:fld>
             <a:endParaRPr lang="ru-RU"/>
           </a:p>
@@ -5301,7 +5317,7 @@
           <a:p>
             <a:fld id="{18FC848B-63E9-4337-AB1D-7FA84D6B7044}" type="datetimeFigureOut">
               <a:rPr lang="ru-RU" smtClean="0"/>
-              <a:t>04.06.2020</a:t>
+              <a:t>07.06.2020</a:t>
             </a:fld>
             <a:endParaRPr lang="ru-RU"/>
           </a:p>
@@ -6321,6 +6337,1566 @@
 </p:sld>
 </file>
 
+<file path=ppt/slides/slide10.xml><?xml version="1.0" encoding="utf-8"?>
+<p:sld xmlns:a="http://schemas.openxmlformats.org/drawingml/2006/main" xmlns:r="http://schemas.openxmlformats.org/officeDocument/2006/relationships" xmlns:p="http://schemas.openxmlformats.org/presentationml/2006/main">
+  <p:cSld>
+    <p:spTree>
+      <p:nvGrpSpPr>
+        <p:cNvPr id="1" name=""/>
+        <p:cNvGrpSpPr/>
+        <p:nvPr/>
+      </p:nvGrpSpPr>
+      <p:grpSpPr>
+        <a:xfrm>
+          <a:off x="0" y="0"/>
+          <a:ext cx="0" cy="0"/>
+          <a:chOff x="0" y="0"/>
+          <a:chExt cx="0" cy="0"/>
+        </a:xfrm>
+      </p:grpSpPr>
+      <p:pic>
+        <p:nvPicPr>
+          <p:cNvPr id="5" name="Объект 4" descr="Изображение выглядит как часы&#10;&#10;Автоматически созданное описание">
+            <a:extLst>
+              <a:ext uri="{FF2B5EF4-FFF2-40B4-BE49-F238E27FC236}">
+                <a16:creationId xmlns:a16="http://schemas.microsoft.com/office/drawing/2014/main" id="{22E14400-CF35-45DF-A554-0D2B9D036BB9}"/>
+              </a:ext>
+            </a:extLst>
+          </p:cNvPr>
+          <p:cNvPicPr>
+            <a:picLocks noGrp="1" noChangeAspect="1"/>
+          </p:cNvPicPr>
+          <p:nvPr>
+            <p:ph idx="1"/>
+          </p:nvPr>
+        </p:nvPicPr>
+        <p:blipFill>
+          <a:blip r:embed="rId2">
+            <a:alphaModFix amt="10000"/>
+            <a:extLst>
+              <a:ext uri="{28A0092B-C50C-407E-A947-70E740481C1C}">
+                <a14:useLocalDpi xmlns:a14="http://schemas.microsoft.com/office/drawing/2010/main" val="0"/>
+              </a:ext>
+            </a:extLst>
+          </a:blip>
+          <a:stretch>
+            <a:fillRect/>
+          </a:stretch>
+        </p:blipFill>
+        <p:spPr>
+          <a:xfrm>
+            <a:off x="315104" y="38100"/>
+            <a:ext cx="9177239" cy="6819899"/>
+          </a:xfrm>
+          <a:noFill/>
+          <a:ln>
+            <a:noFill/>
+          </a:ln>
+        </p:spPr>
+      </p:pic>
+      <p:sp>
+        <p:nvSpPr>
+          <p:cNvPr id="2" name="Заголовок 1">
+            <a:extLst>
+              <a:ext uri="{FF2B5EF4-FFF2-40B4-BE49-F238E27FC236}">
+                <a16:creationId xmlns:a16="http://schemas.microsoft.com/office/drawing/2014/main" id="{5A5E0FB0-6B34-4956-B75D-4F044035B966}"/>
+              </a:ext>
+            </a:extLst>
+          </p:cNvPr>
+          <p:cNvSpPr>
+            <a:spLocks noGrp="1"/>
+          </p:cNvSpPr>
+          <p:nvPr>
+            <p:ph type="title"/>
+          </p:nvPr>
+        </p:nvSpPr>
+        <p:spPr>
+          <a:xfrm>
+            <a:off x="0" y="38100"/>
+            <a:ext cx="9332686" cy="1282700"/>
+          </a:xfrm>
+        </p:spPr>
+        <p:txBody>
+          <a:bodyPr/>
+          <a:lstStyle/>
+          <a:p>
+            <a:pPr algn="ctr"/>
+            <a:r>
+              <a:rPr lang="ru-RU" dirty="0"/>
+              <a:t>Диаграмма классов</a:t>
+            </a:r>
+          </a:p>
+        </p:txBody>
+      </p:sp>
+      <p:sp>
+        <p:nvSpPr>
+          <p:cNvPr id="6" name="Подзаголовок 2">
+            <a:extLst>
+              <a:ext uri="{FF2B5EF4-FFF2-40B4-BE49-F238E27FC236}">
+                <a16:creationId xmlns:a16="http://schemas.microsoft.com/office/drawing/2014/main" id="{8FF96B42-ADE7-480A-9AB2-4BD09A46A2F5}"/>
+              </a:ext>
+            </a:extLst>
+          </p:cNvPr>
+          <p:cNvSpPr>
+            <a:spLocks noGrp="1"/>
+          </p:cNvSpPr>
+          <p:nvPr/>
+        </p:nvSpPr>
+        <p:spPr>
+          <a:xfrm>
+            <a:off x="315104" y="1320799"/>
+            <a:ext cx="10149696" cy="5205835"/>
+          </a:xfrm>
+          <a:prstGeom prst="rect">
+            <a:avLst/>
+          </a:prstGeom>
+        </p:spPr>
+        <p:txBody>
+          <a:bodyPr vert="horz" lIns="91440" tIns="45720" rIns="91440" bIns="45720" rtlCol="0" anchor="t">
+            <a:normAutofit/>
+          </a:bodyPr>
+          <a:lstStyle>
+            <a:lvl1pPr marL="0" indent="0" algn="l" defTabSz="457200" rtl="0" eaLnBrk="1" latinLnBrk="0" hangingPunct="1">
+              <a:spcBef>
+                <a:spcPts val="1000"/>
+              </a:spcBef>
+              <a:spcAft>
+                <a:spcPts val="0"/>
+              </a:spcAft>
+              <a:buClr>
+                <a:schemeClr val="accent1"/>
+              </a:buClr>
+              <a:buFont typeface="Wingdings 3" charset="2"/>
+              <a:buNone/>
+              <a:defRPr sz="1800" kern="1200">
+                <a:solidFill>
+                  <a:schemeClr val="tx1">
+                    <a:lumMod val="65000"/>
+                    <a:lumOff val="35000"/>
+                  </a:schemeClr>
+                </a:solidFill>
+                <a:latin typeface="+mn-lt"/>
+                <a:ea typeface="+mn-ea"/>
+                <a:cs typeface="+mn-cs"/>
+              </a:defRPr>
+            </a:lvl1pPr>
+            <a:lvl2pPr marL="457200" indent="0" algn="ctr" defTabSz="457200" rtl="0" eaLnBrk="1" latinLnBrk="0" hangingPunct="1">
+              <a:spcBef>
+                <a:spcPts val="1000"/>
+              </a:spcBef>
+              <a:spcAft>
+                <a:spcPts val="0"/>
+              </a:spcAft>
+              <a:buClr>
+                <a:schemeClr val="accent1"/>
+              </a:buClr>
+              <a:buFont typeface="Wingdings 3" charset="2"/>
+              <a:buNone/>
+              <a:defRPr sz="1600" kern="1200">
+                <a:solidFill>
+                  <a:schemeClr val="tx1">
+                    <a:tint val="75000"/>
+                  </a:schemeClr>
+                </a:solidFill>
+                <a:latin typeface="+mn-lt"/>
+                <a:ea typeface="+mn-ea"/>
+                <a:cs typeface="+mn-cs"/>
+              </a:defRPr>
+            </a:lvl2pPr>
+            <a:lvl3pPr marL="914400" indent="0" algn="ctr" defTabSz="457200" rtl="0" eaLnBrk="1" latinLnBrk="0" hangingPunct="1">
+              <a:spcBef>
+                <a:spcPts val="1000"/>
+              </a:spcBef>
+              <a:spcAft>
+                <a:spcPts val="0"/>
+              </a:spcAft>
+              <a:buClr>
+                <a:schemeClr val="accent1"/>
+              </a:buClr>
+              <a:buFont typeface="Wingdings 3" charset="2"/>
+              <a:buNone/>
+              <a:defRPr sz="1400" kern="1200">
+                <a:solidFill>
+                  <a:schemeClr val="tx1">
+                    <a:tint val="75000"/>
+                  </a:schemeClr>
+                </a:solidFill>
+                <a:latin typeface="+mn-lt"/>
+                <a:ea typeface="+mn-ea"/>
+                <a:cs typeface="+mn-cs"/>
+              </a:defRPr>
+            </a:lvl3pPr>
+            <a:lvl4pPr marL="1371600" indent="0" algn="ctr" defTabSz="457200" rtl="0" eaLnBrk="1" latinLnBrk="0" hangingPunct="1">
+              <a:spcBef>
+                <a:spcPts val="1000"/>
+              </a:spcBef>
+              <a:spcAft>
+                <a:spcPts val="0"/>
+              </a:spcAft>
+              <a:buClr>
+                <a:schemeClr val="accent1"/>
+              </a:buClr>
+              <a:buFont typeface="Wingdings 3" charset="2"/>
+              <a:buNone/>
+              <a:defRPr sz="1200" kern="1200">
+                <a:solidFill>
+                  <a:schemeClr val="tx1">
+                    <a:tint val="75000"/>
+                  </a:schemeClr>
+                </a:solidFill>
+                <a:latin typeface="+mn-lt"/>
+                <a:ea typeface="+mn-ea"/>
+                <a:cs typeface="+mn-cs"/>
+              </a:defRPr>
+            </a:lvl4pPr>
+            <a:lvl5pPr marL="1828800" indent="0" algn="ctr" defTabSz="457200" rtl="0" eaLnBrk="1" latinLnBrk="0" hangingPunct="1">
+              <a:spcBef>
+                <a:spcPts val="1000"/>
+              </a:spcBef>
+              <a:spcAft>
+                <a:spcPts val="0"/>
+              </a:spcAft>
+              <a:buClr>
+                <a:schemeClr val="accent1"/>
+              </a:buClr>
+              <a:buFont typeface="Wingdings 3" charset="2"/>
+              <a:buNone/>
+              <a:defRPr sz="1200" kern="1200">
+                <a:solidFill>
+                  <a:schemeClr val="tx1">
+                    <a:tint val="75000"/>
+                  </a:schemeClr>
+                </a:solidFill>
+                <a:latin typeface="+mn-lt"/>
+                <a:ea typeface="+mn-ea"/>
+                <a:cs typeface="+mn-cs"/>
+              </a:defRPr>
+            </a:lvl5pPr>
+            <a:lvl6pPr marL="2286000" indent="0" algn="ctr" defTabSz="457200" rtl="0" eaLnBrk="1" latinLnBrk="0" hangingPunct="1">
+              <a:spcBef>
+                <a:spcPts val="1000"/>
+              </a:spcBef>
+              <a:spcAft>
+                <a:spcPts val="0"/>
+              </a:spcAft>
+              <a:buClr>
+                <a:schemeClr val="accent1"/>
+              </a:buClr>
+              <a:buFont typeface="Wingdings 3" charset="2"/>
+              <a:buNone/>
+              <a:defRPr sz="1200" kern="1200">
+                <a:solidFill>
+                  <a:schemeClr val="tx1">
+                    <a:tint val="75000"/>
+                  </a:schemeClr>
+                </a:solidFill>
+                <a:latin typeface="+mn-lt"/>
+                <a:ea typeface="+mn-ea"/>
+                <a:cs typeface="+mn-cs"/>
+              </a:defRPr>
+            </a:lvl6pPr>
+            <a:lvl7pPr marL="2743200" indent="0" algn="ctr" defTabSz="457200" rtl="0" eaLnBrk="1" latinLnBrk="0" hangingPunct="1">
+              <a:spcBef>
+                <a:spcPts val="1000"/>
+              </a:spcBef>
+              <a:spcAft>
+                <a:spcPts val="0"/>
+              </a:spcAft>
+              <a:buClr>
+                <a:schemeClr val="accent1"/>
+              </a:buClr>
+              <a:buFont typeface="Wingdings 3" charset="2"/>
+              <a:buNone/>
+              <a:defRPr sz="1200" kern="1200">
+                <a:solidFill>
+                  <a:schemeClr val="tx1">
+                    <a:tint val="75000"/>
+                  </a:schemeClr>
+                </a:solidFill>
+                <a:latin typeface="+mn-lt"/>
+                <a:ea typeface="+mn-ea"/>
+                <a:cs typeface="+mn-cs"/>
+              </a:defRPr>
+            </a:lvl7pPr>
+            <a:lvl8pPr marL="3200400" indent="0" algn="ctr" defTabSz="457200" rtl="0" eaLnBrk="1" latinLnBrk="0" hangingPunct="1">
+              <a:spcBef>
+                <a:spcPts val="1000"/>
+              </a:spcBef>
+              <a:spcAft>
+                <a:spcPts val="0"/>
+              </a:spcAft>
+              <a:buClr>
+                <a:schemeClr val="accent1"/>
+              </a:buClr>
+              <a:buFont typeface="Wingdings 3" charset="2"/>
+              <a:buNone/>
+              <a:defRPr sz="1200" kern="1200">
+                <a:solidFill>
+                  <a:schemeClr val="tx1">
+                    <a:tint val="75000"/>
+                  </a:schemeClr>
+                </a:solidFill>
+                <a:latin typeface="+mn-lt"/>
+                <a:ea typeface="+mn-ea"/>
+                <a:cs typeface="+mn-cs"/>
+              </a:defRPr>
+            </a:lvl8pPr>
+            <a:lvl9pPr marL="3657600" indent="0" algn="ctr" defTabSz="457200" rtl="0" eaLnBrk="1" latinLnBrk="0" hangingPunct="1">
+              <a:spcBef>
+                <a:spcPts val="1000"/>
+              </a:spcBef>
+              <a:spcAft>
+                <a:spcPts val="0"/>
+              </a:spcAft>
+              <a:buClr>
+                <a:schemeClr val="accent1"/>
+              </a:buClr>
+              <a:buFont typeface="Wingdings 3" charset="2"/>
+              <a:buNone/>
+              <a:defRPr sz="1200" kern="1200">
+                <a:solidFill>
+                  <a:schemeClr val="tx1">
+                    <a:tint val="75000"/>
+                  </a:schemeClr>
+                </a:solidFill>
+                <a:latin typeface="+mn-lt"/>
+                <a:ea typeface="+mn-ea"/>
+                <a:cs typeface="+mn-cs"/>
+              </a:defRPr>
+            </a:lvl9pPr>
+          </a:lstStyle>
+          <a:p>
+            <a:pPr marL="457200" indent="-457200">
+              <a:buFont typeface="Arial" panose="020B0604020202020204" pitchFamily="34" charset="0"/>
+              <a:buChar char="•"/>
+            </a:pPr>
+            <a:endParaRPr lang="ru-RU" sz="2800" dirty="0">
+              <a:solidFill>
+                <a:srgbClr val="0249A0"/>
+              </a:solidFill>
+            </a:endParaRPr>
+          </a:p>
+        </p:txBody>
+      </p:sp>
+      <p:pic>
+        <p:nvPicPr>
+          <p:cNvPr id="7" name="Рисунок 6" descr="Изображение выглядит как текст, карта&#10;&#10;Автоматически созданное описание">
+            <a:extLst>
+              <a:ext uri="{FF2B5EF4-FFF2-40B4-BE49-F238E27FC236}">
+                <a16:creationId xmlns:a16="http://schemas.microsoft.com/office/drawing/2014/main" id="{0C306C99-753C-44AB-8159-754773990AAD}"/>
+              </a:ext>
+            </a:extLst>
+          </p:cNvPr>
+          <p:cNvPicPr>
+            <a:picLocks noChangeAspect="1"/>
+          </p:cNvPicPr>
+          <p:nvPr/>
+        </p:nvPicPr>
+        <p:blipFill>
+          <a:blip r:embed="rId3">
+            <a:extLst>
+              <a:ext uri="{28A0092B-C50C-407E-A947-70E740481C1C}">
+                <a14:useLocalDpi xmlns:a14="http://schemas.microsoft.com/office/drawing/2010/main" val="0"/>
+              </a:ext>
+            </a:extLst>
+          </a:blip>
+          <a:stretch>
+            <a:fillRect/>
+          </a:stretch>
+        </p:blipFill>
+        <p:spPr>
+          <a:xfrm>
+            <a:off x="1727200" y="757710"/>
+            <a:ext cx="6788346" cy="6100290"/>
+          </a:xfrm>
+          <a:prstGeom prst="rect">
+            <a:avLst/>
+          </a:prstGeom>
+        </p:spPr>
+      </p:pic>
+    </p:spTree>
+    <p:extLst>
+      <p:ext uri="{BB962C8B-B14F-4D97-AF65-F5344CB8AC3E}">
+        <p14:creationId xmlns:p14="http://schemas.microsoft.com/office/powerpoint/2010/main" val="1169191266"/>
+      </p:ext>
+    </p:extLst>
+  </p:cSld>
+  <p:clrMapOvr>
+    <a:masterClrMapping/>
+  </p:clrMapOvr>
+</p:sld>
+</file>
+
+<file path=ppt/slides/slide11.xml><?xml version="1.0" encoding="utf-8"?>
+<p:sld xmlns:a="http://schemas.openxmlformats.org/drawingml/2006/main" xmlns:r="http://schemas.openxmlformats.org/officeDocument/2006/relationships" xmlns:p="http://schemas.openxmlformats.org/presentationml/2006/main">
+  <p:cSld>
+    <p:spTree>
+      <p:nvGrpSpPr>
+        <p:cNvPr id="1" name=""/>
+        <p:cNvGrpSpPr/>
+        <p:nvPr/>
+      </p:nvGrpSpPr>
+      <p:grpSpPr>
+        <a:xfrm>
+          <a:off x="0" y="0"/>
+          <a:ext cx="0" cy="0"/>
+          <a:chOff x="0" y="0"/>
+          <a:chExt cx="0" cy="0"/>
+        </a:xfrm>
+      </p:grpSpPr>
+      <p:pic>
+        <p:nvPicPr>
+          <p:cNvPr id="5" name="Объект 4" descr="Изображение выглядит как часы&#10;&#10;Автоматически созданное описание">
+            <a:extLst>
+              <a:ext uri="{FF2B5EF4-FFF2-40B4-BE49-F238E27FC236}">
+                <a16:creationId xmlns:a16="http://schemas.microsoft.com/office/drawing/2014/main" id="{22E14400-CF35-45DF-A554-0D2B9D036BB9}"/>
+              </a:ext>
+            </a:extLst>
+          </p:cNvPr>
+          <p:cNvPicPr>
+            <a:picLocks noGrp="1" noChangeAspect="1"/>
+          </p:cNvPicPr>
+          <p:nvPr>
+            <p:ph idx="1"/>
+          </p:nvPr>
+        </p:nvPicPr>
+        <p:blipFill>
+          <a:blip r:embed="rId2">
+            <a:alphaModFix amt="10000"/>
+            <a:extLst>
+              <a:ext uri="{28A0092B-C50C-407E-A947-70E740481C1C}">
+                <a14:useLocalDpi xmlns:a14="http://schemas.microsoft.com/office/drawing/2010/main" val="0"/>
+              </a:ext>
+            </a:extLst>
+          </a:blip>
+          <a:stretch>
+            <a:fillRect/>
+          </a:stretch>
+        </p:blipFill>
+        <p:spPr>
+          <a:xfrm>
+            <a:off x="315104" y="38100"/>
+            <a:ext cx="9177239" cy="6819899"/>
+          </a:xfrm>
+          <a:noFill/>
+          <a:ln>
+            <a:noFill/>
+          </a:ln>
+        </p:spPr>
+      </p:pic>
+      <p:sp>
+        <p:nvSpPr>
+          <p:cNvPr id="2" name="Заголовок 1">
+            <a:extLst>
+              <a:ext uri="{FF2B5EF4-FFF2-40B4-BE49-F238E27FC236}">
+                <a16:creationId xmlns:a16="http://schemas.microsoft.com/office/drawing/2014/main" id="{5A5E0FB0-6B34-4956-B75D-4F044035B966}"/>
+              </a:ext>
+            </a:extLst>
+          </p:cNvPr>
+          <p:cNvSpPr>
+            <a:spLocks noGrp="1"/>
+          </p:cNvSpPr>
+          <p:nvPr>
+            <p:ph type="title"/>
+          </p:nvPr>
+        </p:nvSpPr>
+        <p:spPr>
+          <a:xfrm>
+            <a:off x="0" y="38100"/>
+            <a:ext cx="9332686" cy="1282700"/>
+          </a:xfrm>
+        </p:spPr>
+        <p:txBody>
+          <a:bodyPr/>
+          <a:lstStyle/>
+          <a:p>
+            <a:pPr algn="ctr"/>
+            <a:r>
+              <a:rPr lang="ru-RU" dirty="0"/>
+              <a:t>Реализация. Интерфейс</a:t>
+            </a:r>
+          </a:p>
+        </p:txBody>
+      </p:sp>
+      <p:sp>
+        <p:nvSpPr>
+          <p:cNvPr id="6" name="Подзаголовок 2">
+            <a:extLst>
+              <a:ext uri="{FF2B5EF4-FFF2-40B4-BE49-F238E27FC236}">
+                <a16:creationId xmlns:a16="http://schemas.microsoft.com/office/drawing/2014/main" id="{8FF96B42-ADE7-480A-9AB2-4BD09A46A2F5}"/>
+              </a:ext>
+            </a:extLst>
+          </p:cNvPr>
+          <p:cNvSpPr>
+            <a:spLocks noGrp="1"/>
+          </p:cNvSpPr>
+          <p:nvPr/>
+        </p:nvSpPr>
+        <p:spPr>
+          <a:xfrm>
+            <a:off x="315104" y="1320799"/>
+            <a:ext cx="10149696" cy="5205835"/>
+          </a:xfrm>
+          <a:prstGeom prst="rect">
+            <a:avLst/>
+          </a:prstGeom>
+        </p:spPr>
+        <p:txBody>
+          <a:bodyPr vert="horz" lIns="91440" tIns="45720" rIns="91440" bIns="45720" rtlCol="0" anchor="t">
+            <a:normAutofit/>
+          </a:bodyPr>
+          <a:lstStyle>
+            <a:lvl1pPr marL="0" indent="0" algn="l" defTabSz="457200" rtl="0" eaLnBrk="1" latinLnBrk="0" hangingPunct="1">
+              <a:spcBef>
+                <a:spcPts val="1000"/>
+              </a:spcBef>
+              <a:spcAft>
+                <a:spcPts val="0"/>
+              </a:spcAft>
+              <a:buClr>
+                <a:schemeClr val="accent1"/>
+              </a:buClr>
+              <a:buFont typeface="Wingdings 3" charset="2"/>
+              <a:buNone/>
+              <a:defRPr sz="1800" kern="1200">
+                <a:solidFill>
+                  <a:schemeClr val="tx1">
+                    <a:lumMod val="65000"/>
+                    <a:lumOff val="35000"/>
+                  </a:schemeClr>
+                </a:solidFill>
+                <a:latin typeface="+mn-lt"/>
+                <a:ea typeface="+mn-ea"/>
+                <a:cs typeface="+mn-cs"/>
+              </a:defRPr>
+            </a:lvl1pPr>
+            <a:lvl2pPr marL="457200" indent="0" algn="ctr" defTabSz="457200" rtl="0" eaLnBrk="1" latinLnBrk="0" hangingPunct="1">
+              <a:spcBef>
+                <a:spcPts val="1000"/>
+              </a:spcBef>
+              <a:spcAft>
+                <a:spcPts val="0"/>
+              </a:spcAft>
+              <a:buClr>
+                <a:schemeClr val="accent1"/>
+              </a:buClr>
+              <a:buFont typeface="Wingdings 3" charset="2"/>
+              <a:buNone/>
+              <a:defRPr sz="1600" kern="1200">
+                <a:solidFill>
+                  <a:schemeClr val="tx1">
+                    <a:tint val="75000"/>
+                  </a:schemeClr>
+                </a:solidFill>
+                <a:latin typeface="+mn-lt"/>
+                <a:ea typeface="+mn-ea"/>
+                <a:cs typeface="+mn-cs"/>
+              </a:defRPr>
+            </a:lvl2pPr>
+            <a:lvl3pPr marL="914400" indent="0" algn="ctr" defTabSz="457200" rtl="0" eaLnBrk="1" latinLnBrk="0" hangingPunct="1">
+              <a:spcBef>
+                <a:spcPts val="1000"/>
+              </a:spcBef>
+              <a:spcAft>
+                <a:spcPts val="0"/>
+              </a:spcAft>
+              <a:buClr>
+                <a:schemeClr val="accent1"/>
+              </a:buClr>
+              <a:buFont typeface="Wingdings 3" charset="2"/>
+              <a:buNone/>
+              <a:defRPr sz="1400" kern="1200">
+                <a:solidFill>
+                  <a:schemeClr val="tx1">
+                    <a:tint val="75000"/>
+                  </a:schemeClr>
+                </a:solidFill>
+                <a:latin typeface="+mn-lt"/>
+                <a:ea typeface="+mn-ea"/>
+                <a:cs typeface="+mn-cs"/>
+              </a:defRPr>
+            </a:lvl3pPr>
+            <a:lvl4pPr marL="1371600" indent="0" algn="ctr" defTabSz="457200" rtl="0" eaLnBrk="1" latinLnBrk="0" hangingPunct="1">
+              <a:spcBef>
+                <a:spcPts val="1000"/>
+              </a:spcBef>
+              <a:spcAft>
+                <a:spcPts val="0"/>
+              </a:spcAft>
+              <a:buClr>
+                <a:schemeClr val="accent1"/>
+              </a:buClr>
+              <a:buFont typeface="Wingdings 3" charset="2"/>
+              <a:buNone/>
+              <a:defRPr sz="1200" kern="1200">
+                <a:solidFill>
+                  <a:schemeClr val="tx1">
+                    <a:tint val="75000"/>
+                  </a:schemeClr>
+                </a:solidFill>
+                <a:latin typeface="+mn-lt"/>
+                <a:ea typeface="+mn-ea"/>
+                <a:cs typeface="+mn-cs"/>
+              </a:defRPr>
+            </a:lvl4pPr>
+            <a:lvl5pPr marL="1828800" indent="0" algn="ctr" defTabSz="457200" rtl="0" eaLnBrk="1" latinLnBrk="0" hangingPunct="1">
+              <a:spcBef>
+                <a:spcPts val="1000"/>
+              </a:spcBef>
+              <a:spcAft>
+                <a:spcPts val="0"/>
+              </a:spcAft>
+              <a:buClr>
+                <a:schemeClr val="accent1"/>
+              </a:buClr>
+              <a:buFont typeface="Wingdings 3" charset="2"/>
+              <a:buNone/>
+              <a:defRPr sz="1200" kern="1200">
+                <a:solidFill>
+                  <a:schemeClr val="tx1">
+                    <a:tint val="75000"/>
+                  </a:schemeClr>
+                </a:solidFill>
+                <a:latin typeface="+mn-lt"/>
+                <a:ea typeface="+mn-ea"/>
+                <a:cs typeface="+mn-cs"/>
+              </a:defRPr>
+            </a:lvl5pPr>
+            <a:lvl6pPr marL="2286000" indent="0" algn="ctr" defTabSz="457200" rtl="0" eaLnBrk="1" latinLnBrk="0" hangingPunct="1">
+              <a:spcBef>
+                <a:spcPts val="1000"/>
+              </a:spcBef>
+              <a:spcAft>
+                <a:spcPts val="0"/>
+              </a:spcAft>
+              <a:buClr>
+                <a:schemeClr val="accent1"/>
+              </a:buClr>
+              <a:buFont typeface="Wingdings 3" charset="2"/>
+              <a:buNone/>
+              <a:defRPr sz="1200" kern="1200">
+                <a:solidFill>
+                  <a:schemeClr val="tx1">
+                    <a:tint val="75000"/>
+                  </a:schemeClr>
+                </a:solidFill>
+                <a:latin typeface="+mn-lt"/>
+                <a:ea typeface="+mn-ea"/>
+                <a:cs typeface="+mn-cs"/>
+              </a:defRPr>
+            </a:lvl6pPr>
+            <a:lvl7pPr marL="2743200" indent="0" algn="ctr" defTabSz="457200" rtl="0" eaLnBrk="1" latinLnBrk="0" hangingPunct="1">
+              <a:spcBef>
+                <a:spcPts val="1000"/>
+              </a:spcBef>
+              <a:spcAft>
+                <a:spcPts val="0"/>
+              </a:spcAft>
+              <a:buClr>
+                <a:schemeClr val="accent1"/>
+              </a:buClr>
+              <a:buFont typeface="Wingdings 3" charset="2"/>
+              <a:buNone/>
+              <a:defRPr sz="1200" kern="1200">
+                <a:solidFill>
+                  <a:schemeClr val="tx1">
+                    <a:tint val="75000"/>
+                  </a:schemeClr>
+                </a:solidFill>
+                <a:latin typeface="+mn-lt"/>
+                <a:ea typeface="+mn-ea"/>
+                <a:cs typeface="+mn-cs"/>
+              </a:defRPr>
+            </a:lvl7pPr>
+            <a:lvl8pPr marL="3200400" indent="0" algn="ctr" defTabSz="457200" rtl="0" eaLnBrk="1" latinLnBrk="0" hangingPunct="1">
+              <a:spcBef>
+                <a:spcPts val="1000"/>
+              </a:spcBef>
+              <a:spcAft>
+                <a:spcPts val="0"/>
+              </a:spcAft>
+              <a:buClr>
+                <a:schemeClr val="accent1"/>
+              </a:buClr>
+              <a:buFont typeface="Wingdings 3" charset="2"/>
+              <a:buNone/>
+              <a:defRPr sz="1200" kern="1200">
+                <a:solidFill>
+                  <a:schemeClr val="tx1">
+                    <a:tint val="75000"/>
+                  </a:schemeClr>
+                </a:solidFill>
+                <a:latin typeface="+mn-lt"/>
+                <a:ea typeface="+mn-ea"/>
+                <a:cs typeface="+mn-cs"/>
+              </a:defRPr>
+            </a:lvl8pPr>
+            <a:lvl9pPr marL="3657600" indent="0" algn="ctr" defTabSz="457200" rtl="0" eaLnBrk="1" latinLnBrk="0" hangingPunct="1">
+              <a:spcBef>
+                <a:spcPts val="1000"/>
+              </a:spcBef>
+              <a:spcAft>
+                <a:spcPts val="0"/>
+              </a:spcAft>
+              <a:buClr>
+                <a:schemeClr val="accent1"/>
+              </a:buClr>
+              <a:buFont typeface="Wingdings 3" charset="2"/>
+              <a:buNone/>
+              <a:defRPr sz="1200" kern="1200">
+                <a:solidFill>
+                  <a:schemeClr val="tx1">
+                    <a:tint val="75000"/>
+                  </a:schemeClr>
+                </a:solidFill>
+                <a:latin typeface="+mn-lt"/>
+                <a:ea typeface="+mn-ea"/>
+                <a:cs typeface="+mn-cs"/>
+              </a:defRPr>
+            </a:lvl9pPr>
+          </a:lstStyle>
+          <a:p>
+            <a:pPr marL="457200" indent="-457200">
+              <a:buFont typeface="Arial" panose="020B0604020202020204" pitchFamily="34" charset="0"/>
+              <a:buChar char="•"/>
+            </a:pPr>
+            <a:endParaRPr lang="ru-RU" sz="2800" dirty="0">
+              <a:solidFill>
+                <a:srgbClr val="0249A0"/>
+              </a:solidFill>
+            </a:endParaRPr>
+          </a:p>
+        </p:txBody>
+      </p:sp>
+      <p:pic>
+        <p:nvPicPr>
+          <p:cNvPr id="11" name="Рисунок 10" descr="Изображение выглядит как снимок экрана&#10;&#10;Автоматически созданное описание">
+            <a:extLst>
+              <a:ext uri="{FF2B5EF4-FFF2-40B4-BE49-F238E27FC236}">
+                <a16:creationId xmlns:a16="http://schemas.microsoft.com/office/drawing/2014/main" id="{5ABF783B-FA4E-4AB1-A9AF-ED86EEE45BDC}"/>
+              </a:ext>
+            </a:extLst>
+          </p:cNvPr>
+          <p:cNvPicPr>
+            <a:picLocks noChangeAspect="1"/>
+          </p:cNvPicPr>
+          <p:nvPr/>
+        </p:nvPicPr>
+        <p:blipFill>
+          <a:blip r:embed="rId3">
+            <a:extLst>
+              <a:ext uri="{28A0092B-C50C-407E-A947-70E740481C1C}">
+                <a14:useLocalDpi xmlns:a14="http://schemas.microsoft.com/office/drawing/2010/main" val="0"/>
+              </a:ext>
+            </a:extLst>
+          </a:blip>
+          <a:stretch>
+            <a:fillRect/>
+          </a:stretch>
+        </p:blipFill>
+        <p:spPr>
+          <a:xfrm>
+            <a:off x="2023245" y="743081"/>
+            <a:ext cx="6515100" cy="5734050"/>
+          </a:xfrm>
+          <a:prstGeom prst="rect">
+            <a:avLst/>
+          </a:prstGeom>
+        </p:spPr>
+      </p:pic>
+    </p:spTree>
+    <p:extLst>
+      <p:ext uri="{BB962C8B-B14F-4D97-AF65-F5344CB8AC3E}">
+        <p14:creationId xmlns:p14="http://schemas.microsoft.com/office/powerpoint/2010/main" val="1560313668"/>
+      </p:ext>
+    </p:extLst>
+  </p:cSld>
+  <p:clrMapOvr>
+    <a:masterClrMapping/>
+  </p:clrMapOvr>
+</p:sld>
+</file>
+
+<file path=ppt/slides/slide12.xml><?xml version="1.0" encoding="utf-8"?>
+<p:sld xmlns:a="http://schemas.openxmlformats.org/drawingml/2006/main" xmlns:r="http://schemas.openxmlformats.org/officeDocument/2006/relationships" xmlns:p="http://schemas.openxmlformats.org/presentationml/2006/main">
+  <p:cSld>
+    <p:spTree>
+      <p:nvGrpSpPr>
+        <p:cNvPr id="1" name=""/>
+        <p:cNvGrpSpPr/>
+        <p:nvPr/>
+      </p:nvGrpSpPr>
+      <p:grpSpPr>
+        <a:xfrm>
+          <a:off x="0" y="0"/>
+          <a:ext cx="0" cy="0"/>
+          <a:chOff x="0" y="0"/>
+          <a:chExt cx="0" cy="0"/>
+        </a:xfrm>
+      </p:grpSpPr>
+      <p:pic>
+        <p:nvPicPr>
+          <p:cNvPr id="5" name="Объект 4" descr="Изображение выглядит как часы&#10;&#10;Автоматически созданное описание">
+            <a:extLst>
+              <a:ext uri="{FF2B5EF4-FFF2-40B4-BE49-F238E27FC236}">
+                <a16:creationId xmlns:a16="http://schemas.microsoft.com/office/drawing/2014/main" id="{22E14400-CF35-45DF-A554-0D2B9D036BB9}"/>
+              </a:ext>
+            </a:extLst>
+          </p:cNvPr>
+          <p:cNvPicPr>
+            <a:picLocks noGrp="1" noChangeAspect="1"/>
+          </p:cNvPicPr>
+          <p:nvPr>
+            <p:ph idx="1"/>
+          </p:nvPr>
+        </p:nvPicPr>
+        <p:blipFill>
+          <a:blip r:embed="rId2">
+            <a:alphaModFix amt="10000"/>
+            <a:extLst>
+              <a:ext uri="{28A0092B-C50C-407E-A947-70E740481C1C}">
+                <a14:useLocalDpi xmlns:a14="http://schemas.microsoft.com/office/drawing/2010/main" val="0"/>
+              </a:ext>
+            </a:extLst>
+          </a:blip>
+          <a:stretch>
+            <a:fillRect/>
+          </a:stretch>
+        </p:blipFill>
+        <p:spPr>
+          <a:xfrm>
+            <a:off x="315104" y="38100"/>
+            <a:ext cx="9177239" cy="6819899"/>
+          </a:xfrm>
+          <a:noFill/>
+          <a:ln>
+            <a:noFill/>
+          </a:ln>
+        </p:spPr>
+      </p:pic>
+      <p:sp>
+        <p:nvSpPr>
+          <p:cNvPr id="2" name="Заголовок 1">
+            <a:extLst>
+              <a:ext uri="{FF2B5EF4-FFF2-40B4-BE49-F238E27FC236}">
+                <a16:creationId xmlns:a16="http://schemas.microsoft.com/office/drawing/2014/main" id="{5A5E0FB0-6B34-4956-B75D-4F044035B966}"/>
+              </a:ext>
+            </a:extLst>
+          </p:cNvPr>
+          <p:cNvSpPr>
+            <a:spLocks noGrp="1"/>
+          </p:cNvSpPr>
+          <p:nvPr>
+            <p:ph type="title"/>
+          </p:nvPr>
+        </p:nvSpPr>
+        <p:spPr>
+          <a:xfrm>
+            <a:off x="0" y="38100"/>
+            <a:ext cx="9332686" cy="1282700"/>
+          </a:xfrm>
+        </p:spPr>
+        <p:txBody>
+          <a:bodyPr/>
+          <a:lstStyle/>
+          <a:p>
+            <a:pPr algn="ctr"/>
+            <a:r>
+              <a:rPr lang="ru-RU" dirty="0"/>
+              <a:t>Реализация. Интерфейс</a:t>
+            </a:r>
+          </a:p>
+        </p:txBody>
+      </p:sp>
+      <p:sp>
+        <p:nvSpPr>
+          <p:cNvPr id="6" name="Подзаголовок 2">
+            <a:extLst>
+              <a:ext uri="{FF2B5EF4-FFF2-40B4-BE49-F238E27FC236}">
+                <a16:creationId xmlns:a16="http://schemas.microsoft.com/office/drawing/2014/main" id="{8FF96B42-ADE7-480A-9AB2-4BD09A46A2F5}"/>
+              </a:ext>
+            </a:extLst>
+          </p:cNvPr>
+          <p:cNvSpPr>
+            <a:spLocks noGrp="1"/>
+          </p:cNvSpPr>
+          <p:nvPr/>
+        </p:nvSpPr>
+        <p:spPr>
+          <a:xfrm>
+            <a:off x="315104" y="1320799"/>
+            <a:ext cx="10149696" cy="5205835"/>
+          </a:xfrm>
+          <a:prstGeom prst="rect">
+            <a:avLst/>
+          </a:prstGeom>
+        </p:spPr>
+        <p:txBody>
+          <a:bodyPr vert="horz" lIns="91440" tIns="45720" rIns="91440" bIns="45720" rtlCol="0" anchor="t">
+            <a:normAutofit/>
+          </a:bodyPr>
+          <a:lstStyle>
+            <a:lvl1pPr marL="0" indent="0" algn="l" defTabSz="457200" rtl="0" eaLnBrk="1" latinLnBrk="0" hangingPunct="1">
+              <a:spcBef>
+                <a:spcPts val="1000"/>
+              </a:spcBef>
+              <a:spcAft>
+                <a:spcPts val="0"/>
+              </a:spcAft>
+              <a:buClr>
+                <a:schemeClr val="accent1"/>
+              </a:buClr>
+              <a:buFont typeface="Wingdings 3" charset="2"/>
+              <a:buNone/>
+              <a:defRPr sz="1800" kern="1200">
+                <a:solidFill>
+                  <a:schemeClr val="tx1">
+                    <a:lumMod val="65000"/>
+                    <a:lumOff val="35000"/>
+                  </a:schemeClr>
+                </a:solidFill>
+                <a:latin typeface="+mn-lt"/>
+                <a:ea typeface="+mn-ea"/>
+                <a:cs typeface="+mn-cs"/>
+              </a:defRPr>
+            </a:lvl1pPr>
+            <a:lvl2pPr marL="457200" indent="0" algn="ctr" defTabSz="457200" rtl="0" eaLnBrk="1" latinLnBrk="0" hangingPunct="1">
+              <a:spcBef>
+                <a:spcPts val="1000"/>
+              </a:spcBef>
+              <a:spcAft>
+                <a:spcPts val="0"/>
+              </a:spcAft>
+              <a:buClr>
+                <a:schemeClr val="accent1"/>
+              </a:buClr>
+              <a:buFont typeface="Wingdings 3" charset="2"/>
+              <a:buNone/>
+              <a:defRPr sz="1600" kern="1200">
+                <a:solidFill>
+                  <a:schemeClr val="tx1">
+                    <a:tint val="75000"/>
+                  </a:schemeClr>
+                </a:solidFill>
+                <a:latin typeface="+mn-lt"/>
+                <a:ea typeface="+mn-ea"/>
+                <a:cs typeface="+mn-cs"/>
+              </a:defRPr>
+            </a:lvl2pPr>
+            <a:lvl3pPr marL="914400" indent="0" algn="ctr" defTabSz="457200" rtl="0" eaLnBrk="1" latinLnBrk="0" hangingPunct="1">
+              <a:spcBef>
+                <a:spcPts val="1000"/>
+              </a:spcBef>
+              <a:spcAft>
+                <a:spcPts val="0"/>
+              </a:spcAft>
+              <a:buClr>
+                <a:schemeClr val="accent1"/>
+              </a:buClr>
+              <a:buFont typeface="Wingdings 3" charset="2"/>
+              <a:buNone/>
+              <a:defRPr sz="1400" kern="1200">
+                <a:solidFill>
+                  <a:schemeClr val="tx1">
+                    <a:tint val="75000"/>
+                  </a:schemeClr>
+                </a:solidFill>
+                <a:latin typeface="+mn-lt"/>
+                <a:ea typeface="+mn-ea"/>
+                <a:cs typeface="+mn-cs"/>
+              </a:defRPr>
+            </a:lvl3pPr>
+            <a:lvl4pPr marL="1371600" indent="0" algn="ctr" defTabSz="457200" rtl="0" eaLnBrk="1" latinLnBrk="0" hangingPunct="1">
+              <a:spcBef>
+                <a:spcPts val="1000"/>
+              </a:spcBef>
+              <a:spcAft>
+                <a:spcPts val="0"/>
+              </a:spcAft>
+              <a:buClr>
+                <a:schemeClr val="accent1"/>
+              </a:buClr>
+              <a:buFont typeface="Wingdings 3" charset="2"/>
+              <a:buNone/>
+              <a:defRPr sz="1200" kern="1200">
+                <a:solidFill>
+                  <a:schemeClr val="tx1">
+                    <a:tint val="75000"/>
+                  </a:schemeClr>
+                </a:solidFill>
+                <a:latin typeface="+mn-lt"/>
+                <a:ea typeface="+mn-ea"/>
+                <a:cs typeface="+mn-cs"/>
+              </a:defRPr>
+            </a:lvl4pPr>
+            <a:lvl5pPr marL="1828800" indent="0" algn="ctr" defTabSz="457200" rtl="0" eaLnBrk="1" latinLnBrk="0" hangingPunct="1">
+              <a:spcBef>
+                <a:spcPts val="1000"/>
+              </a:spcBef>
+              <a:spcAft>
+                <a:spcPts val="0"/>
+              </a:spcAft>
+              <a:buClr>
+                <a:schemeClr val="accent1"/>
+              </a:buClr>
+              <a:buFont typeface="Wingdings 3" charset="2"/>
+              <a:buNone/>
+              <a:defRPr sz="1200" kern="1200">
+                <a:solidFill>
+                  <a:schemeClr val="tx1">
+                    <a:tint val="75000"/>
+                  </a:schemeClr>
+                </a:solidFill>
+                <a:latin typeface="+mn-lt"/>
+                <a:ea typeface="+mn-ea"/>
+                <a:cs typeface="+mn-cs"/>
+              </a:defRPr>
+            </a:lvl5pPr>
+            <a:lvl6pPr marL="2286000" indent="0" algn="ctr" defTabSz="457200" rtl="0" eaLnBrk="1" latinLnBrk="0" hangingPunct="1">
+              <a:spcBef>
+                <a:spcPts val="1000"/>
+              </a:spcBef>
+              <a:spcAft>
+                <a:spcPts val="0"/>
+              </a:spcAft>
+              <a:buClr>
+                <a:schemeClr val="accent1"/>
+              </a:buClr>
+              <a:buFont typeface="Wingdings 3" charset="2"/>
+              <a:buNone/>
+              <a:defRPr sz="1200" kern="1200">
+                <a:solidFill>
+                  <a:schemeClr val="tx1">
+                    <a:tint val="75000"/>
+                  </a:schemeClr>
+                </a:solidFill>
+                <a:latin typeface="+mn-lt"/>
+                <a:ea typeface="+mn-ea"/>
+                <a:cs typeface="+mn-cs"/>
+              </a:defRPr>
+            </a:lvl6pPr>
+            <a:lvl7pPr marL="2743200" indent="0" algn="ctr" defTabSz="457200" rtl="0" eaLnBrk="1" latinLnBrk="0" hangingPunct="1">
+              <a:spcBef>
+                <a:spcPts val="1000"/>
+              </a:spcBef>
+              <a:spcAft>
+                <a:spcPts val="0"/>
+              </a:spcAft>
+              <a:buClr>
+                <a:schemeClr val="accent1"/>
+              </a:buClr>
+              <a:buFont typeface="Wingdings 3" charset="2"/>
+              <a:buNone/>
+              <a:defRPr sz="1200" kern="1200">
+                <a:solidFill>
+                  <a:schemeClr val="tx1">
+                    <a:tint val="75000"/>
+                  </a:schemeClr>
+                </a:solidFill>
+                <a:latin typeface="+mn-lt"/>
+                <a:ea typeface="+mn-ea"/>
+                <a:cs typeface="+mn-cs"/>
+              </a:defRPr>
+            </a:lvl7pPr>
+            <a:lvl8pPr marL="3200400" indent="0" algn="ctr" defTabSz="457200" rtl="0" eaLnBrk="1" latinLnBrk="0" hangingPunct="1">
+              <a:spcBef>
+                <a:spcPts val="1000"/>
+              </a:spcBef>
+              <a:spcAft>
+                <a:spcPts val="0"/>
+              </a:spcAft>
+              <a:buClr>
+                <a:schemeClr val="accent1"/>
+              </a:buClr>
+              <a:buFont typeface="Wingdings 3" charset="2"/>
+              <a:buNone/>
+              <a:defRPr sz="1200" kern="1200">
+                <a:solidFill>
+                  <a:schemeClr val="tx1">
+                    <a:tint val="75000"/>
+                  </a:schemeClr>
+                </a:solidFill>
+                <a:latin typeface="+mn-lt"/>
+                <a:ea typeface="+mn-ea"/>
+                <a:cs typeface="+mn-cs"/>
+              </a:defRPr>
+            </a:lvl8pPr>
+            <a:lvl9pPr marL="3657600" indent="0" algn="ctr" defTabSz="457200" rtl="0" eaLnBrk="1" latinLnBrk="0" hangingPunct="1">
+              <a:spcBef>
+                <a:spcPts val="1000"/>
+              </a:spcBef>
+              <a:spcAft>
+                <a:spcPts val="0"/>
+              </a:spcAft>
+              <a:buClr>
+                <a:schemeClr val="accent1"/>
+              </a:buClr>
+              <a:buFont typeface="Wingdings 3" charset="2"/>
+              <a:buNone/>
+              <a:defRPr sz="1200" kern="1200">
+                <a:solidFill>
+                  <a:schemeClr val="tx1">
+                    <a:tint val="75000"/>
+                  </a:schemeClr>
+                </a:solidFill>
+                <a:latin typeface="+mn-lt"/>
+                <a:ea typeface="+mn-ea"/>
+                <a:cs typeface="+mn-cs"/>
+              </a:defRPr>
+            </a:lvl9pPr>
+          </a:lstStyle>
+          <a:p>
+            <a:pPr marL="457200" indent="-457200">
+              <a:buFont typeface="Arial" panose="020B0604020202020204" pitchFamily="34" charset="0"/>
+              <a:buChar char="•"/>
+            </a:pPr>
+            <a:endParaRPr lang="ru-RU" sz="2800" dirty="0">
+              <a:solidFill>
+                <a:srgbClr val="0249A0"/>
+              </a:solidFill>
+            </a:endParaRPr>
+          </a:p>
+        </p:txBody>
+      </p:sp>
+      <p:pic>
+        <p:nvPicPr>
+          <p:cNvPr id="7" name="Рисунок 6" descr="Изображение выглядит как снимок экрана&#10;&#10;Автоматически созданное описание">
+            <a:extLst>
+              <a:ext uri="{FF2B5EF4-FFF2-40B4-BE49-F238E27FC236}">
+                <a16:creationId xmlns:a16="http://schemas.microsoft.com/office/drawing/2014/main" id="{2AFF477F-DFD1-4162-87AF-3D9E50DCABFE}"/>
+              </a:ext>
+            </a:extLst>
+          </p:cNvPr>
+          <p:cNvPicPr>
+            <a:picLocks noChangeAspect="1"/>
+          </p:cNvPicPr>
+          <p:nvPr/>
+        </p:nvPicPr>
+        <p:blipFill>
+          <a:blip r:embed="rId3">
+            <a:extLst>
+              <a:ext uri="{28A0092B-C50C-407E-A947-70E740481C1C}">
+                <a14:useLocalDpi xmlns:a14="http://schemas.microsoft.com/office/drawing/2010/main" val="0"/>
+              </a:ext>
+            </a:extLst>
+          </a:blip>
+          <a:stretch>
+            <a:fillRect/>
+          </a:stretch>
+        </p:blipFill>
+        <p:spPr>
+          <a:xfrm>
+            <a:off x="2132402" y="679450"/>
+            <a:ext cx="6515100" cy="5753100"/>
+          </a:xfrm>
+          <a:prstGeom prst="rect">
+            <a:avLst/>
+          </a:prstGeom>
+        </p:spPr>
+      </p:pic>
+    </p:spTree>
+    <p:extLst>
+      <p:ext uri="{BB962C8B-B14F-4D97-AF65-F5344CB8AC3E}">
+        <p14:creationId xmlns:p14="http://schemas.microsoft.com/office/powerpoint/2010/main" val="822934627"/>
+      </p:ext>
+    </p:extLst>
+  </p:cSld>
+  <p:clrMapOvr>
+    <a:masterClrMapping/>
+  </p:clrMapOvr>
+</p:sld>
+</file>
+
+<file path=ppt/slides/slide13.xml><?xml version="1.0" encoding="utf-8"?>
+<p:sld xmlns:a="http://schemas.openxmlformats.org/drawingml/2006/main" xmlns:r="http://schemas.openxmlformats.org/officeDocument/2006/relationships" xmlns:p="http://schemas.openxmlformats.org/presentationml/2006/main">
+  <p:cSld>
+    <p:spTree>
+      <p:nvGrpSpPr>
+        <p:cNvPr id="1" name=""/>
+        <p:cNvGrpSpPr/>
+        <p:nvPr/>
+      </p:nvGrpSpPr>
+      <p:grpSpPr>
+        <a:xfrm>
+          <a:off x="0" y="0"/>
+          <a:ext cx="0" cy="0"/>
+          <a:chOff x="0" y="0"/>
+          <a:chExt cx="0" cy="0"/>
+        </a:xfrm>
+      </p:grpSpPr>
+      <p:pic>
+        <p:nvPicPr>
+          <p:cNvPr id="5" name="Объект 4" descr="Изображение выглядит как часы&#10;&#10;Автоматически созданное описание">
+            <a:extLst>
+              <a:ext uri="{FF2B5EF4-FFF2-40B4-BE49-F238E27FC236}">
+                <a16:creationId xmlns:a16="http://schemas.microsoft.com/office/drawing/2014/main" id="{22E14400-CF35-45DF-A554-0D2B9D036BB9}"/>
+              </a:ext>
+            </a:extLst>
+          </p:cNvPr>
+          <p:cNvPicPr>
+            <a:picLocks noGrp="1" noChangeAspect="1"/>
+          </p:cNvPicPr>
+          <p:nvPr>
+            <p:ph idx="1"/>
+          </p:nvPr>
+        </p:nvPicPr>
+        <p:blipFill>
+          <a:blip r:embed="rId2">
+            <a:alphaModFix amt="10000"/>
+            <a:extLst>
+              <a:ext uri="{28A0092B-C50C-407E-A947-70E740481C1C}">
+                <a14:useLocalDpi xmlns:a14="http://schemas.microsoft.com/office/drawing/2010/main" val="0"/>
+              </a:ext>
+            </a:extLst>
+          </a:blip>
+          <a:stretch>
+            <a:fillRect/>
+          </a:stretch>
+        </p:blipFill>
+        <p:spPr>
+          <a:xfrm>
+            <a:off x="315104" y="38100"/>
+            <a:ext cx="9177239" cy="6819899"/>
+          </a:xfrm>
+          <a:noFill/>
+          <a:ln>
+            <a:noFill/>
+          </a:ln>
+        </p:spPr>
+      </p:pic>
+      <p:sp>
+        <p:nvSpPr>
+          <p:cNvPr id="2" name="Заголовок 1">
+            <a:extLst>
+              <a:ext uri="{FF2B5EF4-FFF2-40B4-BE49-F238E27FC236}">
+                <a16:creationId xmlns:a16="http://schemas.microsoft.com/office/drawing/2014/main" id="{5A5E0FB0-6B34-4956-B75D-4F044035B966}"/>
+              </a:ext>
+            </a:extLst>
+          </p:cNvPr>
+          <p:cNvSpPr>
+            <a:spLocks noGrp="1"/>
+          </p:cNvSpPr>
+          <p:nvPr>
+            <p:ph type="title"/>
+          </p:nvPr>
+        </p:nvSpPr>
+        <p:spPr>
+          <a:xfrm>
+            <a:off x="0" y="38100"/>
+            <a:ext cx="9332686" cy="1282700"/>
+          </a:xfrm>
+        </p:spPr>
+        <p:txBody>
+          <a:bodyPr/>
+          <a:lstStyle/>
+          <a:p>
+            <a:pPr algn="ctr"/>
+            <a:r>
+              <a:rPr lang="ru-RU" dirty="0"/>
+              <a:t>Реализация. Интерфейс</a:t>
+            </a:r>
+          </a:p>
+        </p:txBody>
+      </p:sp>
+      <p:sp>
+        <p:nvSpPr>
+          <p:cNvPr id="6" name="Подзаголовок 2">
+            <a:extLst>
+              <a:ext uri="{FF2B5EF4-FFF2-40B4-BE49-F238E27FC236}">
+                <a16:creationId xmlns:a16="http://schemas.microsoft.com/office/drawing/2014/main" id="{8FF96B42-ADE7-480A-9AB2-4BD09A46A2F5}"/>
+              </a:ext>
+            </a:extLst>
+          </p:cNvPr>
+          <p:cNvSpPr>
+            <a:spLocks noGrp="1"/>
+          </p:cNvSpPr>
+          <p:nvPr/>
+        </p:nvSpPr>
+        <p:spPr>
+          <a:xfrm>
+            <a:off x="315104" y="1320799"/>
+            <a:ext cx="10149696" cy="5205835"/>
+          </a:xfrm>
+          <a:prstGeom prst="rect">
+            <a:avLst/>
+          </a:prstGeom>
+        </p:spPr>
+        <p:txBody>
+          <a:bodyPr vert="horz" lIns="91440" tIns="45720" rIns="91440" bIns="45720" rtlCol="0" anchor="t">
+            <a:normAutofit/>
+          </a:bodyPr>
+          <a:lstStyle>
+            <a:lvl1pPr marL="0" indent="0" algn="l" defTabSz="457200" rtl="0" eaLnBrk="1" latinLnBrk="0" hangingPunct="1">
+              <a:spcBef>
+                <a:spcPts val="1000"/>
+              </a:spcBef>
+              <a:spcAft>
+                <a:spcPts val="0"/>
+              </a:spcAft>
+              <a:buClr>
+                <a:schemeClr val="accent1"/>
+              </a:buClr>
+              <a:buFont typeface="Wingdings 3" charset="2"/>
+              <a:buNone/>
+              <a:defRPr sz="1800" kern="1200">
+                <a:solidFill>
+                  <a:schemeClr val="tx1">
+                    <a:lumMod val="65000"/>
+                    <a:lumOff val="35000"/>
+                  </a:schemeClr>
+                </a:solidFill>
+                <a:latin typeface="+mn-lt"/>
+                <a:ea typeface="+mn-ea"/>
+                <a:cs typeface="+mn-cs"/>
+              </a:defRPr>
+            </a:lvl1pPr>
+            <a:lvl2pPr marL="457200" indent="0" algn="ctr" defTabSz="457200" rtl="0" eaLnBrk="1" latinLnBrk="0" hangingPunct="1">
+              <a:spcBef>
+                <a:spcPts val="1000"/>
+              </a:spcBef>
+              <a:spcAft>
+                <a:spcPts val="0"/>
+              </a:spcAft>
+              <a:buClr>
+                <a:schemeClr val="accent1"/>
+              </a:buClr>
+              <a:buFont typeface="Wingdings 3" charset="2"/>
+              <a:buNone/>
+              <a:defRPr sz="1600" kern="1200">
+                <a:solidFill>
+                  <a:schemeClr val="tx1">
+                    <a:tint val="75000"/>
+                  </a:schemeClr>
+                </a:solidFill>
+                <a:latin typeface="+mn-lt"/>
+                <a:ea typeface="+mn-ea"/>
+                <a:cs typeface="+mn-cs"/>
+              </a:defRPr>
+            </a:lvl2pPr>
+            <a:lvl3pPr marL="914400" indent="0" algn="ctr" defTabSz="457200" rtl="0" eaLnBrk="1" latinLnBrk="0" hangingPunct="1">
+              <a:spcBef>
+                <a:spcPts val="1000"/>
+              </a:spcBef>
+              <a:spcAft>
+                <a:spcPts val="0"/>
+              </a:spcAft>
+              <a:buClr>
+                <a:schemeClr val="accent1"/>
+              </a:buClr>
+              <a:buFont typeface="Wingdings 3" charset="2"/>
+              <a:buNone/>
+              <a:defRPr sz="1400" kern="1200">
+                <a:solidFill>
+                  <a:schemeClr val="tx1">
+                    <a:tint val="75000"/>
+                  </a:schemeClr>
+                </a:solidFill>
+                <a:latin typeface="+mn-lt"/>
+                <a:ea typeface="+mn-ea"/>
+                <a:cs typeface="+mn-cs"/>
+              </a:defRPr>
+            </a:lvl3pPr>
+            <a:lvl4pPr marL="1371600" indent="0" algn="ctr" defTabSz="457200" rtl="0" eaLnBrk="1" latinLnBrk="0" hangingPunct="1">
+              <a:spcBef>
+                <a:spcPts val="1000"/>
+              </a:spcBef>
+              <a:spcAft>
+                <a:spcPts val="0"/>
+              </a:spcAft>
+              <a:buClr>
+                <a:schemeClr val="accent1"/>
+              </a:buClr>
+              <a:buFont typeface="Wingdings 3" charset="2"/>
+              <a:buNone/>
+              <a:defRPr sz="1200" kern="1200">
+                <a:solidFill>
+                  <a:schemeClr val="tx1">
+                    <a:tint val="75000"/>
+                  </a:schemeClr>
+                </a:solidFill>
+                <a:latin typeface="+mn-lt"/>
+                <a:ea typeface="+mn-ea"/>
+                <a:cs typeface="+mn-cs"/>
+              </a:defRPr>
+            </a:lvl4pPr>
+            <a:lvl5pPr marL="1828800" indent="0" algn="ctr" defTabSz="457200" rtl="0" eaLnBrk="1" latinLnBrk="0" hangingPunct="1">
+              <a:spcBef>
+                <a:spcPts val="1000"/>
+              </a:spcBef>
+              <a:spcAft>
+                <a:spcPts val="0"/>
+              </a:spcAft>
+              <a:buClr>
+                <a:schemeClr val="accent1"/>
+              </a:buClr>
+              <a:buFont typeface="Wingdings 3" charset="2"/>
+              <a:buNone/>
+              <a:defRPr sz="1200" kern="1200">
+                <a:solidFill>
+                  <a:schemeClr val="tx1">
+                    <a:tint val="75000"/>
+                  </a:schemeClr>
+                </a:solidFill>
+                <a:latin typeface="+mn-lt"/>
+                <a:ea typeface="+mn-ea"/>
+                <a:cs typeface="+mn-cs"/>
+              </a:defRPr>
+            </a:lvl5pPr>
+            <a:lvl6pPr marL="2286000" indent="0" algn="ctr" defTabSz="457200" rtl="0" eaLnBrk="1" latinLnBrk="0" hangingPunct="1">
+              <a:spcBef>
+                <a:spcPts val="1000"/>
+              </a:spcBef>
+              <a:spcAft>
+                <a:spcPts val="0"/>
+              </a:spcAft>
+              <a:buClr>
+                <a:schemeClr val="accent1"/>
+              </a:buClr>
+              <a:buFont typeface="Wingdings 3" charset="2"/>
+              <a:buNone/>
+              <a:defRPr sz="1200" kern="1200">
+                <a:solidFill>
+                  <a:schemeClr val="tx1">
+                    <a:tint val="75000"/>
+                  </a:schemeClr>
+                </a:solidFill>
+                <a:latin typeface="+mn-lt"/>
+                <a:ea typeface="+mn-ea"/>
+                <a:cs typeface="+mn-cs"/>
+              </a:defRPr>
+            </a:lvl6pPr>
+            <a:lvl7pPr marL="2743200" indent="0" algn="ctr" defTabSz="457200" rtl="0" eaLnBrk="1" latinLnBrk="0" hangingPunct="1">
+              <a:spcBef>
+                <a:spcPts val="1000"/>
+              </a:spcBef>
+              <a:spcAft>
+                <a:spcPts val="0"/>
+              </a:spcAft>
+              <a:buClr>
+                <a:schemeClr val="accent1"/>
+              </a:buClr>
+              <a:buFont typeface="Wingdings 3" charset="2"/>
+              <a:buNone/>
+              <a:defRPr sz="1200" kern="1200">
+                <a:solidFill>
+                  <a:schemeClr val="tx1">
+                    <a:tint val="75000"/>
+                  </a:schemeClr>
+                </a:solidFill>
+                <a:latin typeface="+mn-lt"/>
+                <a:ea typeface="+mn-ea"/>
+                <a:cs typeface="+mn-cs"/>
+              </a:defRPr>
+            </a:lvl7pPr>
+            <a:lvl8pPr marL="3200400" indent="0" algn="ctr" defTabSz="457200" rtl="0" eaLnBrk="1" latinLnBrk="0" hangingPunct="1">
+              <a:spcBef>
+                <a:spcPts val="1000"/>
+              </a:spcBef>
+              <a:spcAft>
+                <a:spcPts val="0"/>
+              </a:spcAft>
+              <a:buClr>
+                <a:schemeClr val="accent1"/>
+              </a:buClr>
+              <a:buFont typeface="Wingdings 3" charset="2"/>
+              <a:buNone/>
+              <a:defRPr sz="1200" kern="1200">
+                <a:solidFill>
+                  <a:schemeClr val="tx1">
+                    <a:tint val="75000"/>
+                  </a:schemeClr>
+                </a:solidFill>
+                <a:latin typeface="+mn-lt"/>
+                <a:ea typeface="+mn-ea"/>
+                <a:cs typeface="+mn-cs"/>
+              </a:defRPr>
+            </a:lvl8pPr>
+            <a:lvl9pPr marL="3657600" indent="0" algn="ctr" defTabSz="457200" rtl="0" eaLnBrk="1" latinLnBrk="0" hangingPunct="1">
+              <a:spcBef>
+                <a:spcPts val="1000"/>
+              </a:spcBef>
+              <a:spcAft>
+                <a:spcPts val="0"/>
+              </a:spcAft>
+              <a:buClr>
+                <a:schemeClr val="accent1"/>
+              </a:buClr>
+              <a:buFont typeface="Wingdings 3" charset="2"/>
+              <a:buNone/>
+              <a:defRPr sz="1200" kern="1200">
+                <a:solidFill>
+                  <a:schemeClr val="tx1">
+                    <a:tint val="75000"/>
+                  </a:schemeClr>
+                </a:solidFill>
+                <a:latin typeface="+mn-lt"/>
+                <a:ea typeface="+mn-ea"/>
+                <a:cs typeface="+mn-cs"/>
+              </a:defRPr>
+            </a:lvl9pPr>
+          </a:lstStyle>
+          <a:p>
+            <a:pPr marL="457200" indent="-457200">
+              <a:buFont typeface="Arial" panose="020B0604020202020204" pitchFamily="34" charset="0"/>
+              <a:buChar char="•"/>
+            </a:pPr>
+            <a:endParaRPr lang="ru-RU" sz="2800" dirty="0">
+              <a:solidFill>
+                <a:srgbClr val="0249A0"/>
+              </a:solidFill>
+            </a:endParaRPr>
+          </a:p>
+        </p:txBody>
+      </p:sp>
+      <p:pic>
+        <p:nvPicPr>
+          <p:cNvPr id="4" name="Рисунок 3" descr="Изображение выглядит как снимок экрана&#10;&#10;Автоматически созданное описание">
+            <a:extLst>
+              <a:ext uri="{FF2B5EF4-FFF2-40B4-BE49-F238E27FC236}">
+                <a16:creationId xmlns:a16="http://schemas.microsoft.com/office/drawing/2014/main" id="{2D242328-8B07-4EB3-9310-80783993F16D}"/>
+              </a:ext>
+            </a:extLst>
+          </p:cNvPr>
+          <p:cNvPicPr>
+            <a:picLocks noChangeAspect="1"/>
+          </p:cNvPicPr>
+          <p:nvPr/>
+        </p:nvPicPr>
+        <p:blipFill>
+          <a:blip r:embed="rId3">
+            <a:extLst>
+              <a:ext uri="{28A0092B-C50C-407E-A947-70E740481C1C}">
+                <a14:useLocalDpi xmlns:a14="http://schemas.microsoft.com/office/drawing/2010/main" val="0"/>
+              </a:ext>
+            </a:extLst>
+          </a:blip>
+          <a:stretch>
+            <a:fillRect/>
+          </a:stretch>
+        </p:blipFill>
+        <p:spPr>
+          <a:xfrm>
+            <a:off x="2041737" y="744959"/>
+            <a:ext cx="6543675" cy="5781675"/>
+          </a:xfrm>
+          <a:prstGeom prst="rect">
+            <a:avLst/>
+          </a:prstGeom>
+        </p:spPr>
+      </p:pic>
+    </p:spTree>
+    <p:extLst>
+      <p:ext uri="{BB962C8B-B14F-4D97-AF65-F5344CB8AC3E}">
+        <p14:creationId xmlns:p14="http://schemas.microsoft.com/office/powerpoint/2010/main" val="2766103507"/>
+      </p:ext>
+    </p:extLst>
+  </p:cSld>
+  <p:clrMapOvr>
+    <a:masterClrMapping/>
+  </p:clrMapOvr>
+</p:sld>
+</file>
+
 <file path=ppt/slides/slide2.xml><?xml version="1.0" encoding="utf-8"?>
 <p:sld xmlns:a="http://schemas.openxmlformats.org/drawingml/2006/main" xmlns:r="http://schemas.openxmlformats.org/officeDocument/2006/relationships" xmlns:p="http://schemas.openxmlformats.org/presentationml/2006/main">
   <p:cSld>
@@ -6356,7 +7932,7 @@
         </p:nvPicPr>
         <p:blipFill>
           <a:blip r:embed="rId2">
-            <a:alphaModFix amt="20000"/>
+            <a:alphaModFix amt="10000"/>
             <a:extLst>
               <a:ext uri="{28A0092B-C50C-407E-A947-70E740481C1C}">
                 <a14:useLocalDpi xmlns:a14="http://schemas.microsoft.com/office/drawing/2010/main" val="0"/>
@@ -6429,7 +8005,7 @@
         <p:spPr>
           <a:xfrm>
             <a:off x="315104" y="1320800"/>
-            <a:ext cx="10149696" cy="1655762"/>
+            <a:ext cx="10149696" cy="3082758"/>
           </a:xfrm>
           <a:prstGeom prst="rect">
             <a:avLst/>
@@ -6650,26 +8226,65 @@
             </a:lvl9pPr>
           </a:lstStyle>
           <a:p>
-            <a:r>
-              <a:rPr lang="ru-RU" sz="2400" dirty="0">
-                <a:solidFill>
-                  <a:srgbClr val="002060"/>
+            <a:pPr>
+              <a:lnSpc>
+                <a:spcPct val="150000"/>
+              </a:lnSpc>
+            </a:pPr>
+            <a:r>
+              <a:rPr lang="en-US" sz="2800" dirty="0">
+                <a:solidFill>
+                  <a:srgbClr val="0249A0"/>
                 </a:solidFill>
               </a:rPr>
-              <a:t>Создать простой и удобный инструмент, позволяющий экономить время, деньги, да еще и в придачу улучшить экологию.</a:t>
-            </a:r>
-          </a:p>
-          <a:p>
-            <a:endParaRPr lang="ru-RU" sz="2400" dirty="0">
+              <a:t>	</a:t>
+            </a:r>
+            <a:endParaRPr lang="ru-RU" sz="2800" dirty="0">
               <a:solidFill>
-                <a:srgbClr val="002060"/>
+                <a:srgbClr val="0249A0"/>
               </a:solidFill>
             </a:endParaRPr>
           </a:p>
           <a:p>
-            <a:endParaRPr lang="ru-RU" sz="2400" dirty="0">
+            <a:pPr>
+              <a:lnSpc>
+                <a:spcPct val="150000"/>
+              </a:lnSpc>
+            </a:pPr>
+            <a:r>
+              <a:rPr lang="ru-RU" sz="2800" dirty="0">
+                <a:solidFill>
+                  <a:srgbClr val="0249A0"/>
+                </a:solidFill>
+              </a:rPr>
+              <a:t>	Создать простой и удобный инструмент для водителей, позволяющий экономить деньги,</a:t>
+            </a:r>
+            <a:r>
+              <a:rPr lang="en-US" sz="2800" dirty="0">
+                <a:solidFill>
+                  <a:srgbClr val="0249A0"/>
+                </a:solidFill>
+              </a:rPr>
+              <a:t> </a:t>
+            </a:r>
+            <a:r>
+              <a:rPr lang="ru-RU" sz="2800" dirty="0">
+                <a:solidFill>
+                  <a:srgbClr val="0249A0"/>
+                </a:solidFill>
+              </a:rPr>
+              <a:t>время, да еще и в придачу улучшить экологию.</a:t>
+            </a:r>
+            <a:endParaRPr lang="en-US" sz="2800" dirty="0">
               <a:solidFill>
-                <a:srgbClr val="002060"/>
+                <a:srgbClr val="0249A0"/>
+              </a:solidFill>
+            </a:endParaRPr>
+          </a:p>
+          <a:p>
+            <a:endParaRPr lang="ru-RU" sz="2800" dirty="0">
+              <a:solidFill>
+                <a:srgbClr val="0249A0"/>
               </a:solidFill>
             </a:endParaRPr>
           </a:p>
@@ -6679,6 +8294,2839 @@
     <p:extLst>
       <p:ext uri="{BB962C8B-B14F-4D97-AF65-F5344CB8AC3E}">
         <p14:creationId xmlns:p14="http://schemas.microsoft.com/office/powerpoint/2010/main" val="320118399"/>
+      </p:ext>
+    </p:extLst>
+  </p:cSld>
+  <p:clrMapOvr>
+    <a:masterClrMapping/>
+  </p:clrMapOvr>
+</p:sld>
+</file>
+
+<file path=ppt/slides/slide3.xml><?xml version="1.0" encoding="utf-8"?>
+<p:sld xmlns:a="http://schemas.openxmlformats.org/drawingml/2006/main" xmlns:r="http://schemas.openxmlformats.org/officeDocument/2006/relationships" xmlns:p="http://schemas.openxmlformats.org/presentationml/2006/main">
+  <p:cSld>
+    <p:spTree>
+      <p:nvGrpSpPr>
+        <p:cNvPr id="1" name=""/>
+        <p:cNvGrpSpPr/>
+        <p:nvPr/>
+      </p:nvGrpSpPr>
+      <p:grpSpPr>
+        <a:xfrm>
+          <a:off x="0" y="0"/>
+          <a:ext cx="0" cy="0"/>
+          <a:chOff x="0" y="0"/>
+          <a:chExt cx="0" cy="0"/>
+        </a:xfrm>
+      </p:grpSpPr>
+      <p:pic>
+        <p:nvPicPr>
+          <p:cNvPr id="5" name="Объект 4" descr="Изображение выглядит как часы&#10;&#10;Автоматически созданное описание">
+            <a:extLst>
+              <a:ext uri="{FF2B5EF4-FFF2-40B4-BE49-F238E27FC236}">
+                <a16:creationId xmlns:a16="http://schemas.microsoft.com/office/drawing/2014/main" id="{22E14400-CF35-45DF-A554-0D2B9D036BB9}"/>
+              </a:ext>
+            </a:extLst>
+          </p:cNvPr>
+          <p:cNvPicPr>
+            <a:picLocks noGrp="1" noChangeAspect="1"/>
+          </p:cNvPicPr>
+          <p:nvPr>
+            <p:ph idx="1"/>
+          </p:nvPr>
+        </p:nvPicPr>
+        <p:blipFill>
+          <a:blip r:embed="rId2">
+            <a:alphaModFix amt="10000"/>
+            <a:extLst>
+              <a:ext uri="{28A0092B-C50C-407E-A947-70E740481C1C}">
+                <a14:useLocalDpi xmlns:a14="http://schemas.microsoft.com/office/drawing/2010/main" val="0"/>
+              </a:ext>
+            </a:extLst>
+          </a:blip>
+          <a:stretch>
+            <a:fillRect/>
+          </a:stretch>
+        </p:blipFill>
+        <p:spPr>
+          <a:xfrm>
+            <a:off x="315104" y="38100"/>
+            <a:ext cx="9177239" cy="6819899"/>
+          </a:xfrm>
+          <a:noFill/>
+          <a:ln>
+            <a:noFill/>
+          </a:ln>
+        </p:spPr>
+      </p:pic>
+      <p:sp>
+        <p:nvSpPr>
+          <p:cNvPr id="2" name="Заголовок 1">
+            <a:extLst>
+              <a:ext uri="{FF2B5EF4-FFF2-40B4-BE49-F238E27FC236}">
+                <a16:creationId xmlns:a16="http://schemas.microsoft.com/office/drawing/2014/main" id="{5A5E0FB0-6B34-4956-B75D-4F044035B966}"/>
+              </a:ext>
+            </a:extLst>
+          </p:cNvPr>
+          <p:cNvSpPr>
+            <a:spLocks noGrp="1"/>
+          </p:cNvSpPr>
+          <p:nvPr>
+            <p:ph type="title"/>
+          </p:nvPr>
+        </p:nvSpPr>
+        <p:spPr>
+          <a:xfrm>
+            <a:off x="0" y="38100"/>
+            <a:ext cx="9332686" cy="1282700"/>
+          </a:xfrm>
+        </p:spPr>
+        <p:txBody>
+          <a:bodyPr/>
+          <a:lstStyle/>
+          <a:p>
+            <a:pPr algn="ctr"/>
+            <a:r>
+              <a:rPr lang="ru-RU" dirty="0"/>
+              <a:t>Задачи работы</a:t>
+            </a:r>
+          </a:p>
+        </p:txBody>
+      </p:sp>
+      <p:sp>
+        <p:nvSpPr>
+          <p:cNvPr id="6" name="Подзаголовок 2">
+            <a:extLst>
+              <a:ext uri="{FF2B5EF4-FFF2-40B4-BE49-F238E27FC236}">
+                <a16:creationId xmlns:a16="http://schemas.microsoft.com/office/drawing/2014/main" id="{8FF96B42-ADE7-480A-9AB2-4BD09A46A2F5}"/>
+              </a:ext>
+            </a:extLst>
+          </p:cNvPr>
+          <p:cNvSpPr>
+            <a:spLocks noGrp="1"/>
+          </p:cNvSpPr>
+          <p:nvPr/>
+        </p:nvSpPr>
+        <p:spPr>
+          <a:xfrm>
+            <a:off x="315104" y="1320799"/>
+            <a:ext cx="10149696" cy="5304589"/>
+          </a:xfrm>
+          <a:prstGeom prst="rect">
+            <a:avLst/>
+          </a:prstGeom>
+        </p:spPr>
+        <p:txBody>
+          <a:bodyPr vert="horz" lIns="91440" tIns="45720" rIns="91440" bIns="45720" rtlCol="0" anchor="t">
+            <a:normAutofit/>
+          </a:bodyPr>
+          <a:lstStyle>
+            <a:lvl1pPr marL="0" indent="0" algn="l" defTabSz="457200" rtl="0" eaLnBrk="1" latinLnBrk="0" hangingPunct="1">
+              <a:spcBef>
+                <a:spcPts val="1000"/>
+              </a:spcBef>
+              <a:spcAft>
+                <a:spcPts val="0"/>
+              </a:spcAft>
+              <a:buClr>
+                <a:schemeClr val="accent1"/>
+              </a:buClr>
+              <a:buFont typeface="Wingdings 3" charset="2"/>
+              <a:buNone/>
+              <a:defRPr sz="1800" kern="1200">
+                <a:solidFill>
+                  <a:schemeClr val="tx1">
+                    <a:lumMod val="65000"/>
+                    <a:lumOff val="35000"/>
+                  </a:schemeClr>
+                </a:solidFill>
+                <a:latin typeface="+mn-lt"/>
+                <a:ea typeface="+mn-ea"/>
+                <a:cs typeface="+mn-cs"/>
+              </a:defRPr>
+            </a:lvl1pPr>
+            <a:lvl2pPr marL="457200" indent="0" algn="ctr" defTabSz="457200" rtl="0" eaLnBrk="1" latinLnBrk="0" hangingPunct="1">
+              <a:spcBef>
+                <a:spcPts val="1000"/>
+              </a:spcBef>
+              <a:spcAft>
+                <a:spcPts val="0"/>
+              </a:spcAft>
+              <a:buClr>
+                <a:schemeClr val="accent1"/>
+              </a:buClr>
+              <a:buFont typeface="Wingdings 3" charset="2"/>
+              <a:buNone/>
+              <a:defRPr sz="1600" kern="1200">
+                <a:solidFill>
+                  <a:schemeClr val="tx1">
+                    <a:tint val="75000"/>
+                  </a:schemeClr>
+                </a:solidFill>
+                <a:latin typeface="+mn-lt"/>
+                <a:ea typeface="+mn-ea"/>
+                <a:cs typeface="+mn-cs"/>
+              </a:defRPr>
+            </a:lvl2pPr>
+            <a:lvl3pPr marL="914400" indent="0" algn="ctr" defTabSz="457200" rtl="0" eaLnBrk="1" latinLnBrk="0" hangingPunct="1">
+              <a:spcBef>
+                <a:spcPts val="1000"/>
+              </a:spcBef>
+              <a:spcAft>
+                <a:spcPts val="0"/>
+              </a:spcAft>
+              <a:buClr>
+                <a:schemeClr val="accent1"/>
+              </a:buClr>
+              <a:buFont typeface="Wingdings 3" charset="2"/>
+              <a:buNone/>
+              <a:defRPr sz="1400" kern="1200">
+                <a:solidFill>
+                  <a:schemeClr val="tx1">
+                    <a:tint val="75000"/>
+                  </a:schemeClr>
+                </a:solidFill>
+                <a:latin typeface="+mn-lt"/>
+                <a:ea typeface="+mn-ea"/>
+                <a:cs typeface="+mn-cs"/>
+              </a:defRPr>
+            </a:lvl3pPr>
+            <a:lvl4pPr marL="1371600" indent="0" algn="ctr" defTabSz="457200" rtl="0" eaLnBrk="1" latinLnBrk="0" hangingPunct="1">
+              <a:spcBef>
+                <a:spcPts val="1000"/>
+              </a:spcBef>
+              <a:spcAft>
+                <a:spcPts val="0"/>
+              </a:spcAft>
+              <a:buClr>
+                <a:schemeClr val="accent1"/>
+              </a:buClr>
+              <a:buFont typeface="Wingdings 3" charset="2"/>
+              <a:buNone/>
+              <a:defRPr sz="1200" kern="1200">
+                <a:solidFill>
+                  <a:schemeClr val="tx1">
+                    <a:tint val="75000"/>
+                  </a:schemeClr>
+                </a:solidFill>
+                <a:latin typeface="+mn-lt"/>
+                <a:ea typeface="+mn-ea"/>
+                <a:cs typeface="+mn-cs"/>
+              </a:defRPr>
+            </a:lvl4pPr>
+            <a:lvl5pPr marL="1828800" indent="0" algn="ctr" defTabSz="457200" rtl="0" eaLnBrk="1" latinLnBrk="0" hangingPunct="1">
+              <a:spcBef>
+                <a:spcPts val="1000"/>
+              </a:spcBef>
+              <a:spcAft>
+                <a:spcPts val="0"/>
+              </a:spcAft>
+              <a:buClr>
+                <a:schemeClr val="accent1"/>
+              </a:buClr>
+              <a:buFont typeface="Wingdings 3" charset="2"/>
+              <a:buNone/>
+              <a:defRPr sz="1200" kern="1200">
+                <a:solidFill>
+                  <a:schemeClr val="tx1">
+                    <a:tint val="75000"/>
+                  </a:schemeClr>
+                </a:solidFill>
+                <a:latin typeface="+mn-lt"/>
+                <a:ea typeface="+mn-ea"/>
+                <a:cs typeface="+mn-cs"/>
+              </a:defRPr>
+            </a:lvl5pPr>
+            <a:lvl6pPr marL="2286000" indent="0" algn="ctr" defTabSz="457200" rtl="0" eaLnBrk="1" latinLnBrk="0" hangingPunct="1">
+              <a:spcBef>
+                <a:spcPts val="1000"/>
+              </a:spcBef>
+              <a:spcAft>
+                <a:spcPts val="0"/>
+              </a:spcAft>
+              <a:buClr>
+                <a:schemeClr val="accent1"/>
+              </a:buClr>
+              <a:buFont typeface="Wingdings 3" charset="2"/>
+              <a:buNone/>
+              <a:defRPr sz="1200" kern="1200">
+                <a:solidFill>
+                  <a:schemeClr val="tx1">
+                    <a:tint val="75000"/>
+                  </a:schemeClr>
+                </a:solidFill>
+                <a:latin typeface="+mn-lt"/>
+                <a:ea typeface="+mn-ea"/>
+                <a:cs typeface="+mn-cs"/>
+              </a:defRPr>
+            </a:lvl6pPr>
+            <a:lvl7pPr marL="2743200" indent="0" algn="ctr" defTabSz="457200" rtl="0" eaLnBrk="1" latinLnBrk="0" hangingPunct="1">
+              <a:spcBef>
+                <a:spcPts val="1000"/>
+              </a:spcBef>
+              <a:spcAft>
+                <a:spcPts val="0"/>
+              </a:spcAft>
+              <a:buClr>
+                <a:schemeClr val="accent1"/>
+              </a:buClr>
+              <a:buFont typeface="Wingdings 3" charset="2"/>
+              <a:buNone/>
+              <a:defRPr sz="1200" kern="1200">
+                <a:solidFill>
+                  <a:schemeClr val="tx1">
+                    <a:tint val="75000"/>
+                  </a:schemeClr>
+                </a:solidFill>
+                <a:latin typeface="+mn-lt"/>
+                <a:ea typeface="+mn-ea"/>
+                <a:cs typeface="+mn-cs"/>
+              </a:defRPr>
+            </a:lvl7pPr>
+            <a:lvl8pPr marL="3200400" indent="0" algn="ctr" defTabSz="457200" rtl="0" eaLnBrk="1" latinLnBrk="0" hangingPunct="1">
+              <a:spcBef>
+                <a:spcPts val="1000"/>
+              </a:spcBef>
+              <a:spcAft>
+                <a:spcPts val="0"/>
+              </a:spcAft>
+              <a:buClr>
+                <a:schemeClr val="accent1"/>
+              </a:buClr>
+              <a:buFont typeface="Wingdings 3" charset="2"/>
+              <a:buNone/>
+              <a:defRPr sz="1200" kern="1200">
+                <a:solidFill>
+                  <a:schemeClr val="tx1">
+                    <a:tint val="75000"/>
+                  </a:schemeClr>
+                </a:solidFill>
+                <a:latin typeface="+mn-lt"/>
+                <a:ea typeface="+mn-ea"/>
+                <a:cs typeface="+mn-cs"/>
+              </a:defRPr>
+            </a:lvl8pPr>
+            <a:lvl9pPr marL="3657600" indent="0" algn="ctr" defTabSz="457200" rtl="0" eaLnBrk="1" latinLnBrk="0" hangingPunct="1">
+              <a:spcBef>
+                <a:spcPts val="1000"/>
+              </a:spcBef>
+              <a:spcAft>
+                <a:spcPts val="0"/>
+              </a:spcAft>
+              <a:buClr>
+                <a:schemeClr val="accent1"/>
+              </a:buClr>
+              <a:buFont typeface="Wingdings 3" charset="2"/>
+              <a:buNone/>
+              <a:defRPr sz="1200" kern="1200">
+                <a:solidFill>
+                  <a:schemeClr val="tx1">
+                    <a:tint val="75000"/>
+                  </a:schemeClr>
+                </a:solidFill>
+                <a:latin typeface="+mn-lt"/>
+                <a:ea typeface="+mn-ea"/>
+                <a:cs typeface="+mn-cs"/>
+              </a:defRPr>
+            </a:lvl9pPr>
+          </a:lstStyle>
+          <a:p>
+            <a:pPr>
+              <a:buFontTx/>
+              <a:buChar char="-"/>
+            </a:pPr>
+            <a:r>
+              <a:rPr lang="ru-RU" sz="2400" dirty="0">
+                <a:solidFill>
+                  <a:srgbClr val="0249A0"/>
+                </a:solidFill>
+              </a:rPr>
+              <a:t> </a:t>
+            </a:r>
+            <a:r>
+              <a:rPr lang="ru-RU" sz="2800" dirty="0">
+                <a:solidFill>
+                  <a:srgbClr val="0249A0"/>
+                </a:solidFill>
+              </a:rPr>
+              <a:t>Анализ разрабатываемой системы;</a:t>
+            </a:r>
+          </a:p>
+          <a:p>
+            <a:pPr>
+              <a:buFontTx/>
+              <a:buChar char="-"/>
+            </a:pPr>
+            <a:r>
+              <a:rPr lang="ru-RU" sz="2800" dirty="0">
+                <a:solidFill>
+                  <a:srgbClr val="0249A0"/>
+                </a:solidFill>
+              </a:rPr>
+              <a:t> Формирование требований к системе;</a:t>
+            </a:r>
+          </a:p>
+          <a:p>
+            <a:pPr>
+              <a:buFontTx/>
+              <a:buChar char="-"/>
+            </a:pPr>
+            <a:r>
+              <a:rPr lang="ru-RU" sz="2800" dirty="0">
+                <a:solidFill>
+                  <a:srgbClr val="0249A0"/>
+                </a:solidFill>
+              </a:rPr>
+              <a:t> Проектирование системы;</a:t>
+            </a:r>
+          </a:p>
+          <a:p>
+            <a:pPr>
+              <a:buFontTx/>
+              <a:buChar char="-"/>
+            </a:pPr>
+            <a:r>
+              <a:rPr lang="ru-RU" sz="2800" dirty="0">
+                <a:solidFill>
+                  <a:srgbClr val="0249A0"/>
+                </a:solidFill>
+              </a:rPr>
+              <a:t> Разработка системы;</a:t>
+            </a:r>
+          </a:p>
+          <a:p>
+            <a:pPr>
+              <a:buFontTx/>
+              <a:buChar char="-"/>
+            </a:pPr>
+            <a:r>
+              <a:rPr lang="ru-RU" sz="2800" dirty="0">
+                <a:solidFill>
+                  <a:srgbClr val="0249A0"/>
+                </a:solidFill>
+              </a:rPr>
+              <a:t> Тестирование системы;</a:t>
+            </a:r>
+          </a:p>
+          <a:p>
+            <a:pPr>
+              <a:buFontTx/>
+              <a:buChar char="-"/>
+            </a:pPr>
+            <a:r>
+              <a:rPr lang="ru-RU" sz="2800" dirty="0">
+                <a:solidFill>
+                  <a:srgbClr val="0249A0"/>
+                </a:solidFill>
+              </a:rPr>
+              <a:t> Получение практического опыта и закрепления знаний, полученных в рамках курса.</a:t>
+            </a:r>
+          </a:p>
+          <a:p>
+            <a:endParaRPr lang="ru-RU" sz="2400" dirty="0">
+              <a:solidFill>
+                <a:srgbClr val="0249A0"/>
+              </a:solidFill>
+            </a:endParaRPr>
+          </a:p>
+          <a:p>
+            <a:endParaRPr lang="ru-RU" sz="2400" dirty="0">
+              <a:solidFill>
+                <a:srgbClr val="0249A0"/>
+              </a:solidFill>
+            </a:endParaRPr>
+          </a:p>
+          <a:p>
+            <a:endParaRPr lang="ru-RU" sz="2400" dirty="0">
+              <a:solidFill>
+                <a:srgbClr val="0249A0"/>
+              </a:solidFill>
+            </a:endParaRPr>
+          </a:p>
+        </p:txBody>
+      </p:sp>
+    </p:spTree>
+    <p:extLst>
+      <p:ext uri="{BB962C8B-B14F-4D97-AF65-F5344CB8AC3E}">
+        <p14:creationId xmlns:p14="http://schemas.microsoft.com/office/powerpoint/2010/main" val="4134860795"/>
+      </p:ext>
+    </p:extLst>
+  </p:cSld>
+  <p:clrMapOvr>
+    <a:masterClrMapping/>
+  </p:clrMapOvr>
+</p:sld>
+</file>
+
+<file path=ppt/slides/slide4.xml><?xml version="1.0" encoding="utf-8"?>
+<p:sld xmlns:a="http://schemas.openxmlformats.org/drawingml/2006/main" xmlns:r="http://schemas.openxmlformats.org/officeDocument/2006/relationships" xmlns:p="http://schemas.openxmlformats.org/presentationml/2006/main">
+  <p:cSld>
+    <p:spTree>
+      <p:nvGrpSpPr>
+        <p:cNvPr id="1" name=""/>
+        <p:cNvGrpSpPr/>
+        <p:nvPr/>
+      </p:nvGrpSpPr>
+      <p:grpSpPr>
+        <a:xfrm>
+          <a:off x="0" y="0"/>
+          <a:ext cx="0" cy="0"/>
+          <a:chOff x="0" y="0"/>
+          <a:chExt cx="0" cy="0"/>
+        </a:xfrm>
+      </p:grpSpPr>
+      <p:pic>
+        <p:nvPicPr>
+          <p:cNvPr id="5" name="Объект 4" descr="Изображение выглядит как часы&#10;&#10;Автоматически созданное описание">
+            <a:extLst>
+              <a:ext uri="{FF2B5EF4-FFF2-40B4-BE49-F238E27FC236}">
+                <a16:creationId xmlns:a16="http://schemas.microsoft.com/office/drawing/2014/main" id="{22E14400-CF35-45DF-A554-0D2B9D036BB9}"/>
+              </a:ext>
+            </a:extLst>
+          </p:cNvPr>
+          <p:cNvPicPr>
+            <a:picLocks noGrp="1" noChangeAspect="1"/>
+          </p:cNvPicPr>
+          <p:nvPr>
+            <p:ph idx="1"/>
+          </p:nvPr>
+        </p:nvPicPr>
+        <p:blipFill>
+          <a:blip r:embed="rId2">
+            <a:alphaModFix amt="10000"/>
+            <a:extLst>
+              <a:ext uri="{28A0092B-C50C-407E-A947-70E740481C1C}">
+                <a14:useLocalDpi xmlns:a14="http://schemas.microsoft.com/office/drawing/2010/main" val="0"/>
+              </a:ext>
+            </a:extLst>
+          </a:blip>
+          <a:stretch>
+            <a:fillRect/>
+          </a:stretch>
+        </p:blipFill>
+        <p:spPr>
+          <a:xfrm>
+            <a:off x="315104" y="38100"/>
+            <a:ext cx="9177239" cy="6819899"/>
+          </a:xfrm>
+          <a:noFill/>
+          <a:ln>
+            <a:noFill/>
+          </a:ln>
+        </p:spPr>
+      </p:pic>
+      <p:sp>
+        <p:nvSpPr>
+          <p:cNvPr id="2" name="Заголовок 1">
+            <a:extLst>
+              <a:ext uri="{FF2B5EF4-FFF2-40B4-BE49-F238E27FC236}">
+                <a16:creationId xmlns:a16="http://schemas.microsoft.com/office/drawing/2014/main" id="{5A5E0FB0-6B34-4956-B75D-4F044035B966}"/>
+              </a:ext>
+            </a:extLst>
+          </p:cNvPr>
+          <p:cNvSpPr>
+            <a:spLocks noGrp="1"/>
+          </p:cNvSpPr>
+          <p:nvPr>
+            <p:ph type="title"/>
+          </p:nvPr>
+        </p:nvSpPr>
+        <p:spPr>
+          <a:xfrm>
+            <a:off x="0" y="38100"/>
+            <a:ext cx="9332686" cy="1282700"/>
+          </a:xfrm>
+        </p:spPr>
+        <p:txBody>
+          <a:bodyPr/>
+          <a:lstStyle/>
+          <a:p>
+            <a:pPr algn="ctr"/>
+            <a:r>
+              <a:rPr lang="ru-RU" dirty="0"/>
+              <a:t>Анализ функциональности системы</a:t>
+            </a:r>
+          </a:p>
+        </p:txBody>
+      </p:sp>
+      <p:sp>
+        <p:nvSpPr>
+          <p:cNvPr id="6" name="Подзаголовок 2">
+            <a:extLst>
+              <a:ext uri="{FF2B5EF4-FFF2-40B4-BE49-F238E27FC236}">
+                <a16:creationId xmlns:a16="http://schemas.microsoft.com/office/drawing/2014/main" id="{8FF96B42-ADE7-480A-9AB2-4BD09A46A2F5}"/>
+              </a:ext>
+            </a:extLst>
+          </p:cNvPr>
+          <p:cNvSpPr>
+            <a:spLocks noGrp="1"/>
+          </p:cNvSpPr>
+          <p:nvPr/>
+        </p:nvSpPr>
+        <p:spPr>
+          <a:xfrm>
+            <a:off x="315104" y="1320799"/>
+            <a:ext cx="10149696" cy="5205835"/>
+          </a:xfrm>
+          <a:prstGeom prst="rect">
+            <a:avLst/>
+          </a:prstGeom>
+        </p:spPr>
+        <p:txBody>
+          <a:bodyPr vert="horz" lIns="91440" tIns="45720" rIns="91440" bIns="45720" rtlCol="0" anchor="t">
+            <a:normAutofit/>
+          </a:bodyPr>
+          <a:lstStyle>
+            <a:lvl1pPr marL="0" indent="0" algn="l" defTabSz="457200" rtl="0" eaLnBrk="1" latinLnBrk="0" hangingPunct="1">
+              <a:spcBef>
+                <a:spcPts val="1000"/>
+              </a:spcBef>
+              <a:spcAft>
+                <a:spcPts val="0"/>
+              </a:spcAft>
+              <a:buClr>
+                <a:schemeClr val="accent1"/>
+              </a:buClr>
+              <a:buFont typeface="Wingdings 3" charset="2"/>
+              <a:buNone/>
+              <a:defRPr sz="1800" kern="1200">
+                <a:solidFill>
+                  <a:schemeClr val="tx1">
+                    <a:lumMod val="65000"/>
+                    <a:lumOff val="35000"/>
+                  </a:schemeClr>
+                </a:solidFill>
+                <a:latin typeface="+mn-lt"/>
+                <a:ea typeface="+mn-ea"/>
+                <a:cs typeface="+mn-cs"/>
+              </a:defRPr>
+            </a:lvl1pPr>
+            <a:lvl2pPr marL="457200" indent="0" algn="ctr" defTabSz="457200" rtl="0" eaLnBrk="1" latinLnBrk="0" hangingPunct="1">
+              <a:spcBef>
+                <a:spcPts val="1000"/>
+              </a:spcBef>
+              <a:spcAft>
+                <a:spcPts val="0"/>
+              </a:spcAft>
+              <a:buClr>
+                <a:schemeClr val="accent1"/>
+              </a:buClr>
+              <a:buFont typeface="Wingdings 3" charset="2"/>
+              <a:buNone/>
+              <a:defRPr sz="1600" kern="1200">
+                <a:solidFill>
+                  <a:schemeClr val="tx1">
+                    <a:tint val="75000"/>
+                  </a:schemeClr>
+                </a:solidFill>
+                <a:latin typeface="+mn-lt"/>
+                <a:ea typeface="+mn-ea"/>
+                <a:cs typeface="+mn-cs"/>
+              </a:defRPr>
+            </a:lvl2pPr>
+            <a:lvl3pPr marL="914400" indent="0" algn="ctr" defTabSz="457200" rtl="0" eaLnBrk="1" latinLnBrk="0" hangingPunct="1">
+              <a:spcBef>
+                <a:spcPts val="1000"/>
+              </a:spcBef>
+              <a:spcAft>
+                <a:spcPts val="0"/>
+              </a:spcAft>
+              <a:buClr>
+                <a:schemeClr val="accent1"/>
+              </a:buClr>
+              <a:buFont typeface="Wingdings 3" charset="2"/>
+              <a:buNone/>
+              <a:defRPr sz="1400" kern="1200">
+                <a:solidFill>
+                  <a:schemeClr val="tx1">
+                    <a:tint val="75000"/>
+                  </a:schemeClr>
+                </a:solidFill>
+                <a:latin typeface="+mn-lt"/>
+                <a:ea typeface="+mn-ea"/>
+                <a:cs typeface="+mn-cs"/>
+              </a:defRPr>
+            </a:lvl3pPr>
+            <a:lvl4pPr marL="1371600" indent="0" algn="ctr" defTabSz="457200" rtl="0" eaLnBrk="1" latinLnBrk="0" hangingPunct="1">
+              <a:spcBef>
+                <a:spcPts val="1000"/>
+              </a:spcBef>
+              <a:spcAft>
+                <a:spcPts val="0"/>
+              </a:spcAft>
+              <a:buClr>
+                <a:schemeClr val="accent1"/>
+              </a:buClr>
+              <a:buFont typeface="Wingdings 3" charset="2"/>
+              <a:buNone/>
+              <a:defRPr sz="1200" kern="1200">
+                <a:solidFill>
+                  <a:schemeClr val="tx1">
+                    <a:tint val="75000"/>
+                  </a:schemeClr>
+                </a:solidFill>
+                <a:latin typeface="+mn-lt"/>
+                <a:ea typeface="+mn-ea"/>
+                <a:cs typeface="+mn-cs"/>
+              </a:defRPr>
+            </a:lvl4pPr>
+            <a:lvl5pPr marL="1828800" indent="0" algn="ctr" defTabSz="457200" rtl="0" eaLnBrk="1" latinLnBrk="0" hangingPunct="1">
+              <a:spcBef>
+                <a:spcPts val="1000"/>
+              </a:spcBef>
+              <a:spcAft>
+                <a:spcPts val="0"/>
+              </a:spcAft>
+              <a:buClr>
+                <a:schemeClr val="accent1"/>
+              </a:buClr>
+              <a:buFont typeface="Wingdings 3" charset="2"/>
+              <a:buNone/>
+              <a:defRPr sz="1200" kern="1200">
+                <a:solidFill>
+                  <a:schemeClr val="tx1">
+                    <a:tint val="75000"/>
+                  </a:schemeClr>
+                </a:solidFill>
+                <a:latin typeface="+mn-lt"/>
+                <a:ea typeface="+mn-ea"/>
+                <a:cs typeface="+mn-cs"/>
+              </a:defRPr>
+            </a:lvl5pPr>
+            <a:lvl6pPr marL="2286000" indent="0" algn="ctr" defTabSz="457200" rtl="0" eaLnBrk="1" latinLnBrk="0" hangingPunct="1">
+              <a:spcBef>
+                <a:spcPts val="1000"/>
+              </a:spcBef>
+              <a:spcAft>
+                <a:spcPts val="0"/>
+              </a:spcAft>
+              <a:buClr>
+                <a:schemeClr val="accent1"/>
+              </a:buClr>
+              <a:buFont typeface="Wingdings 3" charset="2"/>
+              <a:buNone/>
+              <a:defRPr sz="1200" kern="1200">
+                <a:solidFill>
+                  <a:schemeClr val="tx1">
+                    <a:tint val="75000"/>
+                  </a:schemeClr>
+                </a:solidFill>
+                <a:latin typeface="+mn-lt"/>
+                <a:ea typeface="+mn-ea"/>
+                <a:cs typeface="+mn-cs"/>
+              </a:defRPr>
+            </a:lvl6pPr>
+            <a:lvl7pPr marL="2743200" indent="0" algn="ctr" defTabSz="457200" rtl="0" eaLnBrk="1" latinLnBrk="0" hangingPunct="1">
+              <a:spcBef>
+                <a:spcPts val="1000"/>
+              </a:spcBef>
+              <a:spcAft>
+                <a:spcPts val="0"/>
+              </a:spcAft>
+              <a:buClr>
+                <a:schemeClr val="accent1"/>
+              </a:buClr>
+              <a:buFont typeface="Wingdings 3" charset="2"/>
+              <a:buNone/>
+              <a:defRPr sz="1200" kern="1200">
+                <a:solidFill>
+                  <a:schemeClr val="tx1">
+                    <a:tint val="75000"/>
+                  </a:schemeClr>
+                </a:solidFill>
+                <a:latin typeface="+mn-lt"/>
+                <a:ea typeface="+mn-ea"/>
+                <a:cs typeface="+mn-cs"/>
+              </a:defRPr>
+            </a:lvl7pPr>
+            <a:lvl8pPr marL="3200400" indent="0" algn="ctr" defTabSz="457200" rtl="0" eaLnBrk="1" latinLnBrk="0" hangingPunct="1">
+              <a:spcBef>
+                <a:spcPts val="1000"/>
+              </a:spcBef>
+              <a:spcAft>
+                <a:spcPts val="0"/>
+              </a:spcAft>
+              <a:buClr>
+                <a:schemeClr val="accent1"/>
+              </a:buClr>
+              <a:buFont typeface="Wingdings 3" charset="2"/>
+              <a:buNone/>
+              <a:defRPr sz="1200" kern="1200">
+                <a:solidFill>
+                  <a:schemeClr val="tx1">
+                    <a:tint val="75000"/>
+                  </a:schemeClr>
+                </a:solidFill>
+                <a:latin typeface="+mn-lt"/>
+                <a:ea typeface="+mn-ea"/>
+                <a:cs typeface="+mn-cs"/>
+              </a:defRPr>
+            </a:lvl8pPr>
+            <a:lvl9pPr marL="3657600" indent="0" algn="ctr" defTabSz="457200" rtl="0" eaLnBrk="1" latinLnBrk="0" hangingPunct="1">
+              <a:spcBef>
+                <a:spcPts val="1000"/>
+              </a:spcBef>
+              <a:spcAft>
+                <a:spcPts val="0"/>
+              </a:spcAft>
+              <a:buClr>
+                <a:schemeClr val="accent1"/>
+              </a:buClr>
+              <a:buFont typeface="Wingdings 3" charset="2"/>
+              <a:buNone/>
+              <a:defRPr sz="1200" kern="1200">
+                <a:solidFill>
+                  <a:schemeClr val="tx1">
+                    <a:tint val="75000"/>
+                  </a:schemeClr>
+                </a:solidFill>
+                <a:latin typeface="+mn-lt"/>
+                <a:ea typeface="+mn-ea"/>
+                <a:cs typeface="+mn-cs"/>
+              </a:defRPr>
+            </a:lvl9pPr>
+          </a:lstStyle>
+          <a:p>
+            <a:pPr marL="457200" indent="-457200">
+              <a:buFont typeface="Arial" panose="020B0604020202020204" pitchFamily="34" charset="0"/>
+              <a:buChar char="•"/>
+            </a:pPr>
+            <a:r>
+              <a:rPr lang="ru-RU" sz="2800" dirty="0">
+                <a:solidFill>
+                  <a:srgbClr val="0249A0"/>
+                </a:solidFill>
+              </a:rPr>
+              <a:t>Выводить информацию о мгновенном расходе топлива</a:t>
+            </a:r>
+          </a:p>
+          <a:p>
+            <a:pPr marL="457200" indent="-457200">
+              <a:buFont typeface="Arial" panose="020B0604020202020204" pitchFamily="34" charset="0"/>
+              <a:buChar char="•"/>
+            </a:pPr>
+            <a:r>
+              <a:rPr lang="ru-RU" sz="2800" dirty="0">
+                <a:solidFill>
+                  <a:srgbClr val="0249A0"/>
+                </a:solidFill>
+              </a:rPr>
+              <a:t>Строить график с расходом за последнюю минуту</a:t>
+            </a:r>
+          </a:p>
+          <a:p>
+            <a:pPr marL="457200" indent="-457200">
+              <a:buFont typeface="Arial" panose="020B0604020202020204" pitchFamily="34" charset="0"/>
+              <a:buChar char="•"/>
+            </a:pPr>
+            <a:r>
+              <a:rPr lang="ru-RU" sz="2800" dirty="0">
+                <a:solidFill>
+                  <a:srgbClr val="0249A0"/>
+                </a:solidFill>
+              </a:rPr>
+              <a:t>Минимально задействовать пользователя в процессе работы</a:t>
+            </a:r>
+          </a:p>
+          <a:p>
+            <a:pPr marL="457200" indent="-457200">
+              <a:buFont typeface="Arial" panose="020B0604020202020204" pitchFamily="34" charset="0"/>
+              <a:buChar char="•"/>
+            </a:pPr>
+            <a:r>
+              <a:rPr lang="ru-RU" sz="2800" dirty="0">
+                <a:solidFill>
+                  <a:srgbClr val="0249A0"/>
+                </a:solidFill>
+              </a:rPr>
+              <a:t>Иметь удобный, интуитивно понятный интерфейс</a:t>
+            </a:r>
+          </a:p>
+          <a:p>
+            <a:pPr marL="457200" indent="-457200">
+              <a:buFont typeface="Arial" panose="020B0604020202020204" pitchFamily="34" charset="0"/>
+              <a:buChar char="•"/>
+            </a:pPr>
+            <a:r>
+              <a:rPr lang="ru-RU" sz="2800" dirty="0">
+                <a:solidFill>
+                  <a:srgbClr val="0249A0"/>
+                </a:solidFill>
+              </a:rPr>
+              <a:t>Иметь несколько алгоритмов расчета для большего охвата автомобилей</a:t>
+            </a:r>
+          </a:p>
+          <a:p>
+            <a:pPr marL="457200" indent="-457200">
+              <a:buFont typeface="Arial" panose="020B0604020202020204" pitchFamily="34" charset="0"/>
+              <a:buChar char="•"/>
+            </a:pPr>
+            <a:r>
+              <a:rPr lang="ru-RU" sz="2800" dirty="0">
+                <a:solidFill>
+                  <a:srgbClr val="0249A0"/>
+                </a:solidFill>
+              </a:rPr>
+              <a:t>Иметь пользовательские настройки, а также запоминать их</a:t>
+            </a:r>
+          </a:p>
+        </p:txBody>
+      </p:sp>
+    </p:spTree>
+    <p:extLst>
+      <p:ext uri="{BB962C8B-B14F-4D97-AF65-F5344CB8AC3E}">
+        <p14:creationId xmlns:p14="http://schemas.microsoft.com/office/powerpoint/2010/main" val="818010546"/>
+      </p:ext>
+    </p:extLst>
+  </p:cSld>
+  <p:clrMapOvr>
+    <a:masterClrMapping/>
+  </p:clrMapOvr>
+</p:sld>
+</file>
+
+<file path=ppt/slides/slide5.xml><?xml version="1.0" encoding="utf-8"?>
+<p:sld xmlns:a="http://schemas.openxmlformats.org/drawingml/2006/main" xmlns:r="http://schemas.openxmlformats.org/officeDocument/2006/relationships" xmlns:p="http://schemas.openxmlformats.org/presentationml/2006/main">
+  <p:cSld>
+    <p:spTree>
+      <p:nvGrpSpPr>
+        <p:cNvPr id="1" name=""/>
+        <p:cNvGrpSpPr/>
+        <p:nvPr/>
+      </p:nvGrpSpPr>
+      <p:grpSpPr>
+        <a:xfrm>
+          <a:off x="0" y="0"/>
+          <a:ext cx="0" cy="0"/>
+          <a:chOff x="0" y="0"/>
+          <a:chExt cx="0" cy="0"/>
+        </a:xfrm>
+      </p:grpSpPr>
+      <p:pic>
+        <p:nvPicPr>
+          <p:cNvPr id="5" name="Объект 4" descr="Изображение выглядит как часы&#10;&#10;Автоматически созданное описание">
+            <a:extLst>
+              <a:ext uri="{FF2B5EF4-FFF2-40B4-BE49-F238E27FC236}">
+                <a16:creationId xmlns:a16="http://schemas.microsoft.com/office/drawing/2014/main" id="{22E14400-CF35-45DF-A554-0D2B9D036BB9}"/>
+              </a:ext>
+            </a:extLst>
+          </p:cNvPr>
+          <p:cNvPicPr>
+            <a:picLocks noGrp="1" noChangeAspect="1"/>
+          </p:cNvPicPr>
+          <p:nvPr>
+            <p:ph idx="1"/>
+          </p:nvPr>
+        </p:nvPicPr>
+        <p:blipFill>
+          <a:blip r:embed="rId2">
+            <a:alphaModFix amt="10000"/>
+            <a:extLst>
+              <a:ext uri="{28A0092B-C50C-407E-A947-70E740481C1C}">
+                <a14:useLocalDpi xmlns:a14="http://schemas.microsoft.com/office/drawing/2010/main" val="0"/>
+              </a:ext>
+            </a:extLst>
+          </a:blip>
+          <a:stretch>
+            <a:fillRect/>
+          </a:stretch>
+        </p:blipFill>
+        <p:spPr>
+          <a:xfrm>
+            <a:off x="315104" y="38100"/>
+            <a:ext cx="9177239" cy="6819899"/>
+          </a:xfrm>
+          <a:noFill/>
+          <a:ln>
+            <a:noFill/>
+          </a:ln>
+        </p:spPr>
+      </p:pic>
+      <p:sp>
+        <p:nvSpPr>
+          <p:cNvPr id="2" name="Заголовок 1">
+            <a:extLst>
+              <a:ext uri="{FF2B5EF4-FFF2-40B4-BE49-F238E27FC236}">
+                <a16:creationId xmlns:a16="http://schemas.microsoft.com/office/drawing/2014/main" id="{5A5E0FB0-6B34-4956-B75D-4F044035B966}"/>
+              </a:ext>
+            </a:extLst>
+          </p:cNvPr>
+          <p:cNvSpPr>
+            <a:spLocks noGrp="1"/>
+          </p:cNvSpPr>
+          <p:nvPr>
+            <p:ph type="title"/>
+          </p:nvPr>
+        </p:nvSpPr>
+        <p:spPr>
+          <a:xfrm>
+            <a:off x="0" y="38100"/>
+            <a:ext cx="9332686" cy="1282700"/>
+          </a:xfrm>
+        </p:spPr>
+        <p:txBody>
+          <a:bodyPr/>
+          <a:lstStyle/>
+          <a:p>
+            <a:pPr algn="ctr"/>
+            <a:r>
+              <a:rPr lang="ru-RU" dirty="0"/>
+              <a:t>Диаграмма прецедентов</a:t>
+            </a:r>
+          </a:p>
+        </p:txBody>
+      </p:sp>
+      <p:sp>
+        <p:nvSpPr>
+          <p:cNvPr id="6" name="Подзаголовок 2">
+            <a:extLst>
+              <a:ext uri="{FF2B5EF4-FFF2-40B4-BE49-F238E27FC236}">
+                <a16:creationId xmlns:a16="http://schemas.microsoft.com/office/drawing/2014/main" id="{8FF96B42-ADE7-480A-9AB2-4BD09A46A2F5}"/>
+              </a:ext>
+            </a:extLst>
+          </p:cNvPr>
+          <p:cNvSpPr>
+            <a:spLocks noGrp="1"/>
+          </p:cNvSpPr>
+          <p:nvPr/>
+        </p:nvSpPr>
+        <p:spPr>
+          <a:xfrm>
+            <a:off x="315104" y="1320799"/>
+            <a:ext cx="10149696" cy="5205835"/>
+          </a:xfrm>
+          <a:prstGeom prst="rect">
+            <a:avLst/>
+          </a:prstGeom>
+        </p:spPr>
+        <p:txBody>
+          <a:bodyPr vert="horz" lIns="91440" tIns="45720" rIns="91440" bIns="45720" rtlCol="0" anchor="t">
+            <a:normAutofit/>
+          </a:bodyPr>
+          <a:lstStyle>
+            <a:lvl1pPr marL="0" indent="0" algn="l" defTabSz="457200" rtl="0" eaLnBrk="1" latinLnBrk="0" hangingPunct="1">
+              <a:spcBef>
+                <a:spcPts val="1000"/>
+              </a:spcBef>
+              <a:spcAft>
+                <a:spcPts val="0"/>
+              </a:spcAft>
+              <a:buClr>
+                <a:schemeClr val="accent1"/>
+              </a:buClr>
+              <a:buFont typeface="Wingdings 3" charset="2"/>
+              <a:buNone/>
+              <a:defRPr sz="1800" kern="1200">
+                <a:solidFill>
+                  <a:schemeClr val="tx1">
+                    <a:lumMod val="65000"/>
+                    <a:lumOff val="35000"/>
+                  </a:schemeClr>
+                </a:solidFill>
+                <a:latin typeface="+mn-lt"/>
+                <a:ea typeface="+mn-ea"/>
+                <a:cs typeface="+mn-cs"/>
+              </a:defRPr>
+            </a:lvl1pPr>
+            <a:lvl2pPr marL="457200" indent="0" algn="ctr" defTabSz="457200" rtl="0" eaLnBrk="1" latinLnBrk="0" hangingPunct="1">
+              <a:spcBef>
+                <a:spcPts val="1000"/>
+              </a:spcBef>
+              <a:spcAft>
+                <a:spcPts val="0"/>
+              </a:spcAft>
+              <a:buClr>
+                <a:schemeClr val="accent1"/>
+              </a:buClr>
+              <a:buFont typeface="Wingdings 3" charset="2"/>
+              <a:buNone/>
+              <a:defRPr sz="1600" kern="1200">
+                <a:solidFill>
+                  <a:schemeClr val="tx1">
+                    <a:tint val="75000"/>
+                  </a:schemeClr>
+                </a:solidFill>
+                <a:latin typeface="+mn-lt"/>
+                <a:ea typeface="+mn-ea"/>
+                <a:cs typeface="+mn-cs"/>
+              </a:defRPr>
+            </a:lvl2pPr>
+            <a:lvl3pPr marL="914400" indent="0" algn="ctr" defTabSz="457200" rtl="0" eaLnBrk="1" latinLnBrk="0" hangingPunct="1">
+              <a:spcBef>
+                <a:spcPts val="1000"/>
+              </a:spcBef>
+              <a:spcAft>
+                <a:spcPts val="0"/>
+              </a:spcAft>
+              <a:buClr>
+                <a:schemeClr val="accent1"/>
+              </a:buClr>
+              <a:buFont typeface="Wingdings 3" charset="2"/>
+              <a:buNone/>
+              <a:defRPr sz="1400" kern="1200">
+                <a:solidFill>
+                  <a:schemeClr val="tx1">
+                    <a:tint val="75000"/>
+                  </a:schemeClr>
+                </a:solidFill>
+                <a:latin typeface="+mn-lt"/>
+                <a:ea typeface="+mn-ea"/>
+                <a:cs typeface="+mn-cs"/>
+              </a:defRPr>
+            </a:lvl3pPr>
+            <a:lvl4pPr marL="1371600" indent="0" algn="ctr" defTabSz="457200" rtl="0" eaLnBrk="1" latinLnBrk="0" hangingPunct="1">
+              <a:spcBef>
+                <a:spcPts val="1000"/>
+              </a:spcBef>
+              <a:spcAft>
+                <a:spcPts val="0"/>
+              </a:spcAft>
+              <a:buClr>
+                <a:schemeClr val="accent1"/>
+              </a:buClr>
+              <a:buFont typeface="Wingdings 3" charset="2"/>
+              <a:buNone/>
+              <a:defRPr sz="1200" kern="1200">
+                <a:solidFill>
+                  <a:schemeClr val="tx1">
+                    <a:tint val="75000"/>
+                  </a:schemeClr>
+                </a:solidFill>
+                <a:latin typeface="+mn-lt"/>
+                <a:ea typeface="+mn-ea"/>
+                <a:cs typeface="+mn-cs"/>
+              </a:defRPr>
+            </a:lvl4pPr>
+            <a:lvl5pPr marL="1828800" indent="0" algn="ctr" defTabSz="457200" rtl="0" eaLnBrk="1" latinLnBrk="0" hangingPunct="1">
+              <a:spcBef>
+                <a:spcPts val="1000"/>
+              </a:spcBef>
+              <a:spcAft>
+                <a:spcPts val="0"/>
+              </a:spcAft>
+              <a:buClr>
+                <a:schemeClr val="accent1"/>
+              </a:buClr>
+              <a:buFont typeface="Wingdings 3" charset="2"/>
+              <a:buNone/>
+              <a:defRPr sz="1200" kern="1200">
+                <a:solidFill>
+                  <a:schemeClr val="tx1">
+                    <a:tint val="75000"/>
+                  </a:schemeClr>
+                </a:solidFill>
+                <a:latin typeface="+mn-lt"/>
+                <a:ea typeface="+mn-ea"/>
+                <a:cs typeface="+mn-cs"/>
+              </a:defRPr>
+            </a:lvl5pPr>
+            <a:lvl6pPr marL="2286000" indent="0" algn="ctr" defTabSz="457200" rtl="0" eaLnBrk="1" latinLnBrk="0" hangingPunct="1">
+              <a:spcBef>
+                <a:spcPts val="1000"/>
+              </a:spcBef>
+              <a:spcAft>
+                <a:spcPts val="0"/>
+              </a:spcAft>
+              <a:buClr>
+                <a:schemeClr val="accent1"/>
+              </a:buClr>
+              <a:buFont typeface="Wingdings 3" charset="2"/>
+              <a:buNone/>
+              <a:defRPr sz="1200" kern="1200">
+                <a:solidFill>
+                  <a:schemeClr val="tx1">
+                    <a:tint val="75000"/>
+                  </a:schemeClr>
+                </a:solidFill>
+                <a:latin typeface="+mn-lt"/>
+                <a:ea typeface="+mn-ea"/>
+                <a:cs typeface="+mn-cs"/>
+              </a:defRPr>
+            </a:lvl6pPr>
+            <a:lvl7pPr marL="2743200" indent="0" algn="ctr" defTabSz="457200" rtl="0" eaLnBrk="1" latinLnBrk="0" hangingPunct="1">
+              <a:spcBef>
+                <a:spcPts val="1000"/>
+              </a:spcBef>
+              <a:spcAft>
+                <a:spcPts val="0"/>
+              </a:spcAft>
+              <a:buClr>
+                <a:schemeClr val="accent1"/>
+              </a:buClr>
+              <a:buFont typeface="Wingdings 3" charset="2"/>
+              <a:buNone/>
+              <a:defRPr sz="1200" kern="1200">
+                <a:solidFill>
+                  <a:schemeClr val="tx1">
+                    <a:tint val="75000"/>
+                  </a:schemeClr>
+                </a:solidFill>
+                <a:latin typeface="+mn-lt"/>
+                <a:ea typeface="+mn-ea"/>
+                <a:cs typeface="+mn-cs"/>
+              </a:defRPr>
+            </a:lvl7pPr>
+            <a:lvl8pPr marL="3200400" indent="0" algn="ctr" defTabSz="457200" rtl="0" eaLnBrk="1" latinLnBrk="0" hangingPunct="1">
+              <a:spcBef>
+                <a:spcPts val="1000"/>
+              </a:spcBef>
+              <a:spcAft>
+                <a:spcPts val="0"/>
+              </a:spcAft>
+              <a:buClr>
+                <a:schemeClr val="accent1"/>
+              </a:buClr>
+              <a:buFont typeface="Wingdings 3" charset="2"/>
+              <a:buNone/>
+              <a:defRPr sz="1200" kern="1200">
+                <a:solidFill>
+                  <a:schemeClr val="tx1">
+                    <a:tint val="75000"/>
+                  </a:schemeClr>
+                </a:solidFill>
+                <a:latin typeface="+mn-lt"/>
+                <a:ea typeface="+mn-ea"/>
+                <a:cs typeface="+mn-cs"/>
+              </a:defRPr>
+            </a:lvl8pPr>
+            <a:lvl9pPr marL="3657600" indent="0" algn="ctr" defTabSz="457200" rtl="0" eaLnBrk="1" latinLnBrk="0" hangingPunct="1">
+              <a:spcBef>
+                <a:spcPts val="1000"/>
+              </a:spcBef>
+              <a:spcAft>
+                <a:spcPts val="0"/>
+              </a:spcAft>
+              <a:buClr>
+                <a:schemeClr val="accent1"/>
+              </a:buClr>
+              <a:buFont typeface="Wingdings 3" charset="2"/>
+              <a:buNone/>
+              <a:defRPr sz="1200" kern="1200">
+                <a:solidFill>
+                  <a:schemeClr val="tx1">
+                    <a:tint val="75000"/>
+                  </a:schemeClr>
+                </a:solidFill>
+                <a:latin typeface="+mn-lt"/>
+                <a:ea typeface="+mn-ea"/>
+                <a:cs typeface="+mn-cs"/>
+              </a:defRPr>
+            </a:lvl9pPr>
+          </a:lstStyle>
+          <a:p>
+            <a:pPr marL="457200" indent="-457200">
+              <a:buFont typeface="Arial" panose="020B0604020202020204" pitchFamily="34" charset="0"/>
+              <a:buChar char="•"/>
+            </a:pPr>
+            <a:endParaRPr lang="ru-RU" sz="2800" dirty="0">
+              <a:solidFill>
+                <a:srgbClr val="0249A0"/>
+              </a:solidFill>
+            </a:endParaRPr>
+          </a:p>
+        </p:txBody>
+      </p:sp>
+      <p:pic>
+        <p:nvPicPr>
+          <p:cNvPr id="4" name="Рисунок 3" descr="Изображение выглядит как текст, карта&#10;&#10;Автоматически созданное описание">
+            <a:extLst>
+              <a:ext uri="{FF2B5EF4-FFF2-40B4-BE49-F238E27FC236}">
+                <a16:creationId xmlns:a16="http://schemas.microsoft.com/office/drawing/2014/main" id="{110E382D-2975-4B4D-ADF5-9EF34E489EE4}"/>
+              </a:ext>
+            </a:extLst>
+          </p:cNvPr>
+          <p:cNvPicPr>
+            <a:picLocks noChangeAspect="1"/>
+          </p:cNvPicPr>
+          <p:nvPr/>
+        </p:nvPicPr>
+        <p:blipFill>
+          <a:blip r:embed="rId3">
+            <a:extLst>
+              <a:ext uri="{28A0092B-C50C-407E-A947-70E740481C1C}">
+                <a14:useLocalDpi xmlns:a14="http://schemas.microsoft.com/office/drawing/2010/main" val="0"/>
+              </a:ext>
+            </a:extLst>
+          </a:blip>
+          <a:stretch>
+            <a:fillRect/>
+          </a:stretch>
+        </p:blipFill>
+        <p:spPr>
+          <a:xfrm>
+            <a:off x="563937" y="862133"/>
+            <a:ext cx="8848577" cy="5842977"/>
+          </a:xfrm>
+          <a:prstGeom prst="rect">
+            <a:avLst/>
+          </a:prstGeom>
+        </p:spPr>
+      </p:pic>
+    </p:spTree>
+    <p:extLst>
+      <p:ext uri="{BB962C8B-B14F-4D97-AF65-F5344CB8AC3E}">
+        <p14:creationId xmlns:p14="http://schemas.microsoft.com/office/powerpoint/2010/main" val="709864275"/>
+      </p:ext>
+    </p:extLst>
+  </p:cSld>
+  <p:clrMapOvr>
+    <a:masterClrMapping/>
+  </p:clrMapOvr>
+</p:sld>
+</file>
+
+<file path=ppt/slides/slide6.xml><?xml version="1.0" encoding="utf-8"?>
+<p:sld xmlns:a="http://schemas.openxmlformats.org/drawingml/2006/main" xmlns:r="http://schemas.openxmlformats.org/officeDocument/2006/relationships" xmlns:p="http://schemas.openxmlformats.org/presentationml/2006/main">
+  <p:cSld>
+    <p:spTree>
+      <p:nvGrpSpPr>
+        <p:cNvPr id="1" name=""/>
+        <p:cNvGrpSpPr/>
+        <p:nvPr/>
+      </p:nvGrpSpPr>
+      <p:grpSpPr>
+        <a:xfrm>
+          <a:off x="0" y="0"/>
+          <a:ext cx="0" cy="0"/>
+          <a:chOff x="0" y="0"/>
+          <a:chExt cx="0" cy="0"/>
+        </a:xfrm>
+      </p:grpSpPr>
+      <p:pic>
+        <p:nvPicPr>
+          <p:cNvPr id="5" name="Объект 4" descr="Изображение выглядит как часы&#10;&#10;Автоматически созданное описание">
+            <a:extLst>
+              <a:ext uri="{FF2B5EF4-FFF2-40B4-BE49-F238E27FC236}">
+                <a16:creationId xmlns:a16="http://schemas.microsoft.com/office/drawing/2014/main" id="{22E14400-CF35-45DF-A554-0D2B9D036BB9}"/>
+              </a:ext>
+            </a:extLst>
+          </p:cNvPr>
+          <p:cNvPicPr>
+            <a:picLocks noGrp="1" noChangeAspect="1"/>
+          </p:cNvPicPr>
+          <p:nvPr>
+            <p:ph idx="1"/>
+          </p:nvPr>
+        </p:nvPicPr>
+        <p:blipFill>
+          <a:blip r:embed="rId2">
+            <a:alphaModFix amt="10000"/>
+            <a:extLst>
+              <a:ext uri="{28A0092B-C50C-407E-A947-70E740481C1C}">
+                <a14:useLocalDpi xmlns:a14="http://schemas.microsoft.com/office/drawing/2010/main" val="0"/>
+              </a:ext>
+            </a:extLst>
+          </a:blip>
+          <a:stretch>
+            <a:fillRect/>
+          </a:stretch>
+        </p:blipFill>
+        <p:spPr>
+          <a:xfrm>
+            <a:off x="315104" y="38100"/>
+            <a:ext cx="9177239" cy="6819899"/>
+          </a:xfrm>
+          <a:noFill/>
+          <a:ln>
+            <a:noFill/>
+          </a:ln>
+        </p:spPr>
+      </p:pic>
+      <p:sp>
+        <p:nvSpPr>
+          <p:cNvPr id="2" name="Заголовок 1">
+            <a:extLst>
+              <a:ext uri="{FF2B5EF4-FFF2-40B4-BE49-F238E27FC236}">
+                <a16:creationId xmlns:a16="http://schemas.microsoft.com/office/drawing/2014/main" id="{5A5E0FB0-6B34-4956-B75D-4F044035B966}"/>
+              </a:ext>
+            </a:extLst>
+          </p:cNvPr>
+          <p:cNvSpPr>
+            <a:spLocks noGrp="1"/>
+          </p:cNvSpPr>
+          <p:nvPr>
+            <p:ph type="title"/>
+          </p:nvPr>
+        </p:nvSpPr>
+        <p:spPr>
+          <a:xfrm>
+            <a:off x="0" y="38100"/>
+            <a:ext cx="9332686" cy="1282700"/>
+          </a:xfrm>
+        </p:spPr>
+        <p:txBody>
+          <a:bodyPr/>
+          <a:lstStyle/>
+          <a:p>
+            <a:pPr algn="ctr"/>
+            <a:r>
+              <a:rPr lang="ru-RU" dirty="0"/>
+              <a:t>Диаграмма активностей</a:t>
+            </a:r>
+          </a:p>
+        </p:txBody>
+      </p:sp>
+      <p:sp>
+        <p:nvSpPr>
+          <p:cNvPr id="6" name="Подзаголовок 2">
+            <a:extLst>
+              <a:ext uri="{FF2B5EF4-FFF2-40B4-BE49-F238E27FC236}">
+                <a16:creationId xmlns:a16="http://schemas.microsoft.com/office/drawing/2014/main" id="{8FF96B42-ADE7-480A-9AB2-4BD09A46A2F5}"/>
+              </a:ext>
+            </a:extLst>
+          </p:cNvPr>
+          <p:cNvSpPr>
+            <a:spLocks noGrp="1"/>
+          </p:cNvSpPr>
+          <p:nvPr/>
+        </p:nvSpPr>
+        <p:spPr>
+          <a:xfrm>
+            <a:off x="315104" y="1320799"/>
+            <a:ext cx="10149696" cy="5205835"/>
+          </a:xfrm>
+          <a:prstGeom prst="rect">
+            <a:avLst/>
+          </a:prstGeom>
+        </p:spPr>
+        <p:txBody>
+          <a:bodyPr vert="horz" lIns="91440" tIns="45720" rIns="91440" bIns="45720" rtlCol="0" anchor="t">
+            <a:normAutofit/>
+          </a:bodyPr>
+          <a:lstStyle>
+            <a:lvl1pPr marL="0" indent="0" algn="l" defTabSz="457200" rtl="0" eaLnBrk="1" latinLnBrk="0" hangingPunct="1">
+              <a:spcBef>
+                <a:spcPts val="1000"/>
+              </a:spcBef>
+              <a:spcAft>
+                <a:spcPts val="0"/>
+              </a:spcAft>
+              <a:buClr>
+                <a:schemeClr val="accent1"/>
+              </a:buClr>
+              <a:buFont typeface="Wingdings 3" charset="2"/>
+              <a:buNone/>
+              <a:defRPr sz="1800" kern="1200">
+                <a:solidFill>
+                  <a:schemeClr val="tx1">
+                    <a:lumMod val="65000"/>
+                    <a:lumOff val="35000"/>
+                  </a:schemeClr>
+                </a:solidFill>
+                <a:latin typeface="+mn-lt"/>
+                <a:ea typeface="+mn-ea"/>
+                <a:cs typeface="+mn-cs"/>
+              </a:defRPr>
+            </a:lvl1pPr>
+            <a:lvl2pPr marL="457200" indent="0" algn="ctr" defTabSz="457200" rtl="0" eaLnBrk="1" latinLnBrk="0" hangingPunct="1">
+              <a:spcBef>
+                <a:spcPts val="1000"/>
+              </a:spcBef>
+              <a:spcAft>
+                <a:spcPts val="0"/>
+              </a:spcAft>
+              <a:buClr>
+                <a:schemeClr val="accent1"/>
+              </a:buClr>
+              <a:buFont typeface="Wingdings 3" charset="2"/>
+              <a:buNone/>
+              <a:defRPr sz="1600" kern="1200">
+                <a:solidFill>
+                  <a:schemeClr val="tx1">
+                    <a:tint val="75000"/>
+                  </a:schemeClr>
+                </a:solidFill>
+                <a:latin typeface="+mn-lt"/>
+                <a:ea typeface="+mn-ea"/>
+                <a:cs typeface="+mn-cs"/>
+              </a:defRPr>
+            </a:lvl2pPr>
+            <a:lvl3pPr marL="914400" indent="0" algn="ctr" defTabSz="457200" rtl="0" eaLnBrk="1" latinLnBrk="0" hangingPunct="1">
+              <a:spcBef>
+                <a:spcPts val="1000"/>
+              </a:spcBef>
+              <a:spcAft>
+                <a:spcPts val="0"/>
+              </a:spcAft>
+              <a:buClr>
+                <a:schemeClr val="accent1"/>
+              </a:buClr>
+              <a:buFont typeface="Wingdings 3" charset="2"/>
+              <a:buNone/>
+              <a:defRPr sz="1400" kern="1200">
+                <a:solidFill>
+                  <a:schemeClr val="tx1">
+                    <a:tint val="75000"/>
+                  </a:schemeClr>
+                </a:solidFill>
+                <a:latin typeface="+mn-lt"/>
+                <a:ea typeface="+mn-ea"/>
+                <a:cs typeface="+mn-cs"/>
+              </a:defRPr>
+            </a:lvl3pPr>
+            <a:lvl4pPr marL="1371600" indent="0" algn="ctr" defTabSz="457200" rtl="0" eaLnBrk="1" latinLnBrk="0" hangingPunct="1">
+              <a:spcBef>
+                <a:spcPts val="1000"/>
+              </a:spcBef>
+              <a:spcAft>
+                <a:spcPts val="0"/>
+              </a:spcAft>
+              <a:buClr>
+                <a:schemeClr val="accent1"/>
+              </a:buClr>
+              <a:buFont typeface="Wingdings 3" charset="2"/>
+              <a:buNone/>
+              <a:defRPr sz="1200" kern="1200">
+                <a:solidFill>
+                  <a:schemeClr val="tx1">
+                    <a:tint val="75000"/>
+                  </a:schemeClr>
+                </a:solidFill>
+                <a:latin typeface="+mn-lt"/>
+                <a:ea typeface="+mn-ea"/>
+                <a:cs typeface="+mn-cs"/>
+              </a:defRPr>
+            </a:lvl4pPr>
+            <a:lvl5pPr marL="1828800" indent="0" algn="ctr" defTabSz="457200" rtl="0" eaLnBrk="1" latinLnBrk="0" hangingPunct="1">
+              <a:spcBef>
+                <a:spcPts val="1000"/>
+              </a:spcBef>
+              <a:spcAft>
+                <a:spcPts val="0"/>
+              </a:spcAft>
+              <a:buClr>
+                <a:schemeClr val="accent1"/>
+              </a:buClr>
+              <a:buFont typeface="Wingdings 3" charset="2"/>
+              <a:buNone/>
+              <a:defRPr sz="1200" kern="1200">
+                <a:solidFill>
+                  <a:schemeClr val="tx1">
+                    <a:tint val="75000"/>
+                  </a:schemeClr>
+                </a:solidFill>
+                <a:latin typeface="+mn-lt"/>
+                <a:ea typeface="+mn-ea"/>
+                <a:cs typeface="+mn-cs"/>
+              </a:defRPr>
+            </a:lvl5pPr>
+            <a:lvl6pPr marL="2286000" indent="0" algn="ctr" defTabSz="457200" rtl="0" eaLnBrk="1" latinLnBrk="0" hangingPunct="1">
+              <a:spcBef>
+                <a:spcPts val="1000"/>
+              </a:spcBef>
+              <a:spcAft>
+                <a:spcPts val="0"/>
+              </a:spcAft>
+              <a:buClr>
+                <a:schemeClr val="accent1"/>
+              </a:buClr>
+              <a:buFont typeface="Wingdings 3" charset="2"/>
+              <a:buNone/>
+              <a:defRPr sz="1200" kern="1200">
+                <a:solidFill>
+                  <a:schemeClr val="tx1">
+                    <a:tint val="75000"/>
+                  </a:schemeClr>
+                </a:solidFill>
+                <a:latin typeface="+mn-lt"/>
+                <a:ea typeface="+mn-ea"/>
+                <a:cs typeface="+mn-cs"/>
+              </a:defRPr>
+            </a:lvl6pPr>
+            <a:lvl7pPr marL="2743200" indent="0" algn="ctr" defTabSz="457200" rtl="0" eaLnBrk="1" latinLnBrk="0" hangingPunct="1">
+              <a:spcBef>
+                <a:spcPts val="1000"/>
+              </a:spcBef>
+              <a:spcAft>
+                <a:spcPts val="0"/>
+              </a:spcAft>
+              <a:buClr>
+                <a:schemeClr val="accent1"/>
+              </a:buClr>
+              <a:buFont typeface="Wingdings 3" charset="2"/>
+              <a:buNone/>
+              <a:defRPr sz="1200" kern="1200">
+                <a:solidFill>
+                  <a:schemeClr val="tx1">
+                    <a:tint val="75000"/>
+                  </a:schemeClr>
+                </a:solidFill>
+                <a:latin typeface="+mn-lt"/>
+                <a:ea typeface="+mn-ea"/>
+                <a:cs typeface="+mn-cs"/>
+              </a:defRPr>
+            </a:lvl7pPr>
+            <a:lvl8pPr marL="3200400" indent="0" algn="ctr" defTabSz="457200" rtl="0" eaLnBrk="1" latinLnBrk="0" hangingPunct="1">
+              <a:spcBef>
+                <a:spcPts val="1000"/>
+              </a:spcBef>
+              <a:spcAft>
+                <a:spcPts val="0"/>
+              </a:spcAft>
+              <a:buClr>
+                <a:schemeClr val="accent1"/>
+              </a:buClr>
+              <a:buFont typeface="Wingdings 3" charset="2"/>
+              <a:buNone/>
+              <a:defRPr sz="1200" kern="1200">
+                <a:solidFill>
+                  <a:schemeClr val="tx1">
+                    <a:tint val="75000"/>
+                  </a:schemeClr>
+                </a:solidFill>
+                <a:latin typeface="+mn-lt"/>
+                <a:ea typeface="+mn-ea"/>
+                <a:cs typeface="+mn-cs"/>
+              </a:defRPr>
+            </a:lvl8pPr>
+            <a:lvl9pPr marL="3657600" indent="0" algn="ctr" defTabSz="457200" rtl="0" eaLnBrk="1" latinLnBrk="0" hangingPunct="1">
+              <a:spcBef>
+                <a:spcPts val="1000"/>
+              </a:spcBef>
+              <a:spcAft>
+                <a:spcPts val="0"/>
+              </a:spcAft>
+              <a:buClr>
+                <a:schemeClr val="accent1"/>
+              </a:buClr>
+              <a:buFont typeface="Wingdings 3" charset="2"/>
+              <a:buNone/>
+              <a:defRPr sz="1200" kern="1200">
+                <a:solidFill>
+                  <a:schemeClr val="tx1">
+                    <a:tint val="75000"/>
+                  </a:schemeClr>
+                </a:solidFill>
+                <a:latin typeface="+mn-lt"/>
+                <a:ea typeface="+mn-ea"/>
+                <a:cs typeface="+mn-cs"/>
+              </a:defRPr>
+            </a:lvl9pPr>
+          </a:lstStyle>
+          <a:p>
+            <a:pPr marL="457200" indent="-457200">
+              <a:buFont typeface="Arial" panose="020B0604020202020204" pitchFamily="34" charset="0"/>
+              <a:buChar char="•"/>
+            </a:pPr>
+            <a:endParaRPr lang="ru-RU" sz="2800" dirty="0">
+              <a:solidFill>
+                <a:srgbClr val="0249A0"/>
+              </a:solidFill>
+            </a:endParaRPr>
+          </a:p>
+        </p:txBody>
+      </p:sp>
+      <p:pic>
+        <p:nvPicPr>
+          <p:cNvPr id="7" name="Рисунок 6" descr="Изображение выглядит как текст&#10;&#10;Автоматически созданное описание">
+            <a:extLst>
+              <a:ext uri="{FF2B5EF4-FFF2-40B4-BE49-F238E27FC236}">
+                <a16:creationId xmlns:a16="http://schemas.microsoft.com/office/drawing/2014/main" id="{2A22C288-C8AD-441A-9744-25A945C6D611}"/>
+              </a:ext>
+            </a:extLst>
+          </p:cNvPr>
+          <p:cNvPicPr>
+            <a:picLocks noChangeAspect="1"/>
+          </p:cNvPicPr>
+          <p:nvPr/>
+        </p:nvPicPr>
+        <p:blipFill>
+          <a:blip r:embed="rId3">
+            <a:extLst>
+              <a:ext uri="{28A0092B-C50C-407E-A947-70E740481C1C}">
+                <a14:useLocalDpi xmlns:a14="http://schemas.microsoft.com/office/drawing/2010/main" val="0"/>
+              </a:ext>
+            </a:extLst>
+          </a:blip>
+          <a:stretch>
+            <a:fillRect/>
+          </a:stretch>
+        </p:blipFill>
+        <p:spPr>
+          <a:xfrm>
+            <a:off x="1727200" y="759337"/>
+            <a:ext cx="7004808" cy="6098663"/>
+          </a:xfrm>
+          <a:prstGeom prst="rect">
+            <a:avLst/>
+          </a:prstGeom>
+        </p:spPr>
+      </p:pic>
+    </p:spTree>
+    <p:extLst>
+      <p:ext uri="{BB962C8B-B14F-4D97-AF65-F5344CB8AC3E}">
+        <p14:creationId xmlns:p14="http://schemas.microsoft.com/office/powerpoint/2010/main" val="2648854581"/>
+      </p:ext>
+    </p:extLst>
+  </p:cSld>
+  <p:clrMapOvr>
+    <a:masterClrMapping/>
+  </p:clrMapOvr>
+</p:sld>
+</file>
+
+<file path=ppt/slides/slide7.xml><?xml version="1.0" encoding="utf-8"?>
+<p:sld xmlns:a="http://schemas.openxmlformats.org/drawingml/2006/main" xmlns:r="http://schemas.openxmlformats.org/officeDocument/2006/relationships" xmlns:p="http://schemas.openxmlformats.org/presentationml/2006/main">
+  <p:cSld>
+    <p:spTree>
+      <p:nvGrpSpPr>
+        <p:cNvPr id="1" name=""/>
+        <p:cNvGrpSpPr/>
+        <p:nvPr/>
+      </p:nvGrpSpPr>
+      <p:grpSpPr>
+        <a:xfrm>
+          <a:off x="0" y="0"/>
+          <a:ext cx="0" cy="0"/>
+          <a:chOff x="0" y="0"/>
+          <a:chExt cx="0" cy="0"/>
+        </a:xfrm>
+      </p:grpSpPr>
+      <p:pic>
+        <p:nvPicPr>
+          <p:cNvPr id="5" name="Объект 4" descr="Изображение выглядит как часы&#10;&#10;Автоматически созданное описание">
+            <a:extLst>
+              <a:ext uri="{FF2B5EF4-FFF2-40B4-BE49-F238E27FC236}">
+                <a16:creationId xmlns:a16="http://schemas.microsoft.com/office/drawing/2014/main" id="{22E14400-CF35-45DF-A554-0D2B9D036BB9}"/>
+              </a:ext>
+            </a:extLst>
+          </p:cNvPr>
+          <p:cNvPicPr>
+            <a:picLocks noGrp="1" noChangeAspect="1"/>
+          </p:cNvPicPr>
+          <p:nvPr>
+            <p:ph idx="1"/>
+          </p:nvPr>
+        </p:nvPicPr>
+        <p:blipFill>
+          <a:blip r:embed="rId2">
+            <a:alphaModFix amt="10000"/>
+            <a:extLst>
+              <a:ext uri="{28A0092B-C50C-407E-A947-70E740481C1C}">
+                <a14:useLocalDpi xmlns:a14="http://schemas.microsoft.com/office/drawing/2010/main" val="0"/>
+              </a:ext>
+            </a:extLst>
+          </a:blip>
+          <a:stretch>
+            <a:fillRect/>
+          </a:stretch>
+        </p:blipFill>
+        <p:spPr>
+          <a:xfrm>
+            <a:off x="315104" y="38100"/>
+            <a:ext cx="9177239" cy="6819899"/>
+          </a:xfrm>
+          <a:noFill/>
+          <a:ln>
+            <a:noFill/>
+          </a:ln>
+        </p:spPr>
+      </p:pic>
+      <p:sp>
+        <p:nvSpPr>
+          <p:cNvPr id="2" name="Заголовок 1">
+            <a:extLst>
+              <a:ext uri="{FF2B5EF4-FFF2-40B4-BE49-F238E27FC236}">
+                <a16:creationId xmlns:a16="http://schemas.microsoft.com/office/drawing/2014/main" id="{5A5E0FB0-6B34-4956-B75D-4F044035B966}"/>
+              </a:ext>
+            </a:extLst>
+          </p:cNvPr>
+          <p:cNvSpPr>
+            <a:spLocks noGrp="1"/>
+          </p:cNvSpPr>
+          <p:nvPr>
+            <p:ph type="title"/>
+          </p:nvPr>
+        </p:nvSpPr>
+        <p:spPr>
+          <a:xfrm>
+            <a:off x="0" y="38100"/>
+            <a:ext cx="9332686" cy="1282700"/>
+          </a:xfrm>
+        </p:spPr>
+        <p:txBody>
+          <a:bodyPr/>
+          <a:lstStyle/>
+          <a:p>
+            <a:pPr algn="ctr"/>
+            <a:r>
+              <a:rPr lang="ru-RU" dirty="0"/>
+              <a:t>Диаграмма активностей</a:t>
+            </a:r>
+          </a:p>
+        </p:txBody>
+      </p:sp>
+      <p:sp>
+        <p:nvSpPr>
+          <p:cNvPr id="6" name="Подзаголовок 2">
+            <a:extLst>
+              <a:ext uri="{FF2B5EF4-FFF2-40B4-BE49-F238E27FC236}">
+                <a16:creationId xmlns:a16="http://schemas.microsoft.com/office/drawing/2014/main" id="{8FF96B42-ADE7-480A-9AB2-4BD09A46A2F5}"/>
+              </a:ext>
+            </a:extLst>
+          </p:cNvPr>
+          <p:cNvSpPr>
+            <a:spLocks noGrp="1"/>
+          </p:cNvSpPr>
+          <p:nvPr/>
+        </p:nvSpPr>
+        <p:spPr>
+          <a:xfrm>
+            <a:off x="315104" y="1320799"/>
+            <a:ext cx="10149696" cy="5205835"/>
+          </a:xfrm>
+          <a:prstGeom prst="rect">
+            <a:avLst/>
+          </a:prstGeom>
+        </p:spPr>
+        <p:txBody>
+          <a:bodyPr vert="horz" lIns="91440" tIns="45720" rIns="91440" bIns="45720" rtlCol="0" anchor="t">
+            <a:normAutofit/>
+          </a:bodyPr>
+          <a:lstStyle>
+            <a:lvl1pPr marL="0" indent="0" algn="l" defTabSz="457200" rtl="0" eaLnBrk="1" latinLnBrk="0" hangingPunct="1">
+              <a:spcBef>
+                <a:spcPts val="1000"/>
+              </a:spcBef>
+              <a:spcAft>
+                <a:spcPts val="0"/>
+              </a:spcAft>
+              <a:buClr>
+                <a:schemeClr val="accent1"/>
+              </a:buClr>
+              <a:buFont typeface="Wingdings 3" charset="2"/>
+              <a:buNone/>
+              <a:defRPr sz="1800" kern="1200">
+                <a:solidFill>
+                  <a:schemeClr val="tx1">
+                    <a:lumMod val="65000"/>
+                    <a:lumOff val="35000"/>
+                  </a:schemeClr>
+                </a:solidFill>
+                <a:latin typeface="+mn-lt"/>
+                <a:ea typeface="+mn-ea"/>
+                <a:cs typeface="+mn-cs"/>
+              </a:defRPr>
+            </a:lvl1pPr>
+            <a:lvl2pPr marL="457200" indent="0" algn="ctr" defTabSz="457200" rtl="0" eaLnBrk="1" latinLnBrk="0" hangingPunct="1">
+              <a:spcBef>
+                <a:spcPts val="1000"/>
+              </a:spcBef>
+              <a:spcAft>
+                <a:spcPts val="0"/>
+              </a:spcAft>
+              <a:buClr>
+                <a:schemeClr val="accent1"/>
+              </a:buClr>
+              <a:buFont typeface="Wingdings 3" charset="2"/>
+              <a:buNone/>
+              <a:defRPr sz="1600" kern="1200">
+                <a:solidFill>
+                  <a:schemeClr val="tx1">
+                    <a:tint val="75000"/>
+                  </a:schemeClr>
+                </a:solidFill>
+                <a:latin typeface="+mn-lt"/>
+                <a:ea typeface="+mn-ea"/>
+                <a:cs typeface="+mn-cs"/>
+              </a:defRPr>
+            </a:lvl2pPr>
+            <a:lvl3pPr marL="914400" indent="0" algn="ctr" defTabSz="457200" rtl="0" eaLnBrk="1" latinLnBrk="0" hangingPunct="1">
+              <a:spcBef>
+                <a:spcPts val="1000"/>
+              </a:spcBef>
+              <a:spcAft>
+                <a:spcPts val="0"/>
+              </a:spcAft>
+              <a:buClr>
+                <a:schemeClr val="accent1"/>
+              </a:buClr>
+              <a:buFont typeface="Wingdings 3" charset="2"/>
+              <a:buNone/>
+              <a:defRPr sz="1400" kern="1200">
+                <a:solidFill>
+                  <a:schemeClr val="tx1">
+                    <a:tint val="75000"/>
+                  </a:schemeClr>
+                </a:solidFill>
+                <a:latin typeface="+mn-lt"/>
+                <a:ea typeface="+mn-ea"/>
+                <a:cs typeface="+mn-cs"/>
+              </a:defRPr>
+            </a:lvl3pPr>
+            <a:lvl4pPr marL="1371600" indent="0" algn="ctr" defTabSz="457200" rtl="0" eaLnBrk="1" latinLnBrk="0" hangingPunct="1">
+              <a:spcBef>
+                <a:spcPts val="1000"/>
+              </a:spcBef>
+              <a:spcAft>
+                <a:spcPts val="0"/>
+              </a:spcAft>
+              <a:buClr>
+                <a:schemeClr val="accent1"/>
+              </a:buClr>
+              <a:buFont typeface="Wingdings 3" charset="2"/>
+              <a:buNone/>
+              <a:defRPr sz="1200" kern="1200">
+                <a:solidFill>
+                  <a:schemeClr val="tx1">
+                    <a:tint val="75000"/>
+                  </a:schemeClr>
+                </a:solidFill>
+                <a:latin typeface="+mn-lt"/>
+                <a:ea typeface="+mn-ea"/>
+                <a:cs typeface="+mn-cs"/>
+              </a:defRPr>
+            </a:lvl4pPr>
+            <a:lvl5pPr marL="1828800" indent="0" algn="ctr" defTabSz="457200" rtl="0" eaLnBrk="1" latinLnBrk="0" hangingPunct="1">
+              <a:spcBef>
+                <a:spcPts val="1000"/>
+              </a:spcBef>
+              <a:spcAft>
+                <a:spcPts val="0"/>
+              </a:spcAft>
+              <a:buClr>
+                <a:schemeClr val="accent1"/>
+              </a:buClr>
+              <a:buFont typeface="Wingdings 3" charset="2"/>
+              <a:buNone/>
+              <a:defRPr sz="1200" kern="1200">
+                <a:solidFill>
+                  <a:schemeClr val="tx1">
+                    <a:tint val="75000"/>
+                  </a:schemeClr>
+                </a:solidFill>
+                <a:latin typeface="+mn-lt"/>
+                <a:ea typeface="+mn-ea"/>
+                <a:cs typeface="+mn-cs"/>
+              </a:defRPr>
+            </a:lvl5pPr>
+            <a:lvl6pPr marL="2286000" indent="0" algn="ctr" defTabSz="457200" rtl="0" eaLnBrk="1" latinLnBrk="0" hangingPunct="1">
+              <a:spcBef>
+                <a:spcPts val="1000"/>
+              </a:spcBef>
+              <a:spcAft>
+                <a:spcPts val="0"/>
+              </a:spcAft>
+              <a:buClr>
+                <a:schemeClr val="accent1"/>
+              </a:buClr>
+              <a:buFont typeface="Wingdings 3" charset="2"/>
+              <a:buNone/>
+              <a:defRPr sz="1200" kern="1200">
+                <a:solidFill>
+                  <a:schemeClr val="tx1">
+                    <a:tint val="75000"/>
+                  </a:schemeClr>
+                </a:solidFill>
+                <a:latin typeface="+mn-lt"/>
+                <a:ea typeface="+mn-ea"/>
+                <a:cs typeface="+mn-cs"/>
+              </a:defRPr>
+            </a:lvl6pPr>
+            <a:lvl7pPr marL="2743200" indent="0" algn="ctr" defTabSz="457200" rtl="0" eaLnBrk="1" latinLnBrk="0" hangingPunct="1">
+              <a:spcBef>
+                <a:spcPts val="1000"/>
+              </a:spcBef>
+              <a:spcAft>
+                <a:spcPts val="0"/>
+              </a:spcAft>
+              <a:buClr>
+                <a:schemeClr val="accent1"/>
+              </a:buClr>
+              <a:buFont typeface="Wingdings 3" charset="2"/>
+              <a:buNone/>
+              <a:defRPr sz="1200" kern="1200">
+                <a:solidFill>
+                  <a:schemeClr val="tx1">
+                    <a:tint val="75000"/>
+                  </a:schemeClr>
+                </a:solidFill>
+                <a:latin typeface="+mn-lt"/>
+                <a:ea typeface="+mn-ea"/>
+                <a:cs typeface="+mn-cs"/>
+              </a:defRPr>
+            </a:lvl7pPr>
+            <a:lvl8pPr marL="3200400" indent="0" algn="ctr" defTabSz="457200" rtl="0" eaLnBrk="1" latinLnBrk="0" hangingPunct="1">
+              <a:spcBef>
+                <a:spcPts val="1000"/>
+              </a:spcBef>
+              <a:spcAft>
+                <a:spcPts val="0"/>
+              </a:spcAft>
+              <a:buClr>
+                <a:schemeClr val="accent1"/>
+              </a:buClr>
+              <a:buFont typeface="Wingdings 3" charset="2"/>
+              <a:buNone/>
+              <a:defRPr sz="1200" kern="1200">
+                <a:solidFill>
+                  <a:schemeClr val="tx1">
+                    <a:tint val="75000"/>
+                  </a:schemeClr>
+                </a:solidFill>
+                <a:latin typeface="+mn-lt"/>
+                <a:ea typeface="+mn-ea"/>
+                <a:cs typeface="+mn-cs"/>
+              </a:defRPr>
+            </a:lvl8pPr>
+            <a:lvl9pPr marL="3657600" indent="0" algn="ctr" defTabSz="457200" rtl="0" eaLnBrk="1" latinLnBrk="0" hangingPunct="1">
+              <a:spcBef>
+                <a:spcPts val="1000"/>
+              </a:spcBef>
+              <a:spcAft>
+                <a:spcPts val="0"/>
+              </a:spcAft>
+              <a:buClr>
+                <a:schemeClr val="accent1"/>
+              </a:buClr>
+              <a:buFont typeface="Wingdings 3" charset="2"/>
+              <a:buNone/>
+              <a:defRPr sz="1200" kern="1200">
+                <a:solidFill>
+                  <a:schemeClr val="tx1">
+                    <a:tint val="75000"/>
+                  </a:schemeClr>
+                </a:solidFill>
+                <a:latin typeface="+mn-lt"/>
+                <a:ea typeface="+mn-ea"/>
+                <a:cs typeface="+mn-cs"/>
+              </a:defRPr>
+            </a:lvl9pPr>
+          </a:lstStyle>
+          <a:p>
+            <a:pPr marL="457200" indent="-457200">
+              <a:buFont typeface="Arial" panose="020B0604020202020204" pitchFamily="34" charset="0"/>
+              <a:buChar char="•"/>
+            </a:pPr>
+            <a:endParaRPr lang="ru-RU" sz="2800" dirty="0">
+              <a:solidFill>
+                <a:srgbClr val="0249A0"/>
+              </a:solidFill>
+            </a:endParaRPr>
+          </a:p>
+        </p:txBody>
+      </p:sp>
+      <p:pic>
+        <p:nvPicPr>
+          <p:cNvPr id="7" name="Рисунок 6" descr="Изображение выглядит как текст, карта&#10;&#10;Автоматически созданное описание">
+            <a:extLst>
+              <a:ext uri="{FF2B5EF4-FFF2-40B4-BE49-F238E27FC236}">
+                <a16:creationId xmlns:a16="http://schemas.microsoft.com/office/drawing/2014/main" id="{237799AD-7AC1-48EB-926A-CA007C331EE8}"/>
+              </a:ext>
+            </a:extLst>
+          </p:cNvPr>
+          <p:cNvPicPr>
+            <a:picLocks noChangeAspect="1"/>
+          </p:cNvPicPr>
+          <p:nvPr/>
+        </p:nvPicPr>
+        <p:blipFill>
+          <a:blip r:embed="rId3">
+            <a:extLst>
+              <a:ext uri="{28A0092B-C50C-407E-A947-70E740481C1C}">
+                <a14:useLocalDpi xmlns:a14="http://schemas.microsoft.com/office/drawing/2010/main" val="0"/>
+              </a:ext>
+            </a:extLst>
+          </a:blip>
+          <a:stretch>
+            <a:fillRect/>
+          </a:stretch>
+        </p:blipFill>
+        <p:spPr>
+          <a:xfrm>
+            <a:off x="2156375" y="737321"/>
+            <a:ext cx="5214798" cy="6082579"/>
+          </a:xfrm>
+          <a:prstGeom prst="rect">
+            <a:avLst/>
+          </a:prstGeom>
+        </p:spPr>
+      </p:pic>
+    </p:spTree>
+    <p:extLst>
+      <p:ext uri="{BB962C8B-B14F-4D97-AF65-F5344CB8AC3E}">
+        <p14:creationId xmlns:p14="http://schemas.microsoft.com/office/powerpoint/2010/main" val="2192423283"/>
+      </p:ext>
+    </p:extLst>
+  </p:cSld>
+  <p:clrMapOvr>
+    <a:masterClrMapping/>
+  </p:clrMapOvr>
+</p:sld>
+</file>
+
+<file path=ppt/slides/slide8.xml><?xml version="1.0" encoding="utf-8"?>
+<p:sld xmlns:a="http://schemas.openxmlformats.org/drawingml/2006/main" xmlns:r="http://schemas.openxmlformats.org/officeDocument/2006/relationships" xmlns:p="http://schemas.openxmlformats.org/presentationml/2006/main">
+  <p:cSld>
+    <p:spTree>
+      <p:nvGrpSpPr>
+        <p:cNvPr id="1" name=""/>
+        <p:cNvGrpSpPr/>
+        <p:nvPr/>
+      </p:nvGrpSpPr>
+      <p:grpSpPr>
+        <a:xfrm>
+          <a:off x="0" y="0"/>
+          <a:ext cx="0" cy="0"/>
+          <a:chOff x="0" y="0"/>
+          <a:chExt cx="0" cy="0"/>
+        </a:xfrm>
+      </p:grpSpPr>
+      <p:pic>
+        <p:nvPicPr>
+          <p:cNvPr id="5" name="Объект 4" descr="Изображение выглядит как часы&#10;&#10;Автоматически созданное описание">
+            <a:extLst>
+              <a:ext uri="{FF2B5EF4-FFF2-40B4-BE49-F238E27FC236}">
+                <a16:creationId xmlns:a16="http://schemas.microsoft.com/office/drawing/2014/main" id="{22E14400-CF35-45DF-A554-0D2B9D036BB9}"/>
+              </a:ext>
+            </a:extLst>
+          </p:cNvPr>
+          <p:cNvPicPr>
+            <a:picLocks noGrp="1" noChangeAspect="1"/>
+          </p:cNvPicPr>
+          <p:nvPr>
+            <p:ph idx="1"/>
+          </p:nvPr>
+        </p:nvPicPr>
+        <p:blipFill>
+          <a:blip r:embed="rId2">
+            <a:alphaModFix amt="10000"/>
+            <a:extLst>
+              <a:ext uri="{28A0092B-C50C-407E-A947-70E740481C1C}">
+                <a14:useLocalDpi xmlns:a14="http://schemas.microsoft.com/office/drawing/2010/main" val="0"/>
+              </a:ext>
+            </a:extLst>
+          </a:blip>
+          <a:stretch>
+            <a:fillRect/>
+          </a:stretch>
+        </p:blipFill>
+        <p:spPr>
+          <a:xfrm>
+            <a:off x="315104" y="38100"/>
+            <a:ext cx="9177239" cy="6819899"/>
+          </a:xfrm>
+          <a:noFill/>
+          <a:ln>
+            <a:noFill/>
+          </a:ln>
+        </p:spPr>
+      </p:pic>
+      <p:sp>
+        <p:nvSpPr>
+          <p:cNvPr id="2" name="Заголовок 1">
+            <a:extLst>
+              <a:ext uri="{FF2B5EF4-FFF2-40B4-BE49-F238E27FC236}">
+                <a16:creationId xmlns:a16="http://schemas.microsoft.com/office/drawing/2014/main" id="{5A5E0FB0-6B34-4956-B75D-4F044035B966}"/>
+              </a:ext>
+            </a:extLst>
+          </p:cNvPr>
+          <p:cNvSpPr>
+            <a:spLocks noGrp="1"/>
+          </p:cNvSpPr>
+          <p:nvPr>
+            <p:ph type="title"/>
+          </p:nvPr>
+        </p:nvSpPr>
+        <p:spPr>
+          <a:xfrm>
+            <a:off x="0" y="38100"/>
+            <a:ext cx="9332686" cy="1282700"/>
+          </a:xfrm>
+        </p:spPr>
+        <p:txBody>
+          <a:bodyPr/>
+          <a:lstStyle/>
+          <a:p>
+            <a:pPr algn="ctr"/>
+            <a:r>
+              <a:rPr lang="ru-RU" dirty="0"/>
+              <a:t>Диаграмма активностей</a:t>
+            </a:r>
+          </a:p>
+        </p:txBody>
+      </p:sp>
+      <p:sp>
+        <p:nvSpPr>
+          <p:cNvPr id="6" name="Подзаголовок 2">
+            <a:extLst>
+              <a:ext uri="{FF2B5EF4-FFF2-40B4-BE49-F238E27FC236}">
+                <a16:creationId xmlns:a16="http://schemas.microsoft.com/office/drawing/2014/main" id="{8FF96B42-ADE7-480A-9AB2-4BD09A46A2F5}"/>
+              </a:ext>
+            </a:extLst>
+          </p:cNvPr>
+          <p:cNvSpPr>
+            <a:spLocks noGrp="1"/>
+          </p:cNvSpPr>
+          <p:nvPr/>
+        </p:nvSpPr>
+        <p:spPr>
+          <a:xfrm>
+            <a:off x="315104" y="1320799"/>
+            <a:ext cx="10149696" cy="5205835"/>
+          </a:xfrm>
+          <a:prstGeom prst="rect">
+            <a:avLst/>
+          </a:prstGeom>
+        </p:spPr>
+        <p:txBody>
+          <a:bodyPr vert="horz" lIns="91440" tIns="45720" rIns="91440" bIns="45720" rtlCol="0" anchor="t">
+            <a:normAutofit/>
+          </a:bodyPr>
+          <a:lstStyle>
+            <a:lvl1pPr marL="0" indent="0" algn="l" defTabSz="457200" rtl="0" eaLnBrk="1" latinLnBrk="0" hangingPunct="1">
+              <a:spcBef>
+                <a:spcPts val="1000"/>
+              </a:spcBef>
+              <a:spcAft>
+                <a:spcPts val="0"/>
+              </a:spcAft>
+              <a:buClr>
+                <a:schemeClr val="accent1"/>
+              </a:buClr>
+              <a:buFont typeface="Wingdings 3" charset="2"/>
+              <a:buNone/>
+              <a:defRPr sz="1800" kern="1200">
+                <a:solidFill>
+                  <a:schemeClr val="tx1">
+                    <a:lumMod val="65000"/>
+                    <a:lumOff val="35000"/>
+                  </a:schemeClr>
+                </a:solidFill>
+                <a:latin typeface="+mn-lt"/>
+                <a:ea typeface="+mn-ea"/>
+                <a:cs typeface="+mn-cs"/>
+              </a:defRPr>
+            </a:lvl1pPr>
+            <a:lvl2pPr marL="457200" indent="0" algn="ctr" defTabSz="457200" rtl="0" eaLnBrk="1" latinLnBrk="0" hangingPunct="1">
+              <a:spcBef>
+                <a:spcPts val="1000"/>
+              </a:spcBef>
+              <a:spcAft>
+                <a:spcPts val="0"/>
+              </a:spcAft>
+              <a:buClr>
+                <a:schemeClr val="accent1"/>
+              </a:buClr>
+              <a:buFont typeface="Wingdings 3" charset="2"/>
+              <a:buNone/>
+              <a:defRPr sz="1600" kern="1200">
+                <a:solidFill>
+                  <a:schemeClr val="tx1">
+                    <a:tint val="75000"/>
+                  </a:schemeClr>
+                </a:solidFill>
+                <a:latin typeface="+mn-lt"/>
+                <a:ea typeface="+mn-ea"/>
+                <a:cs typeface="+mn-cs"/>
+              </a:defRPr>
+            </a:lvl2pPr>
+            <a:lvl3pPr marL="914400" indent="0" algn="ctr" defTabSz="457200" rtl="0" eaLnBrk="1" latinLnBrk="0" hangingPunct="1">
+              <a:spcBef>
+                <a:spcPts val="1000"/>
+              </a:spcBef>
+              <a:spcAft>
+                <a:spcPts val="0"/>
+              </a:spcAft>
+              <a:buClr>
+                <a:schemeClr val="accent1"/>
+              </a:buClr>
+              <a:buFont typeface="Wingdings 3" charset="2"/>
+              <a:buNone/>
+              <a:defRPr sz="1400" kern="1200">
+                <a:solidFill>
+                  <a:schemeClr val="tx1">
+                    <a:tint val="75000"/>
+                  </a:schemeClr>
+                </a:solidFill>
+                <a:latin typeface="+mn-lt"/>
+                <a:ea typeface="+mn-ea"/>
+                <a:cs typeface="+mn-cs"/>
+              </a:defRPr>
+            </a:lvl3pPr>
+            <a:lvl4pPr marL="1371600" indent="0" algn="ctr" defTabSz="457200" rtl="0" eaLnBrk="1" latinLnBrk="0" hangingPunct="1">
+              <a:spcBef>
+                <a:spcPts val="1000"/>
+              </a:spcBef>
+              <a:spcAft>
+                <a:spcPts val="0"/>
+              </a:spcAft>
+              <a:buClr>
+                <a:schemeClr val="accent1"/>
+              </a:buClr>
+              <a:buFont typeface="Wingdings 3" charset="2"/>
+              <a:buNone/>
+              <a:defRPr sz="1200" kern="1200">
+                <a:solidFill>
+                  <a:schemeClr val="tx1">
+                    <a:tint val="75000"/>
+                  </a:schemeClr>
+                </a:solidFill>
+                <a:latin typeface="+mn-lt"/>
+                <a:ea typeface="+mn-ea"/>
+                <a:cs typeface="+mn-cs"/>
+              </a:defRPr>
+            </a:lvl4pPr>
+            <a:lvl5pPr marL="1828800" indent="0" algn="ctr" defTabSz="457200" rtl="0" eaLnBrk="1" latinLnBrk="0" hangingPunct="1">
+              <a:spcBef>
+                <a:spcPts val="1000"/>
+              </a:spcBef>
+              <a:spcAft>
+                <a:spcPts val="0"/>
+              </a:spcAft>
+              <a:buClr>
+                <a:schemeClr val="accent1"/>
+              </a:buClr>
+              <a:buFont typeface="Wingdings 3" charset="2"/>
+              <a:buNone/>
+              <a:defRPr sz="1200" kern="1200">
+                <a:solidFill>
+                  <a:schemeClr val="tx1">
+                    <a:tint val="75000"/>
+                  </a:schemeClr>
+                </a:solidFill>
+                <a:latin typeface="+mn-lt"/>
+                <a:ea typeface="+mn-ea"/>
+                <a:cs typeface="+mn-cs"/>
+              </a:defRPr>
+            </a:lvl5pPr>
+            <a:lvl6pPr marL="2286000" indent="0" algn="ctr" defTabSz="457200" rtl="0" eaLnBrk="1" latinLnBrk="0" hangingPunct="1">
+              <a:spcBef>
+                <a:spcPts val="1000"/>
+              </a:spcBef>
+              <a:spcAft>
+                <a:spcPts val="0"/>
+              </a:spcAft>
+              <a:buClr>
+                <a:schemeClr val="accent1"/>
+              </a:buClr>
+              <a:buFont typeface="Wingdings 3" charset="2"/>
+              <a:buNone/>
+              <a:defRPr sz="1200" kern="1200">
+                <a:solidFill>
+                  <a:schemeClr val="tx1">
+                    <a:tint val="75000"/>
+                  </a:schemeClr>
+                </a:solidFill>
+                <a:latin typeface="+mn-lt"/>
+                <a:ea typeface="+mn-ea"/>
+                <a:cs typeface="+mn-cs"/>
+              </a:defRPr>
+            </a:lvl6pPr>
+            <a:lvl7pPr marL="2743200" indent="0" algn="ctr" defTabSz="457200" rtl="0" eaLnBrk="1" latinLnBrk="0" hangingPunct="1">
+              <a:spcBef>
+                <a:spcPts val="1000"/>
+              </a:spcBef>
+              <a:spcAft>
+                <a:spcPts val="0"/>
+              </a:spcAft>
+              <a:buClr>
+                <a:schemeClr val="accent1"/>
+              </a:buClr>
+              <a:buFont typeface="Wingdings 3" charset="2"/>
+              <a:buNone/>
+              <a:defRPr sz="1200" kern="1200">
+                <a:solidFill>
+                  <a:schemeClr val="tx1">
+                    <a:tint val="75000"/>
+                  </a:schemeClr>
+                </a:solidFill>
+                <a:latin typeface="+mn-lt"/>
+                <a:ea typeface="+mn-ea"/>
+                <a:cs typeface="+mn-cs"/>
+              </a:defRPr>
+            </a:lvl7pPr>
+            <a:lvl8pPr marL="3200400" indent="0" algn="ctr" defTabSz="457200" rtl="0" eaLnBrk="1" latinLnBrk="0" hangingPunct="1">
+              <a:spcBef>
+                <a:spcPts val="1000"/>
+              </a:spcBef>
+              <a:spcAft>
+                <a:spcPts val="0"/>
+              </a:spcAft>
+              <a:buClr>
+                <a:schemeClr val="accent1"/>
+              </a:buClr>
+              <a:buFont typeface="Wingdings 3" charset="2"/>
+              <a:buNone/>
+              <a:defRPr sz="1200" kern="1200">
+                <a:solidFill>
+                  <a:schemeClr val="tx1">
+                    <a:tint val="75000"/>
+                  </a:schemeClr>
+                </a:solidFill>
+                <a:latin typeface="+mn-lt"/>
+                <a:ea typeface="+mn-ea"/>
+                <a:cs typeface="+mn-cs"/>
+              </a:defRPr>
+            </a:lvl8pPr>
+            <a:lvl9pPr marL="3657600" indent="0" algn="ctr" defTabSz="457200" rtl="0" eaLnBrk="1" latinLnBrk="0" hangingPunct="1">
+              <a:spcBef>
+                <a:spcPts val="1000"/>
+              </a:spcBef>
+              <a:spcAft>
+                <a:spcPts val="0"/>
+              </a:spcAft>
+              <a:buClr>
+                <a:schemeClr val="accent1"/>
+              </a:buClr>
+              <a:buFont typeface="Wingdings 3" charset="2"/>
+              <a:buNone/>
+              <a:defRPr sz="1200" kern="1200">
+                <a:solidFill>
+                  <a:schemeClr val="tx1">
+                    <a:tint val="75000"/>
+                  </a:schemeClr>
+                </a:solidFill>
+                <a:latin typeface="+mn-lt"/>
+                <a:ea typeface="+mn-ea"/>
+                <a:cs typeface="+mn-cs"/>
+              </a:defRPr>
+            </a:lvl9pPr>
+          </a:lstStyle>
+          <a:p>
+            <a:pPr marL="457200" indent="-457200">
+              <a:buFont typeface="Arial" panose="020B0604020202020204" pitchFamily="34" charset="0"/>
+              <a:buChar char="•"/>
+            </a:pPr>
+            <a:endParaRPr lang="ru-RU" sz="2800" dirty="0">
+              <a:solidFill>
+                <a:srgbClr val="0249A0"/>
+              </a:solidFill>
+            </a:endParaRPr>
+          </a:p>
+        </p:txBody>
+      </p:sp>
+      <p:pic>
+        <p:nvPicPr>
+          <p:cNvPr id="4" name="Рисунок 3" descr="Изображение выглядит как текст, снимок экрана&#10;&#10;Автоматически созданное описание">
+            <a:extLst>
+              <a:ext uri="{FF2B5EF4-FFF2-40B4-BE49-F238E27FC236}">
+                <a16:creationId xmlns:a16="http://schemas.microsoft.com/office/drawing/2014/main" id="{24A45D50-860B-4101-B101-8C32DBF7B95F}"/>
+              </a:ext>
+            </a:extLst>
+          </p:cNvPr>
+          <p:cNvPicPr>
+            <a:picLocks noChangeAspect="1"/>
+          </p:cNvPicPr>
+          <p:nvPr/>
+        </p:nvPicPr>
+        <p:blipFill>
+          <a:blip r:embed="rId3">
+            <a:extLst>
+              <a:ext uri="{28A0092B-C50C-407E-A947-70E740481C1C}">
+                <a14:useLocalDpi xmlns:a14="http://schemas.microsoft.com/office/drawing/2010/main" val="0"/>
+              </a:ext>
+            </a:extLst>
+          </a:blip>
+          <a:stretch>
+            <a:fillRect/>
+          </a:stretch>
+        </p:blipFill>
+        <p:spPr>
+          <a:xfrm>
+            <a:off x="2779554" y="622954"/>
+            <a:ext cx="4007745" cy="6235045"/>
+          </a:xfrm>
+          <a:prstGeom prst="rect">
+            <a:avLst/>
+          </a:prstGeom>
+        </p:spPr>
+      </p:pic>
+    </p:spTree>
+    <p:extLst>
+      <p:ext uri="{BB962C8B-B14F-4D97-AF65-F5344CB8AC3E}">
+        <p14:creationId xmlns:p14="http://schemas.microsoft.com/office/powerpoint/2010/main" val="3514394250"/>
+      </p:ext>
+    </p:extLst>
+  </p:cSld>
+  <p:clrMapOvr>
+    <a:masterClrMapping/>
+  </p:clrMapOvr>
+</p:sld>
+</file>
+
+<file path=ppt/slides/slide9.xml><?xml version="1.0" encoding="utf-8"?>
+<p:sld xmlns:a="http://schemas.openxmlformats.org/drawingml/2006/main" xmlns:r="http://schemas.openxmlformats.org/officeDocument/2006/relationships" xmlns:p="http://schemas.openxmlformats.org/presentationml/2006/main">
+  <p:cSld>
+    <p:spTree>
+      <p:nvGrpSpPr>
+        <p:cNvPr id="1" name=""/>
+        <p:cNvGrpSpPr/>
+        <p:nvPr/>
+      </p:nvGrpSpPr>
+      <p:grpSpPr>
+        <a:xfrm>
+          <a:off x="0" y="0"/>
+          <a:ext cx="0" cy="0"/>
+          <a:chOff x="0" y="0"/>
+          <a:chExt cx="0" cy="0"/>
+        </a:xfrm>
+      </p:grpSpPr>
+      <p:pic>
+        <p:nvPicPr>
+          <p:cNvPr id="5" name="Объект 4" descr="Изображение выглядит как часы&#10;&#10;Автоматически созданное описание">
+            <a:extLst>
+              <a:ext uri="{FF2B5EF4-FFF2-40B4-BE49-F238E27FC236}">
+                <a16:creationId xmlns:a16="http://schemas.microsoft.com/office/drawing/2014/main" id="{22E14400-CF35-45DF-A554-0D2B9D036BB9}"/>
+              </a:ext>
+            </a:extLst>
+          </p:cNvPr>
+          <p:cNvPicPr>
+            <a:picLocks noGrp="1" noChangeAspect="1"/>
+          </p:cNvPicPr>
+          <p:nvPr>
+            <p:ph idx="1"/>
+          </p:nvPr>
+        </p:nvPicPr>
+        <p:blipFill>
+          <a:blip r:embed="rId2">
+            <a:alphaModFix amt="10000"/>
+            <a:extLst>
+              <a:ext uri="{28A0092B-C50C-407E-A947-70E740481C1C}">
+                <a14:useLocalDpi xmlns:a14="http://schemas.microsoft.com/office/drawing/2010/main" val="0"/>
+              </a:ext>
+            </a:extLst>
+          </a:blip>
+          <a:stretch>
+            <a:fillRect/>
+          </a:stretch>
+        </p:blipFill>
+        <p:spPr>
+          <a:xfrm>
+            <a:off x="315104" y="38100"/>
+            <a:ext cx="9177239" cy="6819899"/>
+          </a:xfrm>
+          <a:noFill/>
+          <a:ln>
+            <a:noFill/>
+          </a:ln>
+        </p:spPr>
+      </p:pic>
+      <p:sp>
+        <p:nvSpPr>
+          <p:cNvPr id="2" name="Заголовок 1">
+            <a:extLst>
+              <a:ext uri="{FF2B5EF4-FFF2-40B4-BE49-F238E27FC236}">
+                <a16:creationId xmlns:a16="http://schemas.microsoft.com/office/drawing/2014/main" id="{5A5E0FB0-6B34-4956-B75D-4F044035B966}"/>
+              </a:ext>
+            </a:extLst>
+          </p:cNvPr>
+          <p:cNvSpPr>
+            <a:spLocks noGrp="1"/>
+          </p:cNvSpPr>
+          <p:nvPr>
+            <p:ph type="title"/>
+          </p:nvPr>
+        </p:nvSpPr>
+        <p:spPr>
+          <a:xfrm>
+            <a:off x="0" y="38100"/>
+            <a:ext cx="9332686" cy="1282700"/>
+          </a:xfrm>
+        </p:spPr>
+        <p:txBody>
+          <a:bodyPr/>
+          <a:lstStyle/>
+          <a:p>
+            <a:pPr algn="ctr"/>
+            <a:r>
+              <a:rPr lang="ru-RU" dirty="0"/>
+              <a:t>Диаграмма активностей</a:t>
+            </a:r>
+          </a:p>
+        </p:txBody>
+      </p:sp>
+      <p:sp>
+        <p:nvSpPr>
+          <p:cNvPr id="6" name="Подзаголовок 2">
+            <a:extLst>
+              <a:ext uri="{FF2B5EF4-FFF2-40B4-BE49-F238E27FC236}">
+                <a16:creationId xmlns:a16="http://schemas.microsoft.com/office/drawing/2014/main" id="{8FF96B42-ADE7-480A-9AB2-4BD09A46A2F5}"/>
+              </a:ext>
+            </a:extLst>
+          </p:cNvPr>
+          <p:cNvSpPr>
+            <a:spLocks noGrp="1"/>
+          </p:cNvSpPr>
+          <p:nvPr/>
+        </p:nvSpPr>
+        <p:spPr>
+          <a:xfrm>
+            <a:off x="315104" y="1320799"/>
+            <a:ext cx="10149696" cy="5205835"/>
+          </a:xfrm>
+          <a:prstGeom prst="rect">
+            <a:avLst/>
+          </a:prstGeom>
+        </p:spPr>
+        <p:txBody>
+          <a:bodyPr vert="horz" lIns="91440" tIns="45720" rIns="91440" bIns="45720" rtlCol="0" anchor="t">
+            <a:normAutofit/>
+          </a:bodyPr>
+          <a:lstStyle>
+            <a:lvl1pPr marL="0" indent="0" algn="l" defTabSz="457200" rtl="0" eaLnBrk="1" latinLnBrk="0" hangingPunct="1">
+              <a:spcBef>
+                <a:spcPts val="1000"/>
+              </a:spcBef>
+              <a:spcAft>
+                <a:spcPts val="0"/>
+              </a:spcAft>
+              <a:buClr>
+                <a:schemeClr val="accent1"/>
+              </a:buClr>
+              <a:buFont typeface="Wingdings 3" charset="2"/>
+              <a:buNone/>
+              <a:defRPr sz="1800" kern="1200">
+                <a:solidFill>
+                  <a:schemeClr val="tx1">
+                    <a:lumMod val="65000"/>
+                    <a:lumOff val="35000"/>
+                  </a:schemeClr>
+                </a:solidFill>
+                <a:latin typeface="+mn-lt"/>
+                <a:ea typeface="+mn-ea"/>
+                <a:cs typeface="+mn-cs"/>
+              </a:defRPr>
+            </a:lvl1pPr>
+            <a:lvl2pPr marL="457200" indent="0" algn="ctr" defTabSz="457200" rtl="0" eaLnBrk="1" latinLnBrk="0" hangingPunct="1">
+              <a:spcBef>
+                <a:spcPts val="1000"/>
+              </a:spcBef>
+              <a:spcAft>
+                <a:spcPts val="0"/>
+              </a:spcAft>
+              <a:buClr>
+                <a:schemeClr val="accent1"/>
+              </a:buClr>
+              <a:buFont typeface="Wingdings 3" charset="2"/>
+              <a:buNone/>
+              <a:defRPr sz="1600" kern="1200">
+                <a:solidFill>
+                  <a:schemeClr val="tx1">
+                    <a:tint val="75000"/>
+                  </a:schemeClr>
+                </a:solidFill>
+                <a:latin typeface="+mn-lt"/>
+                <a:ea typeface="+mn-ea"/>
+                <a:cs typeface="+mn-cs"/>
+              </a:defRPr>
+            </a:lvl2pPr>
+            <a:lvl3pPr marL="914400" indent="0" algn="ctr" defTabSz="457200" rtl="0" eaLnBrk="1" latinLnBrk="0" hangingPunct="1">
+              <a:spcBef>
+                <a:spcPts val="1000"/>
+              </a:spcBef>
+              <a:spcAft>
+                <a:spcPts val="0"/>
+              </a:spcAft>
+              <a:buClr>
+                <a:schemeClr val="accent1"/>
+              </a:buClr>
+              <a:buFont typeface="Wingdings 3" charset="2"/>
+              <a:buNone/>
+              <a:defRPr sz="1400" kern="1200">
+                <a:solidFill>
+                  <a:schemeClr val="tx1">
+                    <a:tint val="75000"/>
+                  </a:schemeClr>
+                </a:solidFill>
+                <a:latin typeface="+mn-lt"/>
+                <a:ea typeface="+mn-ea"/>
+                <a:cs typeface="+mn-cs"/>
+              </a:defRPr>
+            </a:lvl3pPr>
+            <a:lvl4pPr marL="1371600" indent="0" algn="ctr" defTabSz="457200" rtl="0" eaLnBrk="1" latinLnBrk="0" hangingPunct="1">
+              <a:spcBef>
+                <a:spcPts val="1000"/>
+              </a:spcBef>
+              <a:spcAft>
+                <a:spcPts val="0"/>
+              </a:spcAft>
+              <a:buClr>
+                <a:schemeClr val="accent1"/>
+              </a:buClr>
+              <a:buFont typeface="Wingdings 3" charset="2"/>
+              <a:buNone/>
+              <a:defRPr sz="1200" kern="1200">
+                <a:solidFill>
+                  <a:schemeClr val="tx1">
+                    <a:tint val="75000"/>
+                  </a:schemeClr>
+                </a:solidFill>
+                <a:latin typeface="+mn-lt"/>
+                <a:ea typeface="+mn-ea"/>
+                <a:cs typeface="+mn-cs"/>
+              </a:defRPr>
+            </a:lvl4pPr>
+            <a:lvl5pPr marL="1828800" indent="0" algn="ctr" defTabSz="457200" rtl="0" eaLnBrk="1" latinLnBrk="0" hangingPunct="1">
+              <a:spcBef>
+                <a:spcPts val="1000"/>
+              </a:spcBef>
+              <a:spcAft>
+                <a:spcPts val="0"/>
+              </a:spcAft>
+              <a:buClr>
+                <a:schemeClr val="accent1"/>
+              </a:buClr>
+              <a:buFont typeface="Wingdings 3" charset="2"/>
+              <a:buNone/>
+              <a:defRPr sz="1200" kern="1200">
+                <a:solidFill>
+                  <a:schemeClr val="tx1">
+                    <a:tint val="75000"/>
+                  </a:schemeClr>
+                </a:solidFill>
+                <a:latin typeface="+mn-lt"/>
+                <a:ea typeface="+mn-ea"/>
+                <a:cs typeface="+mn-cs"/>
+              </a:defRPr>
+            </a:lvl5pPr>
+            <a:lvl6pPr marL="2286000" indent="0" algn="ctr" defTabSz="457200" rtl="0" eaLnBrk="1" latinLnBrk="0" hangingPunct="1">
+              <a:spcBef>
+                <a:spcPts val="1000"/>
+              </a:spcBef>
+              <a:spcAft>
+                <a:spcPts val="0"/>
+              </a:spcAft>
+              <a:buClr>
+                <a:schemeClr val="accent1"/>
+              </a:buClr>
+              <a:buFont typeface="Wingdings 3" charset="2"/>
+              <a:buNone/>
+              <a:defRPr sz="1200" kern="1200">
+                <a:solidFill>
+                  <a:schemeClr val="tx1">
+                    <a:tint val="75000"/>
+                  </a:schemeClr>
+                </a:solidFill>
+                <a:latin typeface="+mn-lt"/>
+                <a:ea typeface="+mn-ea"/>
+                <a:cs typeface="+mn-cs"/>
+              </a:defRPr>
+            </a:lvl6pPr>
+            <a:lvl7pPr marL="2743200" indent="0" algn="ctr" defTabSz="457200" rtl="0" eaLnBrk="1" latinLnBrk="0" hangingPunct="1">
+              <a:spcBef>
+                <a:spcPts val="1000"/>
+              </a:spcBef>
+              <a:spcAft>
+                <a:spcPts val="0"/>
+              </a:spcAft>
+              <a:buClr>
+                <a:schemeClr val="accent1"/>
+              </a:buClr>
+              <a:buFont typeface="Wingdings 3" charset="2"/>
+              <a:buNone/>
+              <a:defRPr sz="1200" kern="1200">
+                <a:solidFill>
+                  <a:schemeClr val="tx1">
+                    <a:tint val="75000"/>
+                  </a:schemeClr>
+                </a:solidFill>
+                <a:latin typeface="+mn-lt"/>
+                <a:ea typeface="+mn-ea"/>
+                <a:cs typeface="+mn-cs"/>
+              </a:defRPr>
+            </a:lvl7pPr>
+            <a:lvl8pPr marL="3200400" indent="0" algn="ctr" defTabSz="457200" rtl="0" eaLnBrk="1" latinLnBrk="0" hangingPunct="1">
+              <a:spcBef>
+                <a:spcPts val="1000"/>
+              </a:spcBef>
+              <a:spcAft>
+                <a:spcPts val="0"/>
+              </a:spcAft>
+              <a:buClr>
+                <a:schemeClr val="accent1"/>
+              </a:buClr>
+              <a:buFont typeface="Wingdings 3" charset="2"/>
+              <a:buNone/>
+              <a:defRPr sz="1200" kern="1200">
+                <a:solidFill>
+                  <a:schemeClr val="tx1">
+                    <a:tint val="75000"/>
+                  </a:schemeClr>
+                </a:solidFill>
+                <a:latin typeface="+mn-lt"/>
+                <a:ea typeface="+mn-ea"/>
+                <a:cs typeface="+mn-cs"/>
+              </a:defRPr>
+            </a:lvl8pPr>
+            <a:lvl9pPr marL="3657600" indent="0" algn="ctr" defTabSz="457200" rtl="0" eaLnBrk="1" latinLnBrk="0" hangingPunct="1">
+              <a:spcBef>
+                <a:spcPts val="1000"/>
+              </a:spcBef>
+              <a:spcAft>
+                <a:spcPts val="0"/>
+              </a:spcAft>
+              <a:buClr>
+                <a:schemeClr val="accent1"/>
+              </a:buClr>
+              <a:buFont typeface="Wingdings 3" charset="2"/>
+              <a:buNone/>
+              <a:defRPr sz="1200" kern="1200">
+                <a:solidFill>
+                  <a:schemeClr val="tx1">
+                    <a:tint val="75000"/>
+                  </a:schemeClr>
+                </a:solidFill>
+                <a:latin typeface="+mn-lt"/>
+                <a:ea typeface="+mn-ea"/>
+                <a:cs typeface="+mn-cs"/>
+              </a:defRPr>
+            </a:lvl9pPr>
+          </a:lstStyle>
+          <a:p>
+            <a:pPr marL="457200" indent="-457200">
+              <a:buFont typeface="Arial" panose="020B0604020202020204" pitchFamily="34" charset="0"/>
+              <a:buChar char="•"/>
+            </a:pPr>
+            <a:endParaRPr lang="ru-RU" sz="2800" dirty="0">
+              <a:solidFill>
+                <a:srgbClr val="0249A0"/>
+              </a:solidFill>
+            </a:endParaRPr>
+          </a:p>
+        </p:txBody>
+      </p:sp>
+      <p:pic>
+        <p:nvPicPr>
+          <p:cNvPr id="4" name="Рисунок 3" descr="Изображение выглядит как текст, карта&#10;&#10;Автоматически созданное описание">
+            <a:extLst>
+              <a:ext uri="{FF2B5EF4-FFF2-40B4-BE49-F238E27FC236}">
+                <a16:creationId xmlns:a16="http://schemas.microsoft.com/office/drawing/2014/main" id="{85427B55-054C-482E-A11C-56674E276692}"/>
+              </a:ext>
+            </a:extLst>
+          </p:cNvPr>
+          <p:cNvPicPr>
+            <a:picLocks noChangeAspect="1"/>
+          </p:cNvPicPr>
+          <p:nvPr/>
+        </p:nvPicPr>
+        <p:blipFill>
+          <a:blip r:embed="rId3">
+            <a:extLst>
+              <a:ext uri="{28A0092B-C50C-407E-A947-70E740481C1C}">
+                <a14:useLocalDpi xmlns:a14="http://schemas.microsoft.com/office/drawing/2010/main" val="0"/>
+              </a:ext>
+            </a:extLst>
+          </a:blip>
+          <a:stretch>
+            <a:fillRect/>
+          </a:stretch>
+        </p:blipFill>
+        <p:spPr>
+          <a:xfrm>
+            <a:off x="1254173" y="679450"/>
+            <a:ext cx="7299099" cy="5998439"/>
+          </a:xfrm>
+          <a:prstGeom prst="rect">
+            <a:avLst/>
+          </a:prstGeom>
+        </p:spPr>
+      </p:pic>
+    </p:spTree>
+    <p:extLst>
+      <p:ext uri="{BB962C8B-B14F-4D97-AF65-F5344CB8AC3E}">
+        <p14:creationId xmlns:p14="http://schemas.microsoft.com/office/powerpoint/2010/main" val="3603552486"/>
       </p:ext>
     </p:extLst>
   </p:cSld>

--- a/Презентация/FuelEconomy.pptx
+++ b/Презентация/FuelEconomy.pptx
@@ -18,6 +18,8 @@
     <p:sldId id="266" r:id="rId12"/>
     <p:sldId id="267" r:id="rId13"/>
     <p:sldId id="268" r:id="rId14"/>
+    <p:sldId id="269" r:id="rId15"/>
+    <p:sldId id="270" r:id="rId16"/>
   </p:sldIdLst>
   <p:sldSz cx="12192000" cy="6858000"/>
   <p:notesSz cx="6858000" cy="9144000"/>
@@ -6680,10 +6682,10 @@
       </p:sp>
       <p:pic>
         <p:nvPicPr>
-          <p:cNvPr id="7" name="Рисунок 6" descr="Изображение выглядит как текст, карта&#10;&#10;Автоматически созданное описание">
+          <p:cNvPr id="4" name="Рисунок 3" descr="Изображение выглядит как текст&#10;&#10;Автоматически созданное описание">
             <a:extLst>
               <a:ext uri="{FF2B5EF4-FFF2-40B4-BE49-F238E27FC236}">
-                <a16:creationId xmlns:a16="http://schemas.microsoft.com/office/drawing/2014/main" id="{0C306C99-753C-44AB-8159-754773990AAD}"/>
+                <a16:creationId xmlns:a16="http://schemas.microsoft.com/office/drawing/2014/main" id="{6FFADE0E-1C1E-41A9-8E30-515AC3006990}"/>
               </a:ext>
             </a:extLst>
           </p:cNvPr>
@@ -6706,8 +6708,8 @@
         </p:blipFill>
         <p:spPr>
           <a:xfrm>
-            <a:off x="1727200" y="757710"/>
-            <a:ext cx="6788346" cy="6100290"/>
+            <a:off x="1727200" y="634746"/>
+            <a:ext cx="6764809" cy="6178935"/>
           </a:xfrm>
           <a:prstGeom prst="rect">
             <a:avLst/>
@@ -7888,6 +7890,1322 @@
     <p:extLst>
       <p:ext uri="{BB962C8B-B14F-4D97-AF65-F5344CB8AC3E}">
         <p14:creationId xmlns:p14="http://schemas.microsoft.com/office/powerpoint/2010/main" val="2766103507"/>
+      </p:ext>
+    </p:extLst>
+  </p:cSld>
+  <p:clrMapOvr>
+    <a:masterClrMapping/>
+  </p:clrMapOvr>
+</p:sld>
+</file>
+
+<file path=ppt/slides/slide14.xml><?xml version="1.0" encoding="utf-8"?>
+<p:sld xmlns:a="http://schemas.openxmlformats.org/drawingml/2006/main" xmlns:r="http://schemas.openxmlformats.org/officeDocument/2006/relationships" xmlns:p="http://schemas.openxmlformats.org/presentationml/2006/main">
+  <p:cSld>
+    <p:spTree>
+      <p:nvGrpSpPr>
+        <p:cNvPr id="1" name=""/>
+        <p:cNvGrpSpPr/>
+        <p:nvPr/>
+      </p:nvGrpSpPr>
+      <p:grpSpPr>
+        <a:xfrm>
+          <a:off x="0" y="0"/>
+          <a:ext cx="0" cy="0"/>
+          <a:chOff x="0" y="0"/>
+          <a:chExt cx="0" cy="0"/>
+        </a:xfrm>
+      </p:grpSpPr>
+      <p:pic>
+        <p:nvPicPr>
+          <p:cNvPr id="5" name="Объект 4" descr="Изображение выглядит как часы&#10;&#10;Автоматически созданное описание">
+            <a:extLst>
+              <a:ext uri="{FF2B5EF4-FFF2-40B4-BE49-F238E27FC236}">
+                <a16:creationId xmlns:a16="http://schemas.microsoft.com/office/drawing/2014/main" id="{22E14400-CF35-45DF-A554-0D2B9D036BB9}"/>
+              </a:ext>
+            </a:extLst>
+          </p:cNvPr>
+          <p:cNvPicPr>
+            <a:picLocks noGrp="1" noChangeAspect="1"/>
+          </p:cNvPicPr>
+          <p:nvPr>
+            <p:ph idx="1"/>
+          </p:nvPr>
+        </p:nvPicPr>
+        <p:blipFill>
+          <a:blip r:embed="rId2">
+            <a:alphaModFix amt="10000"/>
+            <a:extLst>
+              <a:ext uri="{28A0092B-C50C-407E-A947-70E740481C1C}">
+                <a14:useLocalDpi xmlns:a14="http://schemas.microsoft.com/office/drawing/2010/main" val="0"/>
+              </a:ext>
+            </a:extLst>
+          </a:blip>
+          <a:stretch>
+            <a:fillRect/>
+          </a:stretch>
+        </p:blipFill>
+        <p:spPr>
+          <a:xfrm>
+            <a:off x="315104" y="38100"/>
+            <a:ext cx="9177239" cy="6819899"/>
+          </a:xfrm>
+          <a:noFill/>
+          <a:ln>
+            <a:noFill/>
+          </a:ln>
+        </p:spPr>
+      </p:pic>
+      <p:sp>
+        <p:nvSpPr>
+          <p:cNvPr id="2" name="Заголовок 1">
+            <a:extLst>
+              <a:ext uri="{FF2B5EF4-FFF2-40B4-BE49-F238E27FC236}">
+                <a16:creationId xmlns:a16="http://schemas.microsoft.com/office/drawing/2014/main" id="{5A5E0FB0-6B34-4956-B75D-4F044035B966}"/>
+              </a:ext>
+            </a:extLst>
+          </p:cNvPr>
+          <p:cNvSpPr>
+            <a:spLocks noGrp="1"/>
+          </p:cNvSpPr>
+          <p:nvPr>
+            <p:ph type="title"/>
+          </p:nvPr>
+        </p:nvSpPr>
+        <p:spPr>
+          <a:xfrm>
+            <a:off x="0" y="38100"/>
+            <a:ext cx="9332686" cy="1282700"/>
+          </a:xfrm>
+        </p:spPr>
+        <p:txBody>
+          <a:bodyPr/>
+          <a:lstStyle/>
+          <a:p>
+            <a:pPr algn="ctr"/>
+            <a:r>
+              <a:rPr lang="ru-RU" dirty="0"/>
+              <a:t>Заключение.</a:t>
+            </a:r>
+          </a:p>
+        </p:txBody>
+      </p:sp>
+      <p:sp>
+        <p:nvSpPr>
+          <p:cNvPr id="6" name="Подзаголовок 2">
+            <a:extLst>
+              <a:ext uri="{FF2B5EF4-FFF2-40B4-BE49-F238E27FC236}">
+                <a16:creationId xmlns:a16="http://schemas.microsoft.com/office/drawing/2014/main" id="{8FF96B42-ADE7-480A-9AB2-4BD09A46A2F5}"/>
+              </a:ext>
+            </a:extLst>
+          </p:cNvPr>
+          <p:cNvSpPr>
+            <a:spLocks noGrp="1"/>
+          </p:cNvSpPr>
+          <p:nvPr/>
+        </p:nvSpPr>
+        <p:spPr>
+          <a:xfrm>
+            <a:off x="315104" y="1320799"/>
+            <a:ext cx="10149696" cy="5205835"/>
+          </a:xfrm>
+          <a:prstGeom prst="rect">
+            <a:avLst/>
+          </a:prstGeom>
+        </p:spPr>
+        <p:txBody>
+          <a:bodyPr vert="horz" lIns="91440" tIns="45720" rIns="91440" bIns="45720" rtlCol="0" anchor="t">
+            <a:normAutofit/>
+          </a:bodyPr>
+          <a:lstStyle>
+            <a:lvl1pPr marL="0" indent="0" algn="l" defTabSz="457200" rtl="0" eaLnBrk="1" latinLnBrk="0" hangingPunct="1">
+              <a:spcBef>
+                <a:spcPts val="1000"/>
+              </a:spcBef>
+              <a:spcAft>
+                <a:spcPts val="0"/>
+              </a:spcAft>
+              <a:buClr>
+                <a:schemeClr val="accent1"/>
+              </a:buClr>
+              <a:buFont typeface="Wingdings 3" charset="2"/>
+              <a:buNone/>
+              <a:defRPr sz="1800" kern="1200">
+                <a:solidFill>
+                  <a:schemeClr val="tx1">
+                    <a:lumMod val="65000"/>
+                    <a:lumOff val="35000"/>
+                  </a:schemeClr>
+                </a:solidFill>
+                <a:latin typeface="+mn-lt"/>
+                <a:ea typeface="+mn-ea"/>
+                <a:cs typeface="+mn-cs"/>
+              </a:defRPr>
+            </a:lvl1pPr>
+            <a:lvl2pPr marL="457200" indent="0" algn="ctr" defTabSz="457200" rtl="0" eaLnBrk="1" latinLnBrk="0" hangingPunct="1">
+              <a:spcBef>
+                <a:spcPts val="1000"/>
+              </a:spcBef>
+              <a:spcAft>
+                <a:spcPts val="0"/>
+              </a:spcAft>
+              <a:buClr>
+                <a:schemeClr val="accent1"/>
+              </a:buClr>
+              <a:buFont typeface="Wingdings 3" charset="2"/>
+              <a:buNone/>
+              <a:defRPr sz="1600" kern="1200">
+                <a:solidFill>
+                  <a:schemeClr val="tx1">
+                    <a:tint val="75000"/>
+                  </a:schemeClr>
+                </a:solidFill>
+                <a:latin typeface="+mn-lt"/>
+                <a:ea typeface="+mn-ea"/>
+                <a:cs typeface="+mn-cs"/>
+              </a:defRPr>
+            </a:lvl2pPr>
+            <a:lvl3pPr marL="914400" indent="0" algn="ctr" defTabSz="457200" rtl="0" eaLnBrk="1" latinLnBrk="0" hangingPunct="1">
+              <a:spcBef>
+                <a:spcPts val="1000"/>
+              </a:spcBef>
+              <a:spcAft>
+                <a:spcPts val="0"/>
+              </a:spcAft>
+              <a:buClr>
+                <a:schemeClr val="accent1"/>
+              </a:buClr>
+              <a:buFont typeface="Wingdings 3" charset="2"/>
+              <a:buNone/>
+              <a:defRPr sz="1400" kern="1200">
+                <a:solidFill>
+                  <a:schemeClr val="tx1">
+                    <a:tint val="75000"/>
+                  </a:schemeClr>
+                </a:solidFill>
+                <a:latin typeface="+mn-lt"/>
+                <a:ea typeface="+mn-ea"/>
+                <a:cs typeface="+mn-cs"/>
+              </a:defRPr>
+            </a:lvl3pPr>
+            <a:lvl4pPr marL="1371600" indent="0" algn="ctr" defTabSz="457200" rtl="0" eaLnBrk="1" latinLnBrk="0" hangingPunct="1">
+              <a:spcBef>
+                <a:spcPts val="1000"/>
+              </a:spcBef>
+              <a:spcAft>
+                <a:spcPts val="0"/>
+              </a:spcAft>
+              <a:buClr>
+                <a:schemeClr val="accent1"/>
+              </a:buClr>
+              <a:buFont typeface="Wingdings 3" charset="2"/>
+              <a:buNone/>
+              <a:defRPr sz="1200" kern="1200">
+                <a:solidFill>
+                  <a:schemeClr val="tx1">
+                    <a:tint val="75000"/>
+                  </a:schemeClr>
+                </a:solidFill>
+                <a:latin typeface="+mn-lt"/>
+                <a:ea typeface="+mn-ea"/>
+                <a:cs typeface="+mn-cs"/>
+              </a:defRPr>
+            </a:lvl4pPr>
+            <a:lvl5pPr marL="1828800" indent="0" algn="ctr" defTabSz="457200" rtl="0" eaLnBrk="1" latinLnBrk="0" hangingPunct="1">
+              <a:spcBef>
+                <a:spcPts val="1000"/>
+              </a:spcBef>
+              <a:spcAft>
+                <a:spcPts val="0"/>
+              </a:spcAft>
+              <a:buClr>
+                <a:schemeClr val="accent1"/>
+              </a:buClr>
+              <a:buFont typeface="Wingdings 3" charset="2"/>
+              <a:buNone/>
+              <a:defRPr sz="1200" kern="1200">
+                <a:solidFill>
+                  <a:schemeClr val="tx1">
+                    <a:tint val="75000"/>
+                  </a:schemeClr>
+                </a:solidFill>
+                <a:latin typeface="+mn-lt"/>
+                <a:ea typeface="+mn-ea"/>
+                <a:cs typeface="+mn-cs"/>
+              </a:defRPr>
+            </a:lvl5pPr>
+            <a:lvl6pPr marL="2286000" indent="0" algn="ctr" defTabSz="457200" rtl="0" eaLnBrk="1" latinLnBrk="0" hangingPunct="1">
+              <a:spcBef>
+                <a:spcPts val="1000"/>
+              </a:spcBef>
+              <a:spcAft>
+                <a:spcPts val="0"/>
+              </a:spcAft>
+              <a:buClr>
+                <a:schemeClr val="accent1"/>
+              </a:buClr>
+              <a:buFont typeface="Wingdings 3" charset="2"/>
+              <a:buNone/>
+              <a:defRPr sz="1200" kern="1200">
+                <a:solidFill>
+                  <a:schemeClr val="tx1">
+                    <a:tint val="75000"/>
+                  </a:schemeClr>
+                </a:solidFill>
+                <a:latin typeface="+mn-lt"/>
+                <a:ea typeface="+mn-ea"/>
+                <a:cs typeface="+mn-cs"/>
+              </a:defRPr>
+            </a:lvl6pPr>
+            <a:lvl7pPr marL="2743200" indent="0" algn="ctr" defTabSz="457200" rtl="0" eaLnBrk="1" latinLnBrk="0" hangingPunct="1">
+              <a:spcBef>
+                <a:spcPts val="1000"/>
+              </a:spcBef>
+              <a:spcAft>
+                <a:spcPts val="0"/>
+              </a:spcAft>
+              <a:buClr>
+                <a:schemeClr val="accent1"/>
+              </a:buClr>
+              <a:buFont typeface="Wingdings 3" charset="2"/>
+              <a:buNone/>
+              <a:defRPr sz="1200" kern="1200">
+                <a:solidFill>
+                  <a:schemeClr val="tx1">
+                    <a:tint val="75000"/>
+                  </a:schemeClr>
+                </a:solidFill>
+                <a:latin typeface="+mn-lt"/>
+                <a:ea typeface="+mn-ea"/>
+                <a:cs typeface="+mn-cs"/>
+              </a:defRPr>
+            </a:lvl7pPr>
+            <a:lvl8pPr marL="3200400" indent="0" algn="ctr" defTabSz="457200" rtl="0" eaLnBrk="1" latinLnBrk="0" hangingPunct="1">
+              <a:spcBef>
+                <a:spcPts val="1000"/>
+              </a:spcBef>
+              <a:spcAft>
+                <a:spcPts val="0"/>
+              </a:spcAft>
+              <a:buClr>
+                <a:schemeClr val="accent1"/>
+              </a:buClr>
+              <a:buFont typeface="Wingdings 3" charset="2"/>
+              <a:buNone/>
+              <a:defRPr sz="1200" kern="1200">
+                <a:solidFill>
+                  <a:schemeClr val="tx1">
+                    <a:tint val="75000"/>
+                  </a:schemeClr>
+                </a:solidFill>
+                <a:latin typeface="+mn-lt"/>
+                <a:ea typeface="+mn-ea"/>
+                <a:cs typeface="+mn-cs"/>
+              </a:defRPr>
+            </a:lvl8pPr>
+            <a:lvl9pPr marL="3657600" indent="0" algn="ctr" defTabSz="457200" rtl="0" eaLnBrk="1" latinLnBrk="0" hangingPunct="1">
+              <a:spcBef>
+                <a:spcPts val="1000"/>
+              </a:spcBef>
+              <a:spcAft>
+                <a:spcPts val="0"/>
+              </a:spcAft>
+              <a:buClr>
+                <a:schemeClr val="accent1"/>
+              </a:buClr>
+              <a:buFont typeface="Wingdings 3" charset="2"/>
+              <a:buNone/>
+              <a:defRPr sz="1200" kern="1200">
+                <a:solidFill>
+                  <a:schemeClr val="tx1">
+                    <a:tint val="75000"/>
+                  </a:schemeClr>
+                </a:solidFill>
+                <a:latin typeface="+mn-lt"/>
+                <a:ea typeface="+mn-ea"/>
+                <a:cs typeface="+mn-cs"/>
+              </a:defRPr>
+            </a:lvl9pPr>
+          </a:lstStyle>
+          <a:p>
+            <a:pPr marL="457200" indent="-457200">
+              <a:buFont typeface="Arial" panose="020B0604020202020204" pitchFamily="34" charset="0"/>
+              <a:buChar char="•"/>
+            </a:pPr>
+            <a:endParaRPr lang="ru-RU" sz="2800" dirty="0">
+              <a:solidFill>
+                <a:srgbClr val="0249A0"/>
+              </a:solidFill>
+            </a:endParaRPr>
+          </a:p>
+        </p:txBody>
+      </p:sp>
+      <p:sp>
+        <p:nvSpPr>
+          <p:cNvPr id="7" name="Подзаголовок 2">
+            <a:extLst>
+              <a:ext uri="{FF2B5EF4-FFF2-40B4-BE49-F238E27FC236}">
+                <a16:creationId xmlns:a16="http://schemas.microsoft.com/office/drawing/2014/main" id="{102169FD-F965-4BB7-8F69-FE4938AC1940}"/>
+              </a:ext>
+            </a:extLst>
+          </p:cNvPr>
+          <p:cNvSpPr>
+            <a:spLocks noGrp="1"/>
+          </p:cNvSpPr>
+          <p:nvPr/>
+        </p:nvSpPr>
+        <p:spPr>
+          <a:xfrm>
+            <a:off x="467504" y="1473199"/>
+            <a:ext cx="10149696" cy="5205835"/>
+          </a:xfrm>
+          <a:prstGeom prst="rect">
+            <a:avLst/>
+          </a:prstGeom>
+        </p:spPr>
+        <p:txBody>
+          <a:bodyPr vert="horz" lIns="91440" tIns="45720" rIns="91440" bIns="45720" rtlCol="0" anchor="t">
+            <a:normAutofit/>
+          </a:bodyPr>
+          <a:lstStyle>
+            <a:lvl1pPr marL="0" indent="0" algn="l" defTabSz="457200" rtl="0" eaLnBrk="1" latinLnBrk="0" hangingPunct="1">
+              <a:spcBef>
+                <a:spcPts val="1000"/>
+              </a:spcBef>
+              <a:spcAft>
+                <a:spcPts val="0"/>
+              </a:spcAft>
+              <a:buClr>
+                <a:schemeClr val="accent1"/>
+              </a:buClr>
+              <a:buFont typeface="Wingdings 3" charset="2"/>
+              <a:buNone/>
+              <a:defRPr sz="1800" kern="1200">
+                <a:solidFill>
+                  <a:schemeClr val="tx1">
+                    <a:lumMod val="65000"/>
+                    <a:lumOff val="35000"/>
+                  </a:schemeClr>
+                </a:solidFill>
+                <a:latin typeface="+mn-lt"/>
+                <a:ea typeface="+mn-ea"/>
+                <a:cs typeface="+mn-cs"/>
+              </a:defRPr>
+            </a:lvl1pPr>
+            <a:lvl2pPr marL="457200" indent="0" algn="ctr" defTabSz="457200" rtl="0" eaLnBrk="1" latinLnBrk="0" hangingPunct="1">
+              <a:spcBef>
+                <a:spcPts val="1000"/>
+              </a:spcBef>
+              <a:spcAft>
+                <a:spcPts val="0"/>
+              </a:spcAft>
+              <a:buClr>
+                <a:schemeClr val="accent1"/>
+              </a:buClr>
+              <a:buFont typeface="Wingdings 3" charset="2"/>
+              <a:buNone/>
+              <a:defRPr sz="1600" kern="1200">
+                <a:solidFill>
+                  <a:schemeClr val="tx1">
+                    <a:tint val="75000"/>
+                  </a:schemeClr>
+                </a:solidFill>
+                <a:latin typeface="+mn-lt"/>
+                <a:ea typeface="+mn-ea"/>
+                <a:cs typeface="+mn-cs"/>
+              </a:defRPr>
+            </a:lvl2pPr>
+            <a:lvl3pPr marL="914400" indent="0" algn="ctr" defTabSz="457200" rtl="0" eaLnBrk="1" latinLnBrk="0" hangingPunct="1">
+              <a:spcBef>
+                <a:spcPts val="1000"/>
+              </a:spcBef>
+              <a:spcAft>
+                <a:spcPts val="0"/>
+              </a:spcAft>
+              <a:buClr>
+                <a:schemeClr val="accent1"/>
+              </a:buClr>
+              <a:buFont typeface="Wingdings 3" charset="2"/>
+              <a:buNone/>
+              <a:defRPr sz="1400" kern="1200">
+                <a:solidFill>
+                  <a:schemeClr val="tx1">
+                    <a:tint val="75000"/>
+                  </a:schemeClr>
+                </a:solidFill>
+                <a:latin typeface="+mn-lt"/>
+                <a:ea typeface="+mn-ea"/>
+                <a:cs typeface="+mn-cs"/>
+              </a:defRPr>
+            </a:lvl3pPr>
+            <a:lvl4pPr marL="1371600" indent="0" algn="ctr" defTabSz="457200" rtl="0" eaLnBrk="1" latinLnBrk="0" hangingPunct="1">
+              <a:spcBef>
+                <a:spcPts val="1000"/>
+              </a:spcBef>
+              <a:spcAft>
+                <a:spcPts val="0"/>
+              </a:spcAft>
+              <a:buClr>
+                <a:schemeClr val="accent1"/>
+              </a:buClr>
+              <a:buFont typeface="Wingdings 3" charset="2"/>
+              <a:buNone/>
+              <a:defRPr sz="1200" kern="1200">
+                <a:solidFill>
+                  <a:schemeClr val="tx1">
+                    <a:tint val="75000"/>
+                  </a:schemeClr>
+                </a:solidFill>
+                <a:latin typeface="+mn-lt"/>
+                <a:ea typeface="+mn-ea"/>
+                <a:cs typeface="+mn-cs"/>
+              </a:defRPr>
+            </a:lvl4pPr>
+            <a:lvl5pPr marL="1828800" indent="0" algn="ctr" defTabSz="457200" rtl="0" eaLnBrk="1" latinLnBrk="0" hangingPunct="1">
+              <a:spcBef>
+                <a:spcPts val="1000"/>
+              </a:spcBef>
+              <a:spcAft>
+                <a:spcPts val="0"/>
+              </a:spcAft>
+              <a:buClr>
+                <a:schemeClr val="accent1"/>
+              </a:buClr>
+              <a:buFont typeface="Wingdings 3" charset="2"/>
+              <a:buNone/>
+              <a:defRPr sz="1200" kern="1200">
+                <a:solidFill>
+                  <a:schemeClr val="tx1">
+                    <a:tint val="75000"/>
+                  </a:schemeClr>
+                </a:solidFill>
+                <a:latin typeface="+mn-lt"/>
+                <a:ea typeface="+mn-ea"/>
+                <a:cs typeface="+mn-cs"/>
+              </a:defRPr>
+            </a:lvl5pPr>
+            <a:lvl6pPr marL="2286000" indent="0" algn="ctr" defTabSz="457200" rtl="0" eaLnBrk="1" latinLnBrk="0" hangingPunct="1">
+              <a:spcBef>
+                <a:spcPts val="1000"/>
+              </a:spcBef>
+              <a:spcAft>
+                <a:spcPts val="0"/>
+              </a:spcAft>
+              <a:buClr>
+                <a:schemeClr val="accent1"/>
+              </a:buClr>
+              <a:buFont typeface="Wingdings 3" charset="2"/>
+              <a:buNone/>
+              <a:defRPr sz="1200" kern="1200">
+                <a:solidFill>
+                  <a:schemeClr val="tx1">
+                    <a:tint val="75000"/>
+                  </a:schemeClr>
+                </a:solidFill>
+                <a:latin typeface="+mn-lt"/>
+                <a:ea typeface="+mn-ea"/>
+                <a:cs typeface="+mn-cs"/>
+              </a:defRPr>
+            </a:lvl6pPr>
+            <a:lvl7pPr marL="2743200" indent="0" algn="ctr" defTabSz="457200" rtl="0" eaLnBrk="1" latinLnBrk="0" hangingPunct="1">
+              <a:spcBef>
+                <a:spcPts val="1000"/>
+              </a:spcBef>
+              <a:spcAft>
+                <a:spcPts val="0"/>
+              </a:spcAft>
+              <a:buClr>
+                <a:schemeClr val="accent1"/>
+              </a:buClr>
+              <a:buFont typeface="Wingdings 3" charset="2"/>
+              <a:buNone/>
+              <a:defRPr sz="1200" kern="1200">
+                <a:solidFill>
+                  <a:schemeClr val="tx1">
+                    <a:tint val="75000"/>
+                  </a:schemeClr>
+                </a:solidFill>
+                <a:latin typeface="+mn-lt"/>
+                <a:ea typeface="+mn-ea"/>
+                <a:cs typeface="+mn-cs"/>
+              </a:defRPr>
+            </a:lvl7pPr>
+            <a:lvl8pPr marL="3200400" indent="0" algn="ctr" defTabSz="457200" rtl="0" eaLnBrk="1" latinLnBrk="0" hangingPunct="1">
+              <a:spcBef>
+                <a:spcPts val="1000"/>
+              </a:spcBef>
+              <a:spcAft>
+                <a:spcPts val="0"/>
+              </a:spcAft>
+              <a:buClr>
+                <a:schemeClr val="accent1"/>
+              </a:buClr>
+              <a:buFont typeface="Wingdings 3" charset="2"/>
+              <a:buNone/>
+              <a:defRPr sz="1200" kern="1200">
+                <a:solidFill>
+                  <a:schemeClr val="tx1">
+                    <a:tint val="75000"/>
+                  </a:schemeClr>
+                </a:solidFill>
+                <a:latin typeface="+mn-lt"/>
+                <a:ea typeface="+mn-ea"/>
+                <a:cs typeface="+mn-cs"/>
+              </a:defRPr>
+            </a:lvl8pPr>
+            <a:lvl9pPr marL="3657600" indent="0" algn="ctr" defTabSz="457200" rtl="0" eaLnBrk="1" latinLnBrk="0" hangingPunct="1">
+              <a:spcBef>
+                <a:spcPts val="1000"/>
+              </a:spcBef>
+              <a:spcAft>
+                <a:spcPts val="0"/>
+              </a:spcAft>
+              <a:buClr>
+                <a:schemeClr val="accent1"/>
+              </a:buClr>
+              <a:buFont typeface="Wingdings 3" charset="2"/>
+              <a:buNone/>
+              <a:defRPr sz="1200" kern="1200">
+                <a:solidFill>
+                  <a:schemeClr val="tx1">
+                    <a:tint val="75000"/>
+                  </a:schemeClr>
+                </a:solidFill>
+                <a:latin typeface="+mn-lt"/>
+                <a:ea typeface="+mn-ea"/>
+                <a:cs typeface="+mn-cs"/>
+              </a:defRPr>
+            </a:lvl9pPr>
+          </a:lstStyle>
+          <a:p>
+            <a:pPr marL="457200" indent="-457200">
+              <a:buFont typeface="Arial" panose="020B0604020202020204" pitchFamily="34" charset="0"/>
+              <a:buChar char="•"/>
+            </a:pPr>
+            <a:r>
+              <a:rPr lang="ru-RU" sz="2800" dirty="0">
+                <a:solidFill>
+                  <a:srgbClr val="0249A0"/>
+                </a:solidFill>
+              </a:rPr>
+              <a:t>Реализованная информационная система обладает всей необходимой функциональностью, заложенной при проектировании.</a:t>
+            </a:r>
+          </a:p>
+          <a:p>
+            <a:pPr marL="457200" indent="-457200">
+              <a:buFont typeface="Arial" panose="020B0604020202020204" pitchFamily="34" charset="0"/>
+              <a:buChar char="•"/>
+            </a:pPr>
+            <a:r>
+              <a:rPr lang="ru-RU" sz="2800" dirty="0">
+                <a:solidFill>
+                  <a:srgbClr val="0249A0"/>
+                </a:solidFill>
+              </a:rPr>
+              <a:t>Для удобства использования применены асинхронные методы, многопоточная реализация опроса диагностического сканера, интерактивная строка состояния и кнопка подключения.</a:t>
+            </a:r>
+          </a:p>
+          <a:p>
+            <a:pPr marL="457200" indent="-457200">
+              <a:buFont typeface="Arial" panose="020B0604020202020204" pitchFamily="34" charset="0"/>
+              <a:buChar char="•"/>
+            </a:pPr>
+            <a:r>
+              <a:rPr lang="ru-RU" sz="2800" dirty="0">
+                <a:solidFill>
+                  <a:srgbClr val="0249A0"/>
+                </a:solidFill>
+              </a:rPr>
+              <a:t>Минималистичный дизайн радует глаз.</a:t>
+            </a:r>
+          </a:p>
+          <a:p>
+            <a:pPr marL="457200" indent="-457200">
+              <a:buFont typeface="Arial" panose="020B0604020202020204" pitchFamily="34" charset="0"/>
+              <a:buChar char="•"/>
+            </a:pPr>
+            <a:r>
+              <a:rPr lang="ru-RU" sz="2800" dirty="0">
+                <a:solidFill>
+                  <a:srgbClr val="0249A0"/>
+                </a:solidFill>
+              </a:rPr>
+              <a:t>Можно переходить на этап поддержки и развития приложения .</a:t>
+            </a:r>
+          </a:p>
+        </p:txBody>
+      </p:sp>
+    </p:spTree>
+    <p:extLst>
+      <p:ext uri="{BB962C8B-B14F-4D97-AF65-F5344CB8AC3E}">
+        <p14:creationId xmlns:p14="http://schemas.microsoft.com/office/powerpoint/2010/main" val="4266220234"/>
+      </p:ext>
+    </p:extLst>
+  </p:cSld>
+  <p:clrMapOvr>
+    <a:masterClrMapping/>
+  </p:clrMapOvr>
+</p:sld>
+</file>
+
+<file path=ppt/slides/slide15.xml><?xml version="1.0" encoding="utf-8"?>
+<p:sld xmlns:a="http://schemas.openxmlformats.org/drawingml/2006/main" xmlns:r="http://schemas.openxmlformats.org/officeDocument/2006/relationships" xmlns:p="http://schemas.openxmlformats.org/presentationml/2006/main">
+  <p:cSld>
+    <p:spTree>
+      <p:nvGrpSpPr>
+        <p:cNvPr id="1" name=""/>
+        <p:cNvGrpSpPr/>
+        <p:nvPr/>
+      </p:nvGrpSpPr>
+      <p:grpSpPr>
+        <a:xfrm>
+          <a:off x="0" y="0"/>
+          <a:ext cx="0" cy="0"/>
+          <a:chOff x="0" y="0"/>
+          <a:chExt cx="0" cy="0"/>
+        </a:xfrm>
+      </p:grpSpPr>
+      <p:pic>
+        <p:nvPicPr>
+          <p:cNvPr id="5" name="Объект 4" descr="Изображение выглядит как часы&#10;&#10;Автоматически созданное описание">
+            <a:extLst>
+              <a:ext uri="{FF2B5EF4-FFF2-40B4-BE49-F238E27FC236}">
+                <a16:creationId xmlns:a16="http://schemas.microsoft.com/office/drawing/2014/main" id="{22E14400-CF35-45DF-A554-0D2B9D036BB9}"/>
+              </a:ext>
+            </a:extLst>
+          </p:cNvPr>
+          <p:cNvPicPr>
+            <a:picLocks noGrp="1" noChangeAspect="1"/>
+          </p:cNvPicPr>
+          <p:nvPr>
+            <p:ph idx="1"/>
+          </p:nvPr>
+        </p:nvPicPr>
+        <p:blipFill>
+          <a:blip r:embed="rId2">
+            <a:alphaModFix amt="10000"/>
+            <a:extLst>
+              <a:ext uri="{28A0092B-C50C-407E-A947-70E740481C1C}">
+                <a14:useLocalDpi xmlns:a14="http://schemas.microsoft.com/office/drawing/2010/main" val="0"/>
+              </a:ext>
+            </a:extLst>
+          </a:blip>
+          <a:stretch>
+            <a:fillRect/>
+          </a:stretch>
+        </p:blipFill>
+        <p:spPr>
+          <a:xfrm>
+            <a:off x="315104" y="38100"/>
+            <a:ext cx="9177239" cy="6819899"/>
+          </a:xfrm>
+          <a:noFill/>
+          <a:ln>
+            <a:noFill/>
+          </a:ln>
+        </p:spPr>
+      </p:pic>
+      <p:sp>
+        <p:nvSpPr>
+          <p:cNvPr id="2" name="Заголовок 1">
+            <a:extLst>
+              <a:ext uri="{FF2B5EF4-FFF2-40B4-BE49-F238E27FC236}">
+                <a16:creationId xmlns:a16="http://schemas.microsoft.com/office/drawing/2014/main" id="{5A5E0FB0-6B34-4956-B75D-4F044035B966}"/>
+              </a:ext>
+            </a:extLst>
+          </p:cNvPr>
+          <p:cNvSpPr>
+            <a:spLocks noGrp="1"/>
+          </p:cNvSpPr>
+          <p:nvPr>
+            <p:ph type="title"/>
+          </p:nvPr>
+        </p:nvSpPr>
+        <p:spPr>
+          <a:xfrm>
+            <a:off x="0" y="38100"/>
+            <a:ext cx="9332686" cy="1282700"/>
+          </a:xfrm>
+        </p:spPr>
+        <p:txBody>
+          <a:bodyPr/>
+          <a:lstStyle/>
+          <a:p>
+            <a:pPr algn="ctr"/>
+            <a:r>
+              <a:rPr lang="ru-RU" dirty="0"/>
+              <a:t>Заключение.</a:t>
+            </a:r>
+          </a:p>
+        </p:txBody>
+      </p:sp>
+      <p:sp>
+        <p:nvSpPr>
+          <p:cNvPr id="6" name="Подзаголовок 2">
+            <a:extLst>
+              <a:ext uri="{FF2B5EF4-FFF2-40B4-BE49-F238E27FC236}">
+                <a16:creationId xmlns:a16="http://schemas.microsoft.com/office/drawing/2014/main" id="{8FF96B42-ADE7-480A-9AB2-4BD09A46A2F5}"/>
+              </a:ext>
+            </a:extLst>
+          </p:cNvPr>
+          <p:cNvSpPr>
+            <a:spLocks noGrp="1"/>
+          </p:cNvSpPr>
+          <p:nvPr/>
+        </p:nvSpPr>
+        <p:spPr>
+          <a:xfrm>
+            <a:off x="315104" y="1320799"/>
+            <a:ext cx="10149696" cy="5205835"/>
+          </a:xfrm>
+          <a:prstGeom prst="rect">
+            <a:avLst/>
+          </a:prstGeom>
+        </p:spPr>
+        <p:txBody>
+          <a:bodyPr vert="horz" lIns="91440" tIns="45720" rIns="91440" bIns="45720" rtlCol="0" anchor="t">
+            <a:normAutofit/>
+          </a:bodyPr>
+          <a:lstStyle>
+            <a:lvl1pPr marL="0" indent="0" algn="l" defTabSz="457200" rtl="0" eaLnBrk="1" latinLnBrk="0" hangingPunct="1">
+              <a:spcBef>
+                <a:spcPts val="1000"/>
+              </a:spcBef>
+              <a:spcAft>
+                <a:spcPts val="0"/>
+              </a:spcAft>
+              <a:buClr>
+                <a:schemeClr val="accent1"/>
+              </a:buClr>
+              <a:buFont typeface="Wingdings 3" charset="2"/>
+              <a:buNone/>
+              <a:defRPr sz="1800" kern="1200">
+                <a:solidFill>
+                  <a:schemeClr val="tx1">
+                    <a:lumMod val="65000"/>
+                    <a:lumOff val="35000"/>
+                  </a:schemeClr>
+                </a:solidFill>
+                <a:latin typeface="+mn-lt"/>
+                <a:ea typeface="+mn-ea"/>
+                <a:cs typeface="+mn-cs"/>
+              </a:defRPr>
+            </a:lvl1pPr>
+            <a:lvl2pPr marL="457200" indent="0" algn="ctr" defTabSz="457200" rtl="0" eaLnBrk="1" latinLnBrk="0" hangingPunct="1">
+              <a:spcBef>
+                <a:spcPts val="1000"/>
+              </a:spcBef>
+              <a:spcAft>
+                <a:spcPts val="0"/>
+              </a:spcAft>
+              <a:buClr>
+                <a:schemeClr val="accent1"/>
+              </a:buClr>
+              <a:buFont typeface="Wingdings 3" charset="2"/>
+              <a:buNone/>
+              <a:defRPr sz="1600" kern="1200">
+                <a:solidFill>
+                  <a:schemeClr val="tx1">
+                    <a:tint val="75000"/>
+                  </a:schemeClr>
+                </a:solidFill>
+                <a:latin typeface="+mn-lt"/>
+                <a:ea typeface="+mn-ea"/>
+                <a:cs typeface="+mn-cs"/>
+              </a:defRPr>
+            </a:lvl2pPr>
+            <a:lvl3pPr marL="914400" indent="0" algn="ctr" defTabSz="457200" rtl="0" eaLnBrk="1" latinLnBrk="0" hangingPunct="1">
+              <a:spcBef>
+                <a:spcPts val="1000"/>
+              </a:spcBef>
+              <a:spcAft>
+                <a:spcPts val="0"/>
+              </a:spcAft>
+              <a:buClr>
+                <a:schemeClr val="accent1"/>
+              </a:buClr>
+              <a:buFont typeface="Wingdings 3" charset="2"/>
+              <a:buNone/>
+              <a:defRPr sz="1400" kern="1200">
+                <a:solidFill>
+                  <a:schemeClr val="tx1">
+                    <a:tint val="75000"/>
+                  </a:schemeClr>
+                </a:solidFill>
+                <a:latin typeface="+mn-lt"/>
+                <a:ea typeface="+mn-ea"/>
+                <a:cs typeface="+mn-cs"/>
+              </a:defRPr>
+            </a:lvl3pPr>
+            <a:lvl4pPr marL="1371600" indent="0" algn="ctr" defTabSz="457200" rtl="0" eaLnBrk="1" latinLnBrk="0" hangingPunct="1">
+              <a:spcBef>
+                <a:spcPts val="1000"/>
+              </a:spcBef>
+              <a:spcAft>
+                <a:spcPts val="0"/>
+              </a:spcAft>
+              <a:buClr>
+                <a:schemeClr val="accent1"/>
+              </a:buClr>
+              <a:buFont typeface="Wingdings 3" charset="2"/>
+              <a:buNone/>
+              <a:defRPr sz="1200" kern="1200">
+                <a:solidFill>
+                  <a:schemeClr val="tx1">
+                    <a:tint val="75000"/>
+                  </a:schemeClr>
+                </a:solidFill>
+                <a:latin typeface="+mn-lt"/>
+                <a:ea typeface="+mn-ea"/>
+                <a:cs typeface="+mn-cs"/>
+              </a:defRPr>
+            </a:lvl4pPr>
+            <a:lvl5pPr marL="1828800" indent="0" algn="ctr" defTabSz="457200" rtl="0" eaLnBrk="1" latinLnBrk="0" hangingPunct="1">
+              <a:spcBef>
+                <a:spcPts val="1000"/>
+              </a:spcBef>
+              <a:spcAft>
+                <a:spcPts val="0"/>
+              </a:spcAft>
+              <a:buClr>
+                <a:schemeClr val="accent1"/>
+              </a:buClr>
+              <a:buFont typeface="Wingdings 3" charset="2"/>
+              <a:buNone/>
+              <a:defRPr sz="1200" kern="1200">
+                <a:solidFill>
+                  <a:schemeClr val="tx1">
+                    <a:tint val="75000"/>
+                  </a:schemeClr>
+                </a:solidFill>
+                <a:latin typeface="+mn-lt"/>
+                <a:ea typeface="+mn-ea"/>
+                <a:cs typeface="+mn-cs"/>
+              </a:defRPr>
+            </a:lvl5pPr>
+            <a:lvl6pPr marL="2286000" indent="0" algn="ctr" defTabSz="457200" rtl="0" eaLnBrk="1" latinLnBrk="0" hangingPunct="1">
+              <a:spcBef>
+                <a:spcPts val="1000"/>
+              </a:spcBef>
+              <a:spcAft>
+                <a:spcPts val="0"/>
+              </a:spcAft>
+              <a:buClr>
+                <a:schemeClr val="accent1"/>
+              </a:buClr>
+              <a:buFont typeface="Wingdings 3" charset="2"/>
+              <a:buNone/>
+              <a:defRPr sz="1200" kern="1200">
+                <a:solidFill>
+                  <a:schemeClr val="tx1">
+                    <a:tint val="75000"/>
+                  </a:schemeClr>
+                </a:solidFill>
+                <a:latin typeface="+mn-lt"/>
+                <a:ea typeface="+mn-ea"/>
+                <a:cs typeface="+mn-cs"/>
+              </a:defRPr>
+            </a:lvl6pPr>
+            <a:lvl7pPr marL="2743200" indent="0" algn="ctr" defTabSz="457200" rtl="0" eaLnBrk="1" latinLnBrk="0" hangingPunct="1">
+              <a:spcBef>
+                <a:spcPts val="1000"/>
+              </a:spcBef>
+              <a:spcAft>
+                <a:spcPts val="0"/>
+              </a:spcAft>
+              <a:buClr>
+                <a:schemeClr val="accent1"/>
+              </a:buClr>
+              <a:buFont typeface="Wingdings 3" charset="2"/>
+              <a:buNone/>
+              <a:defRPr sz="1200" kern="1200">
+                <a:solidFill>
+                  <a:schemeClr val="tx1">
+                    <a:tint val="75000"/>
+                  </a:schemeClr>
+                </a:solidFill>
+                <a:latin typeface="+mn-lt"/>
+                <a:ea typeface="+mn-ea"/>
+                <a:cs typeface="+mn-cs"/>
+              </a:defRPr>
+            </a:lvl7pPr>
+            <a:lvl8pPr marL="3200400" indent="0" algn="ctr" defTabSz="457200" rtl="0" eaLnBrk="1" latinLnBrk="0" hangingPunct="1">
+              <a:spcBef>
+                <a:spcPts val="1000"/>
+              </a:spcBef>
+              <a:spcAft>
+                <a:spcPts val="0"/>
+              </a:spcAft>
+              <a:buClr>
+                <a:schemeClr val="accent1"/>
+              </a:buClr>
+              <a:buFont typeface="Wingdings 3" charset="2"/>
+              <a:buNone/>
+              <a:defRPr sz="1200" kern="1200">
+                <a:solidFill>
+                  <a:schemeClr val="tx1">
+                    <a:tint val="75000"/>
+                  </a:schemeClr>
+                </a:solidFill>
+                <a:latin typeface="+mn-lt"/>
+                <a:ea typeface="+mn-ea"/>
+                <a:cs typeface="+mn-cs"/>
+              </a:defRPr>
+            </a:lvl8pPr>
+            <a:lvl9pPr marL="3657600" indent="0" algn="ctr" defTabSz="457200" rtl="0" eaLnBrk="1" latinLnBrk="0" hangingPunct="1">
+              <a:spcBef>
+                <a:spcPts val="1000"/>
+              </a:spcBef>
+              <a:spcAft>
+                <a:spcPts val="0"/>
+              </a:spcAft>
+              <a:buClr>
+                <a:schemeClr val="accent1"/>
+              </a:buClr>
+              <a:buFont typeface="Wingdings 3" charset="2"/>
+              <a:buNone/>
+              <a:defRPr sz="1200" kern="1200">
+                <a:solidFill>
+                  <a:schemeClr val="tx1">
+                    <a:tint val="75000"/>
+                  </a:schemeClr>
+                </a:solidFill>
+                <a:latin typeface="+mn-lt"/>
+                <a:ea typeface="+mn-ea"/>
+                <a:cs typeface="+mn-cs"/>
+              </a:defRPr>
+            </a:lvl9pPr>
+          </a:lstStyle>
+          <a:p>
+            <a:pPr marL="457200" indent="-457200">
+              <a:buFont typeface="Arial" panose="020B0604020202020204" pitchFamily="34" charset="0"/>
+              <a:buChar char="•"/>
+            </a:pPr>
+            <a:endParaRPr lang="ru-RU" sz="2800" dirty="0">
+              <a:solidFill>
+                <a:srgbClr val="0249A0"/>
+              </a:solidFill>
+            </a:endParaRPr>
+          </a:p>
+        </p:txBody>
+      </p:sp>
+      <p:sp>
+        <p:nvSpPr>
+          <p:cNvPr id="7" name="Подзаголовок 2">
+            <a:extLst>
+              <a:ext uri="{FF2B5EF4-FFF2-40B4-BE49-F238E27FC236}">
+                <a16:creationId xmlns:a16="http://schemas.microsoft.com/office/drawing/2014/main" id="{102169FD-F965-4BB7-8F69-FE4938AC1940}"/>
+              </a:ext>
+            </a:extLst>
+          </p:cNvPr>
+          <p:cNvSpPr>
+            <a:spLocks noGrp="1"/>
+          </p:cNvSpPr>
+          <p:nvPr/>
+        </p:nvSpPr>
+        <p:spPr>
+          <a:xfrm>
+            <a:off x="467504" y="1473199"/>
+            <a:ext cx="10149696" cy="5205835"/>
+          </a:xfrm>
+          <a:prstGeom prst="rect">
+            <a:avLst/>
+          </a:prstGeom>
+        </p:spPr>
+        <p:txBody>
+          <a:bodyPr vert="horz" lIns="91440" tIns="45720" rIns="91440" bIns="45720" rtlCol="0" anchor="t">
+            <a:normAutofit/>
+          </a:bodyPr>
+          <a:lstStyle>
+            <a:lvl1pPr marL="0" indent="0" algn="l" defTabSz="457200" rtl="0" eaLnBrk="1" latinLnBrk="0" hangingPunct="1">
+              <a:spcBef>
+                <a:spcPts val="1000"/>
+              </a:spcBef>
+              <a:spcAft>
+                <a:spcPts val="0"/>
+              </a:spcAft>
+              <a:buClr>
+                <a:schemeClr val="accent1"/>
+              </a:buClr>
+              <a:buFont typeface="Wingdings 3" charset="2"/>
+              <a:buNone/>
+              <a:defRPr sz="1800" kern="1200">
+                <a:solidFill>
+                  <a:schemeClr val="tx1">
+                    <a:lumMod val="65000"/>
+                    <a:lumOff val="35000"/>
+                  </a:schemeClr>
+                </a:solidFill>
+                <a:latin typeface="+mn-lt"/>
+                <a:ea typeface="+mn-ea"/>
+                <a:cs typeface="+mn-cs"/>
+              </a:defRPr>
+            </a:lvl1pPr>
+            <a:lvl2pPr marL="457200" indent="0" algn="ctr" defTabSz="457200" rtl="0" eaLnBrk="1" latinLnBrk="0" hangingPunct="1">
+              <a:spcBef>
+                <a:spcPts val="1000"/>
+              </a:spcBef>
+              <a:spcAft>
+                <a:spcPts val="0"/>
+              </a:spcAft>
+              <a:buClr>
+                <a:schemeClr val="accent1"/>
+              </a:buClr>
+              <a:buFont typeface="Wingdings 3" charset="2"/>
+              <a:buNone/>
+              <a:defRPr sz="1600" kern="1200">
+                <a:solidFill>
+                  <a:schemeClr val="tx1">
+                    <a:tint val="75000"/>
+                  </a:schemeClr>
+                </a:solidFill>
+                <a:latin typeface="+mn-lt"/>
+                <a:ea typeface="+mn-ea"/>
+                <a:cs typeface="+mn-cs"/>
+              </a:defRPr>
+            </a:lvl2pPr>
+            <a:lvl3pPr marL="914400" indent="0" algn="ctr" defTabSz="457200" rtl="0" eaLnBrk="1" latinLnBrk="0" hangingPunct="1">
+              <a:spcBef>
+                <a:spcPts val="1000"/>
+              </a:spcBef>
+              <a:spcAft>
+                <a:spcPts val="0"/>
+              </a:spcAft>
+              <a:buClr>
+                <a:schemeClr val="accent1"/>
+              </a:buClr>
+              <a:buFont typeface="Wingdings 3" charset="2"/>
+              <a:buNone/>
+              <a:defRPr sz="1400" kern="1200">
+                <a:solidFill>
+                  <a:schemeClr val="tx1">
+                    <a:tint val="75000"/>
+                  </a:schemeClr>
+                </a:solidFill>
+                <a:latin typeface="+mn-lt"/>
+                <a:ea typeface="+mn-ea"/>
+                <a:cs typeface="+mn-cs"/>
+              </a:defRPr>
+            </a:lvl3pPr>
+            <a:lvl4pPr marL="1371600" indent="0" algn="ctr" defTabSz="457200" rtl="0" eaLnBrk="1" latinLnBrk="0" hangingPunct="1">
+              <a:spcBef>
+                <a:spcPts val="1000"/>
+              </a:spcBef>
+              <a:spcAft>
+                <a:spcPts val="0"/>
+              </a:spcAft>
+              <a:buClr>
+                <a:schemeClr val="accent1"/>
+              </a:buClr>
+              <a:buFont typeface="Wingdings 3" charset="2"/>
+              <a:buNone/>
+              <a:defRPr sz="1200" kern="1200">
+                <a:solidFill>
+                  <a:schemeClr val="tx1">
+                    <a:tint val="75000"/>
+                  </a:schemeClr>
+                </a:solidFill>
+                <a:latin typeface="+mn-lt"/>
+                <a:ea typeface="+mn-ea"/>
+                <a:cs typeface="+mn-cs"/>
+              </a:defRPr>
+            </a:lvl4pPr>
+            <a:lvl5pPr marL="1828800" indent="0" algn="ctr" defTabSz="457200" rtl="0" eaLnBrk="1" latinLnBrk="0" hangingPunct="1">
+              <a:spcBef>
+                <a:spcPts val="1000"/>
+              </a:spcBef>
+              <a:spcAft>
+                <a:spcPts val="0"/>
+              </a:spcAft>
+              <a:buClr>
+                <a:schemeClr val="accent1"/>
+              </a:buClr>
+              <a:buFont typeface="Wingdings 3" charset="2"/>
+              <a:buNone/>
+              <a:defRPr sz="1200" kern="1200">
+                <a:solidFill>
+                  <a:schemeClr val="tx1">
+                    <a:tint val="75000"/>
+                  </a:schemeClr>
+                </a:solidFill>
+                <a:latin typeface="+mn-lt"/>
+                <a:ea typeface="+mn-ea"/>
+                <a:cs typeface="+mn-cs"/>
+              </a:defRPr>
+            </a:lvl5pPr>
+            <a:lvl6pPr marL="2286000" indent="0" algn="ctr" defTabSz="457200" rtl="0" eaLnBrk="1" latinLnBrk="0" hangingPunct="1">
+              <a:spcBef>
+                <a:spcPts val="1000"/>
+              </a:spcBef>
+              <a:spcAft>
+                <a:spcPts val="0"/>
+              </a:spcAft>
+              <a:buClr>
+                <a:schemeClr val="accent1"/>
+              </a:buClr>
+              <a:buFont typeface="Wingdings 3" charset="2"/>
+              <a:buNone/>
+              <a:defRPr sz="1200" kern="1200">
+                <a:solidFill>
+                  <a:schemeClr val="tx1">
+                    <a:tint val="75000"/>
+                  </a:schemeClr>
+                </a:solidFill>
+                <a:latin typeface="+mn-lt"/>
+                <a:ea typeface="+mn-ea"/>
+                <a:cs typeface="+mn-cs"/>
+              </a:defRPr>
+            </a:lvl6pPr>
+            <a:lvl7pPr marL="2743200" indent="0" algn="ctr" defTabSz="457200" rtl="0" eaLnBrk="1" latinLnBrk="0" hangingPunct="1">
+              <a:spcBef>
+                <a:spcPts val="1000"/>
+              </a:spcBef>
+              <a:spcAft>
+                <a:spcPts val="0"/>
+              </a:spcAft>
+              <a:buClr>
+                <a:schemeClr val="accent1"/>
+              </a:buClr>
+              <a:buFont typeface="Wingdings 3" charset="2"/>
+              <a:buNone/>
+              <a:defRPr sz="1200" kern="1200">
+                <a:solidFill>
+                  <a:schemeClr val="tx1">
+                    <a:tint val="75000"/>
+                  </a:schemeClr>
+                </a:solidFill>
+                <a:latin typeface="+mn-lt"/>
+                <a:ea typeface="+mn-ea"/>
+                <a:cs typeface="+mn-cs"/>
+              </a:defRPr>
+            </a:lvl7pPr>
+            <a:lvl8pPr marL="3200400" indent="0" algn="ctr" defTabSz="457200" rtl="0" eaLnBrk="1" latinLnBrk="0" hangingPunct="1">
+              <a:spcBef>
+                <a:spcPts val="1000"/>
+              </a:spcBef>
+              <a:spcAft>
+                <a:spcPts val="0"/>
+              </a:spcAft>
+              <a:buClr>
+                <a:schemeClr val="accent1"/>
+              </a:buClr>
+              <a:buFont typeface="Wingdings 3" charset="2"/>
+              <a:buNone/>
+              <a:defRPr sz="1200" kern="1200">
+                <a:solidFill>
+                  <a:schemeClr val="tx1">
+                    <a:tint val="75000"/>
+                  </a:schemeClr>
+                </a:solidFill>
+                <a:latin typeface="+mn-lt"/>
+                <a:ea typeface="+mn-ea"/>
+                <a:cs typeface="+mn-cs"/>
+              </a:defRPr>
+            </a:lvl8pPr>
+            <a:lvl9pPr marL="3657600" indent="0" algn="ctr" defTabSz="457200" rtl="0" eaLnBrk="1" latinLnBrk="0" hangingPunct="1">
+              <a:spcBef>
+                <a:spcPts val="1000"/>
+              </a:spcBef>
+              <a:spcAft>
+                <a:spcPts val="0"/>
+              </a:spcAft>
+              <a:buClr>
+                <a:schemeClr val="accent1"/>
+              </a:buClr>
+              <a:buFont typeface="Wingdings 3" charset="2"/>
+              <a:buNone/>
+              <a:defRPr sz="1200" kern="1200">
+                <a:solidFill>
+                  <a:schemeClr val="tx1">
+                    <a:tint val="75000"/>
+                  </a:schemeClr>
+                </a:solidFill>
+                <a:latin typeface="+mn-lt"/>
+                <a:ea typeface="+mn-ea"/>
+                <a:cs typeface="+mn-cs"/>
+              </a:defRPr>
+            </a:lvl9pPr>
+          </a:lstStyle>
+          <a:p>
+            <a:r>
+              <a:rPr lang="ru-RU" sz="2800" dirty="0">
+                <a:solidFill>
+                  <a:srgbClr val="0249A0"/>
+                </a:solidFill>
+              </a:rPr>
+              <a:t>	Работа над итоговым проектом позволила:</a:t>
+            </a:r>
+          </a:p>
+          <a:p>
+            <a:pPr marL="457200" indent="-457200">
+              <a:buFont typeface="Arial" panose="020B0604020202020204" pitchFamily="34" charset="0"/>
+              <a:buChar char="•"/>
+            </a:pPr>
+            <a:r>
+              <a:rPr lang="ru-RU" sz="2800" dirty="0">
+                <a:solidFill>
+                  <a:srgbClr val="0249A0"/>
+                </a:solidFill>
+              </a:rPr>
+              <a:t>Улучшить понимание процесса разработки информационных систем.</a:t>
+            </a:r>
+          </a:p>
+          <a:p>
+            <a:pPr marL="457200" indent="-457200">
+              <a:buFont typeface="Arial" panose="020B0604020202020204" pitchFamily="34" charset="0"/>
+              <a:buChar char="•"/>
+            </a:pPr>
+            <a:r>
+              <a:rPr lang="ru-RU" sz="2800" dirty="0">
+                <a:solidFill>
+                  <a:srgbClr val="0249A0"/>
+                </a:solidFill>
+              </a:rPr>
+              <a:t>Углубить знания языка программирования </a:t>
+            </a:r>
+            <a:r>
+              <a:rPr lang="en-US" sz="2800" dirty="0">
+                <a:solidFill>
+                  <a:srgbClr val="0249A0"/>
+                </a:solidFill>
+              </a:rPr>
+              <a:t>C#</a:t>
+            </a:r>
+          </a:p>
+          <a:p>
+            <a:pPr marL="457200" indent="-457200">
+              <a:buFont typeface="Arial" panose="020B0604020202020204" pitchFamily="34" charset="0"/>
+              <a:buChar char="•"/>
+            </a:pPr>
+            <a:r>
+              <a:rPr lang="ru-RU" sz="2800" dirty="0">
+                <a:solidFill>
+                  <a:srgbClr val="0249A0"/>
+                </a:solidFill>
+              </a:rPr>
+              <a:t>Приобрести основы навыка анализа и проектирования цифровых продуктов</a:t>
+            </a:r>
+          </a:p>
+          <a:p>
+            <a:pPr marL="457200" indent="-457200">
+              <a:buFont typeface="Arial" panose="020B0604020202020204" pitchFamily="34" charset="0"/>
+              <a:buChar char="•"/>
+            </a:pPr>
+            <a:r>
+              <a:rPr lang="ru-RU" sz="2800" dirty="0">
+                <a:solidFill>
+                  <a:srgbClr val="0249A0"/>
+                </a:solidFill>
+              </a:rPr>
+              <a:t>Определить направление в котором я хочу развиваться дальше по жизни.</a:t>
+            </a:r>
+          </a:p>
+        </p:txBody>
+      </p:sp>
+    </p:spTree>
+    <p:extLst>
+      <p:ext uri="{BB962C8B-B14F-4D97-AF65-F5344CB8AC3E}">
+        <p14:creationId xmlns:p14="http://schemas.microsoft.com/office/powerpoint/2010/main" val="337158574"/>
       </p:ext>
     </p:extLst>
   </p:cSld>
